--- a/Documentations/Supervisor Meeting PowerPoints/11._Supervisor_Meeting_29Jan21.pptx
+++ b/Documentations/Supervisor Meeting PowerPoints/11._Supervisor_Meeting_29Jan21.pptx
@@ -5,7 +5,7 @@
     <p:sldMasterId id="2147483648" r:id="rId1"/>
   </p:sldMasterIdLst>
   <p:notesMasterIdLst>
-    <p:notesMasterId r:id="rId9"/>
+    <p:notesMasterId r:id="rId8"/>
   </p:notesMasterIdLst>
   <p:sldIdLst>
     <p:sldId id="256" r:id="rId2"/>
@@ -13,8 +13,7 @@
     <p:sldId id="343" r:id="rId4"/>
     <p:sldId id="394" r:id="rId5"/>
     <p:sldId id="396" r:id="rId6"/>
-    <p:sldId id="397" r:id="rId7"/>
-    <p:sldId id="331" r:id="rId8"/>
+    <p:sldId id="331" r:id="rId7"/>
   </p:sldIdLst>
   <p:sldSz cx="18288000" cy="10287000"/>
   <p:notesSz cx="18288000" cy="10287000"/>
@@ -3493,20 +3492,28 @@
     </pc:docChg>
   </pc:docChgLst>
   <pc:docChgLst>
-    <pc:chgData name="Andrew Ming Ho Wu" userId="620d876fccae6a25" providerId="LiveId" clId="{301D553B-ED1B-4DD0-8B60-0326FA0FE40D}"/>
-    <pc:docChg chg="undo custSel modSld sldOrd">
-      <pc:chgData name="Andrew Ming Ho Wu" userId="620d876fccae6a25" providerId="LiveId" clId="{301D553B-ED1B-4DD0-8B60-0326FA0FE40D}" dt="2020-12-04T09:57:29.774" v="2192" actId="20577"/>
+    <pc:chgData name="Andrew Ming Ho Wu" userId="620d876fccae6a25" providerId="LiveId" clId="{B8CC6B97-FBEB-4E84-A973-1D8D00A51797}"/>
+    <pc:docChg chg="undo redo custSel addSld delSld modSld">
+      <pc:chgData name="Andrew Ming Ho Wu" userId="620d876fccae6a25" providerId="LiveId" clId="{B8CC6B97-FBEB-4E84-A973-1D8D00A51797}" dt="2020-12-09T20:21:14.831" v="3322" actId="1076"/>
       <pc:docMkLst>
         <pc:docMk/>
       </pc:docMkLst>
       <pc:sldChg chg="modSp mod">
-        <pc:chgData name="Andrew Ming Ho Wu" userId="620d876fccae6a25" providerId="LiveId" clId="{301D553B-ED1B-4DD0-8B60-0326FA0FE40D}" dt="2020-12-04T09:23:30.694" v="1648" actId="20577"/>
+        <pc:chgData name="Andrew Ming Ho Wu" userId="620d876fccae6a25" providerId="LiveId" clId="{B8CC6B97-FBEB-4E84-A973-1D8D00A51797}" dt="2020-12-07T23:20:20.434" v="2391" actId="20577"/>
         <pc:sldMkLst>
           <pc:docMk/>
           <pc:sldMk cId="0" sldId="256"/>
         </pc:sldMkLst>
         <pc:spChg chg="mod">
-          <ac:chgData name="Andrew Ming Ho Wu" userId="620d876fccae6a25" providerId="LiveId" clId="{301D553B-ED1B-4DD0-8B60-0326FA0FE40D}" dt="2020-12-04T09:23:30.694" v="1648" actId="20577"/>
+          <ac:chgData name="Andrew Ming Ho Wu" userId="620d876fccae6a25" providerId="LiveId" clId="{B8CC6B97-FBEB-4E84-A973-1D8D00A51797}" dt="2020-12-07T23:20:20.434" v="2391" actId="20577"/>
+          <ac:spMkLst>
+            <pc:docMk/>
+            <pc:sldMk cId="0" sldId="256"/>
+            <ac:spMk id="7" creationId="{00000000-0000-0000-0000-000000000000}"/>
+          </ac:spMkLst>
+        </pc:spChg>
+        <pc:spChg chg="mod">
+          <ac:chgData name="Andrew Ming Ho Wu" userId="620d876fccae6a25" providerId="LiveId" clId="{B8CC6B97-FBEB-4E84-A973-1D8D00A51797}" dt="2020-12-07T11:47:32.514" v="4" actId="20577"/>
           <ac:spMkLst>
             <pc:docMk/>
             <pc:sldMk cId="0" sldId="256"/>
@@ -3514,14 +3521,14 @@
           </ac:spMkLst>
         </pc:spChg>
       </pc:sldChg>
-      <pc:sldChg chg="modSp mod ord">
-        <pc:chgData name="Andrew Ming Ho Wu" userId="620d876fccae6a25" providerId="LiveId" clId="{301D553B-ED1B-4DD0-8B60-0326FA0FE40D}" dt="2020-12-04T09:37:15.202" v="1818" actId="1076"/>
+      <pc:sldChg chg="modSp del mod">
+        <pc:chgData name="Andrew Ming Ho Wu" userId="620d876fccae6a25" providerId="LiveId" clId="{B8CC6B97-FBEB-4E84-A973-1D8D00A51797}" dt="2020-12-07T14:43:22.840" v="2386" actId="47"/>
         <pc:sldMkLst>
           <pc:docMk/>
           <pc:sldMk cId="3627176467" sldId="330"/>
         </pc:sldMkLst>
         <pc:spChg chg="mod">
-          <ac:chgData name="Andrew Ming Ho Wu" userId="620d876fccae6a25" providerId="LiveId" clId="{301D553B-ED1B-4DD0-8B60-0326FA0FE40D}" dt="2020-12-04T09:37:15.202" v="1818" actId="1076"/>
+          <ac:chgData name="Andrew Ming Ho Wu" userId="620d876fccae6a25" providerId="LiveId" clId="{B8CC6B97-FBEB-4E84-A973-1D8D00A51797}" dt="2020-12-07T11:49:36.385" v="427" actId="115"/>
           <ac:spMkLst>
             <pc:docMk/>
             <pc:sldMk cId="3627176467" sldId="330"/>
@@ -3530,63 +3537,1210 @@
         </pc:spChg>
       </pc:sldChg>
       <pc:sldChg chg="addSp delSp modSp mod">
-        <pc:chgData name="Andrew Ming Ho Wu" userId="620d876fccae6a25" providerId="LiveId" clId="{301D553B-ED1B-4DD0-8B60-0326FA0FE40D}" dt="2020-12-04T09:57:29.774" v="2192" actId="20577"/>
+        <pc:chgData name="Andrew Ming Ho Wu" userId="620d876fccae6a25" providerId="LiveId" clId="{B8CC6B97-FBEB-4E84-A973-1D8D00A51797}" dt="2020-12-09T20:19:32.434" v="3257" actId="20577"/>
         <pc:sldMkLst>
           <pc:docMk/>
           <pc:sldMk cId="2206058006" sldId="333"/>
         </pc:sldMkLst>
         <pc:spChg chg="mod">
-          <ac:chgData name="Andrew Ming Ho Wu" userId="620d876fccae6a25" providerId="LiveId" clId="{301D553B-ED1B-4DD0-8B60-0326FA0FE40D}" dt="2020-12-04T09:54:08.146" v="2088" actId="1076"/>
+          <ac:chgData name="Andrew Ming Ho Wu" userId="620d876fccae6a25" providerId="LiveId" clId="{B8CC6B97-FBEB-4E84-A973-1D8D00A51797}" dt="2020-12-08T20:51:48.995" v="2411" actId="20577"/>
           <ac:spMkLst>
             <pc:docMk/>
             <pc:sldMk cId="2206058006" sldId="333"/>
             <ac:spMk id="5" creationId="{00000000-0000-0000-0000-000000000000}"/>
           </ac:spMkLst>
         </pc:spChg>
-        <pc:spChg chg="add del mod">
-          <ac:chgData name="Andrew Ming Ho Wu" userId="620d876fccae6a25" providerId="LiveId" clId="{301D553B-ED1B-4DD0-8B60-0326FA0FE40D}" dt="2020-12-04T09:57:29.774" v="2192" actId="20577"/>
+        <pc:spChg chg="del">
+          <ac:chgData name="Andrew Ming Ho Wu" userId="620d876fccae6a25" providerId="LiveId" clId="{B8CC6B97-FBEB-4E84-A973-1D8D00A51797}" dt="2020-12-07T11:49:40.438" v="428" actId="478"/>
           <ac:spMkLst>
             <pc:docMk/>
             <pc:sldMk cId="2206058006" sldId="333"/>
             <ac:spMk id="11" creationId="{3E2506E2-B67A-4B0D-BA61-6B13AC56BACF}"/>
           </ac:spMkLst>
         </pc:spChg>
-      </pc:sldChg>
-      <pc:sldChg chg="modSp mod">
-        <pc:chgData name="Andrew Ming Ho Wu" userId="620d876fccae6a25" providerId="LiveId" clId="{301D553B-ED1B-4DD0-8B60-0326FA0FE40D}" dt="2020-12-03T19:29:39.167" v="656" actId="20577"/>
+        <pc:spChg chg="add del mod">
+          <ac:chgData name="Andrew Ming Ho Wu" userId="620d876fccae6a25" providerId="LiveId" clId="{B8CC6B97-FBEB-4E84-A973-1D8D00A51797}" dt="2020-12-09T20:19:32.434" v="3257" actId="20577"/>
+          <ac:spMkLst>
+            <pc:docMk/>
+            <pc:sldMk cId="2206058006" sldId="333"/>
+            <ac:spMk id="12" creationId="{11F2B6B6-0466-4FF3-9677-694F0F61AE7C}"/>
+          </ac:spMkLst>
+        </pc:spChg>
+        <pc:grpChg chg="mod">
+          <ac:chgData name="Andrew Ming Ho Wu" userId="620d876fccae6a25" providerId="LiveId" clId="{B8CC6B97-FBEB-4E84-A973-1D8D00A51797}" dt="2020-12-07T11:50:20.258" v="465" actId="1076"/>
+          <ac:grpSpMkLst>
+            <pc:docMk/>
+            <pc:sldMk cId="2206058006" sldId="333"/>
+            <ac:grpSpMk id="2" creationId="{00000000-0000-0000-0000-000000000000}"/>
+          </ac:grpSpMkLst>
+        </pc:grpChg>
+        <pc:grpChg chg="mod">
+          <ac:chgData name="Andrew Ming Ho Wu" userId="620d876fccae6a25" providerId="LiveId" clId="{B8CC6B97-FBEB-4E84-A973-1D8D00A51797}" dt="2020-12-07T11:50:22.733" v="466" actId="1076"/>
+          <ac:grpSpMkLst>
+            <pc:docMk/>
+            <pc:sldMk cId="2206058006" sldId="333"/>
+            <ac:grpSpMk id="8" creationId="{00000000-0000-0000-0000-000000000000}"/>
+          </ac:grpSpMkLst>
+        </pc:grpChg>
+      </pc:sldChg>
+      <pc:sldChg chg="addSp delSp modSp mod">
+        <pc:chgData name="Andrew Ming Ho Wu" userId="620d876fccae6a25" providerId="LiveId" clId="{B8CC6B97-FBEB-4E84-A973-1D8D00A51797}" dt="2020-12-07T12:17:11.563" v="2385" actId="20577"/>
         <pc:sldMkLst>
           <pc:docMk/>
           <pc:sldMk cId="2818220858" sldId="343"/>
         </pc:sldMkLst>
         <pc:spChg chg="mod">
-          <ac:chgData name="Andrew Ming Ho Wu" userId="620d876fccae6a25" providerId="LiveId" clId="{301D553B-ED1B-4DD0-8B60-0326FA0FE40D}" dt="2020-12-03T19:29:34.248" v="655" actId="20577"/>
+          <ac:chgData name="Andrew Ming Ho Wu" userId="620d876fccae6a25" providerId="LiveId" clId="{B8CC6B97-FBEB-4E84-A973-1D8D00A51797}" dt="2020-12-07T12:16:53.205" v="2364" actId="1076"/>
+          <ac:spMkLst>
+            <pc:docMk/>
+            <pc:sldMk cId="2818220858" sldId="343"/>
+            <ac:spMk id="5" creationId="{81D7F47C-B22C-46A9-BD87-E2FA064EC20F}"/>
+          </ac:spMkLst>
+        </pc:spChg>
+        <pc:spChg chg="mod">
+          <ac:chgData name="Andrew Ming Ho Wu" userId="620d876fccae6a25" providerId="LiveId" clId="{B8CC6B97-FBEB-4E84-A973-1D8D00A51797}" dt="2020-12-07T12:16:25.853" v="2338" actId="20577"/>
           <ac:spMkLst>
             <pc:docMk/>
             <pc:sldMk cId="2818220858" sldId="343"/>
             <ac:spMk id="8" creationId="{9D42ABF8-029E-4F29-B608-8C118D28ABA1}"/>
           </ac:spMkLst>
         </pc:spChg>
-        <pc:spChg chg="mod">
-          <ac:chgData name="Andrew Ming Ho Wu" userId="620d876fccae6a25" providerId="LiveId" clId="{301D553B-ED1B-4DD0-8B60-0326FA0FE40D}" dt="2020-12-03T19:29:39.167" v="656" actId="20577"/>
+        <pc:spChg chg="add del mod">
+          <ac:chgData name="Andrew Ming Ho Wu" userId="620d876fccae6a25" providerId="LiveId" clId="{B8CC6B97-FBEB-4E84-A973-1D8D00A51797}" dt="2020-12-07T12:17:00.094" v="2366"/>
+          <ac:spMkLst>
+            <pc:docMk/>
+            <pc:sldMk cId="2818220858" sldId="343"/>
+            <ac:spMk id="14" creationId="{4008C9F8-7034-4640-926C-69C20356432C}"/>
+          </ac:spMkLst>
+        </pc:spChg>
+        <pc:spChg chg="mod">
+          <ac:chgData name="Andrew Ming Ho Wu" userId="620d876fccae6a25" providerId="LiveId" clId="{B8CC6B97-FBEB-4E84-A973-1D8D00A51797}" dt="2020-12-07T11:47:46.566" v="35" actId="20577"/>
           <ac:spMkLst>
             <pc:docMk/>
             <pc:sldMk cId="2818220858" sldId="343"/>
             <ac:spMk id="15" creationId="{5FC8DCBF-4CCE-4C22-8B9F-CC50B4D8446D}"/>
           </ac:spMkLst>
         </pc:spChg>
+        <pc:spChg chg="add mod">
+          <ac:chgData name="Andrew Ming Ho Wu" userId="620d876fccae6a25" providerId="LiveId" clId="{B8CC6B97-FBEB-4E84-A973-1D8D00A51797}" dt="2020-12-07T12:17:11.563" v="2385" actId="20577"/>
+          <ac:spMkLst>
+            <pc:docMk/>
+            <pc:sldMk cId="2818220858" sldId="343"/>
+            <ac:spMk id="16" creationId="{9776CE46-BCD9-4FBA-A83A-BE5C5D29A965}"/>
+          </ac:spMkLst>
+        </pc:spChg>
+        <pc:grpChg chg="mod">
+          <ac:chgData name="Andrew Ming Ho Wu" userId="620d876fccae6a25" providerId="LiveId" clId="{B8CC6B97-FBEB-4E84-A973-1D8D00A51797}" dt="2020-12-07T12:16:48.563" v="2363" actId="1076"/>
+          <ac:grpSpMkLst>
+            <pc:docMk/>
+            <pc:sldMk cId="2818220858" sldId="343"/>
+            <ac:grpSpMk id="2" creationId="{00000000-0000-0000-0000-000000000000}"/>
+          </ac:grpSpMkLst>
+        </pc:grpChg>
+      </pc:sldChg>
+      <pc:sldChg chg="modSp mod">
+        <pc:chgData name="Andrew Ming Ho Wu" userId="620d876fccae6a25" providerId="LiveId" clId="{B8CC6B97-FBEB-4E84-A973-1D8D00A51797}" dt="2020-12-07T12:12:01.475" v="2130" actId="20577"/>
+        <pc:sldMkLst>
+          <pc:docMk/>
+          <pc:sldMk cId="1002563172" sldId="387"/>
+        </pc:sldMkLst>
+        <pc:spChg chg="mod">
+          <ac:chgData name="Andrew Ming Ho Wu" userId="620d876fccae6a25" providerId="LiveId" clId="{B8CC6B97-FBEB-4E84-A973-1D8D00A51797}" dt="2020-12-07T12:12:01.475" v="2130" actId="20577"/>
+          <ac:spMkLst>
+            <pc:docMk/>
+            <pc:sldMk cId="1002563172" sldId="387"/>
+            <ac:spMk id="5" creationId="{00000000-0000-0000-0000-000000000000}"/>
+          </ac:spMkLst>
+        </pc:spChg>
+      </pc:sldChg>
+      <pc:sldChg chg="modSp add mod">
+        <pc:chgData name="Andrew Ming Ho Wu" userId="620d876fccae6a25" providerId="LiveId" clId="{B8CC6B97-FBEB-4E84-A973-1D8D00A51797}" dt="2020-12-09T20:21:14.831" v="3322" actId="1076"/>
+        <pc:sldMkLst>
+          <pc:docMk/>
+          <pc:sldMk cId="2049264590" sldId="388"/>
+        </pc:sldMkLst>
+        <pc:spChg chg="mod">
+          <ac:chgData name="Andrew Ming Ho Wu" userId="620d876fccae6a25" providerId="LiveId" clId="{B8CC6B97-FBEB-4E84-A973-1D8D00A51797}" dt="2020-12-09T20:21:14.831" v="3322" actId="1076"/>
+          <ac:spMkLst>
+            <pc:docMk/>
+            <pc:sldMk cId="2049264590" sldId="388"/>
+            <ac:spMk id="12" creationId="{11F2B6B6-0466-4FF3-9677-694F0F61AE7C}"/>
+          </ac:spMkLst>
+        </pc:spChg>
+      </pc:sldChg>
+      <pc:sldChg chg="add">
+        <pc:chgData name="Andrew Ming Ho Wu" userId="620d876fccae6a25" providerId="LiveId" clId="{B8CC6B97-FBEB-4E84-A973-1D8D00A51797}" dt="2020-12-07T12:11:57.600" v="2129" actId="2890"/>
+        <pc:sldMkLst>
+          <pc:docMk/>
+          <pc:sldMk cId="1012779811" sldId="389"/>
+        </pc:sldMkLst>
+      </pc:sldChg>
+      <pc:sldChg chg="modSp add mod">
+        <pc:chgData name="Andrew Ming Ho Wu" userId="620d876fccae6a25" providerId="LiveId" clId="{B8CC6B97-FBEB-4E84-A973-1D8D00A51797}" dt="2020-12-07T12:13:16.646" v="2234" actId="255"/>
+        <pc:sldMkLst>
+          <pc:docMk/>
+          <pc:sldMk cId="2782934202" sldId="390"/>
+        </pc:sldMkLst>
+        <pc:spChg chg="mod">
+          <ac:chgData name="Andrew Ming Ho Wu" userId="620d876fccae6a25" providerId="LiveId" clId="{B8CC6B97-FBEB-4E84-A973-1D8D00A51797}" dt="2020-12-07T12:12:22.476" v="2139" actId="20577"/>
+          <ac:spMkLst>
+            <pc:docMk/>
+            <pc:sldMk cId="2782934202" sldId="390"/>
+            <ac:spMk id="5" creationId="{00000000-0000-0000-0000-000000000000}"/>
+          </ac:spMkLst>
+        </pc:spChg>
+        <pc:spChg chg="mod">
+          <ac:chgData name="Andrew Ming Ho Wu" userId="620d876fccae6a25" providerId="LiveId" clId="{B8CC6B97-FBEB-4E84-A973-1D8D00A51797}" dt="2020-12-07T12:13:16.646" v="2234" actId="255"/>
+          <ac:spMkLst>
+            <pc:docMk/>
+            <pc:sldMk cId="2782934202" sldId="390"/>
+            <ac:spMk id="12" creationId="{11F2B6B6-0466-4FF3-9677-694F0F61AE7C}"/>
+          </ac:spMkLst>
+        </pc:spChg>
+      </pc:sldChg>
+      <pc:sldChg chg="modSp add mod">
+        <pc:chgData name="Andrew Ming Ho Wu" userId="620d876fccae6a25" providerId="LiveId" clId="{B8CC6B97-FBEB-4E84-A973-1D8D00A51797}" dt="2020-12-07T12:14:09.189" v="2268" actId="20577"/>
+        <pc:sldMkLst>
+          <pc:docMk/>
+          <pc:sldMk cId="2582986712" sldId="391"/>
+        </pc:sldMkLst>
+        <pc:spChg chg="mod">
+          <ac:chgData name="Andrew Ming Ho Wu" userId="620d876fccae6a25" providerId="LiveId" clId="{B8CC6B97-FBEB-4E84-A973-1D8D00A51797}" dt="2020-12-07T12:14:09.189" v="2268" actId="20577"/>
+          <ac:spMkLst>
+            <pc:docMk/>
+            <pc:sldMk cId="2582986712" sldId="391"/>
+            <ac:spMk id="12" creationId="{11F2B6B6-0466-4FF3-9677-694F0F61AE7C}"/>
+          </ac:spMkLst>
+        </pc:spChg>
+      </pc:sldChg>
+      <pc:sldChg chg="modSp add mod">
+        <pc:chgData name="Andrew Ming Ho Wu" userId="620d876fccae6a25" providerId="LiveId" clId="{B8CC6B97-FBEB-4E84-A973-1D8D00A51797}" dt="2020-12-07T12:15:51.208" v="2307" actId="255"/>
+        <pc:sldMkLst>
+          <pc:docMk/>
+          <pc:sldMk cId="161672857" sldId="392"/>
+        </pc:sldMkLst>
+        <pc:spChg chg="mod">
+          <ac:chgData name="Andrew Ming Ho Wu" userId="620d876fccae6a25" providerId="LiveId" clId="{B8CC6B97-FBEB-4E84-A973-1D8D00A51797}" dt="2020-12-07T12:15:14.773" v="2298" actId="20577"/>
+          <ac:spMkLst>
+            <pc:docMk/>
+            <pc:sldMk cId="161672857" sldId="392"/>
+            <ac:spMk id="5" creationId="{00000000-0000-0000-0000-000000000000}"/>
+          </ac:spMkLst>
+        </pc:spChg>
+        <pc:spChg chg="mod">
+          <ac:chgData name="Andrew Ming Ho Wu" userId="620d876fccae6a25" providerId="LiveId" clId="{B8CC6B97-FBEB-4E84-A973-1D8D00A51797}" dt="2020-12-07T12:15:51.208" v="2307" actId="255"/>
+          <ac:spMkLst>
+            <pc:docMk/>
+            <pc:sldMk cId="161672857" sldId="392"/>
+            <ac:spMk id="12" creationId="{11F2B6B6-0466-4FF3-9677-694F0F61AE7C}"/>
+          </ac:spMkLst>
+        </pc:spChg>
+      </pc:sldChg>
+      <pc:sldChg chg="modSp add mod">
+        <pc:chgData name="Andrew Ming Ho Wu" userId="620d876fccae6a25" providerId="LiveId" clId="{B8CC6B97-FBEB-4E84-A973-1D8D00A51797}" dt="2020-12-09T20:20:31.079" v="3296" actId="20577"/>
+        <pc:sldMkLst>
+          <pc:docMk/>
+          <pc:sldMk cId="226674003" sldId="393"/>
+        </pc:sldMkLst>
+        <pc:spChg chg="mod">
+          <ac:chgData name="Andrew Ming Ho Wu" userId="620d876fccae6a25" providerId="LiveId" clId="{B8CC6B97-FBEB-4E84-A973-1D8D00A51797}" dt="2020-12-09T20:20:31.079" v="3296" actId="20577"/>
+          <ac:spMkLst>
+            <pc:docMk/>
+            <pc:sldMk cId="226674003" sldId="393"/>
+            <ac:spMk id="12" creationId="{11F2B6B6-0466-4FF3-9677-694F0F61AE7C}"/>
+          </ac:spMkLst>
+        </pc:spChg>
+      </pc:sldChg>
+      <pc:sldChg chg="add del">
+        <pc:chgData name="Andrew Ming Ho Wu" userId="620d876fccae6a25" providerId="LiveId" clId="{B8CC6B97-FBEB-4E84-A973-1D8D00A51797}" dt="2020-12-08T20:51:41.486" v="2393"/>
+        <pc:sldMkLst>
+          <pc:docMk/>
+          <pc:sldMk cId="1879883029" sldId="393"/>
+        </pc:sldMkLst>
+      </pc:sldChg>
+    </pc:docChg>
+  </pc:docChgLst>
+  <pc:docChgLst>
+    <pc:chgData name="Andrew Ming Ho Wu" userId="620d876fccae6a25" providerId="LiveId" clId="{EF3BC0AB-AB59-4C81-97A5-1FDA4EE47D87}"/>
+    <pc:docChg chg="undo redo custSel addSld delSld modSld">
+      <pc:chgData name="Andrew Ming Ho Wu" userId="620d876fccae6a25" providerId="LiveId" clId="{EF3BC0AB-AB59-4C81-97A5-1FDA4EE47D87}" dt="2020-09-27T18:57:17.757" v="14458" actId="20577"/>
+      <pc:docMkLst>
+        <pc:docMk/>
+      </pc:docMkLst>
+      <pc:sldChg chg="delSp modSp mod modNotesTx">
+        <pc:chgData name="Andrew Ming Ho Wu" userId="620d876fccae6a25" providerId="LiveId" clId="{EF3BC0AB-AB59-4C81-97A5-1FDA4EE47D87}" dt="2020-09-27T09:55:20.712" v="4391" actId="255"/>
+        <pc:sldMkLst>
+          <pc:docMk/>
+          <pc:sldMk cId="0" sldId="256"/>
+        </pc:sldMkLst>
+        <pc:spChg chg="mod">
+          <ac:chgData name="Andrew Ming Ho Wu" userId="620d876fccae6a25" providerId="LiveId" clId="{EF3BC0AB-AB59-4C81-97A5-1FDA4EE47D87}" dt="2020-09-27T09:55:20.712" v="4391" actId="255"/>
+          <ac:spMkLst>
+            <pc:docMk/>
+            <pc:sldMk cId="0" sldId="256"/>
+            <ac:spMk id="7" creationId="{00000000-0000-0000-0000-000000000000}"/>
+          </ac:spMkLst>
+        </pc:spChg>
+        <pc:spChg chg="del mod">
+          <ac:chgData name="Andrew Ming Ho Wu" userId="620d876fccae6a25" providerId="LiveId" clId="{EF3BC0AB-AB59-4C81-97A5-1FDA4EE47D87}" dt="2020-09-23T13:10:09.932" v="29"/>
+          <ac:spMkLst>
+            <pc:docMk/>
+            <pc:sldMk cId="0" sldId="256"/>
+            <ac:spMk id="8" creationId="{00000000-0000-0000-0000-000000000000}"/>
+          </ac:spMkLst>
+        </pc:spChg>
+        <pc:spChg chg="mod">
+          <ac:chgData name="Andrew Ming Ho Wu" userId="620d876fccae6a25" providerId="LiveId" clId="{EF3BC0AB-AB59-4C81-97A5-1FDA4EE47D87}" dt="2020-09-26T17:04:55.185" v="4379" actId="20577"/>
+          <ac:spMkLst>
+            <pc:docMk/>
+            <pc:sldMk cId="0" sldId="256"/>
+            <ac:spMk id="13" creationId="{0477D28A-3F44-4405-BD2B-4F00158DB1B3}"/>
+          </ac:spMkLst>
+        </pc:spChg>
       </pc:sldChg>
       <pc:sldChg chg="addSp delSp modSp mod">
-        <pc:chgData name="Andrew Ming Ho Wu" userId="620d876fccae6a25" providerId="LiveId" clId="{301D553B-ED1B-4DD0-8B60-0326FA0FE40D}" dt="2020-12-03T19:23:50.731" v="4"/>
-        <pc:sldMkLst>
-          <pc:docMk/>
-          <pc:sldMk cId="1002563172" sldId="387"/>
+        <pc:chgData name="Andrew Ming Ho Wu" userId="620d876fccae6a25" providerId="LiveId" clId="{EF3BC0AB-AB59-4C81-97A5-1FDA4EE47D87}" dt="2020-09-26T16:12:34.168" v="949" actId="1076"/>
+        <pc:sldMkLst>
+          <pc:docMk/>
+          <pc:sldMk cId="0" sldId="257"/>
+        </pc:sldMkLst>
+        <pc:spChg chg="add mod">
+          <ac:chgData name="Andrew Ming Ho Wu" userId="620d876fccae6a25" providerId="LiveId" clId="{EF3BC0AB-AB59-4C81-97A5-1FDA4EE47D87}" dt="2020-09-26T16:12:00.026" v="902" actId="1076"/>
+          <ac:spMkLst>
+            <pc:docMk/>
+            <pc:sldMk cId="0" sldId="257"/>
+            <ac:spMk id="5" creationId="{81D7F47C-B22C-46A9-BD87-E2FA064EC20F}"/>
+          </ac:spMkLst>
+        </pc:spChg>
+        <pc:spChg chg="mod">
+          <ac:chgData name="Andrew Ming Ho Wu" userId="620d876fccae6a25" providerId="LiveId" clId="{EF3BC0AB-AB59-4C81-97A5-1FDA4EE47D87}" dt="2020-09-26T16:11:40.182" v="900" actId="1076"/>
+          <ac:spMkLst>
+            <pc:docMk/>
+            <pc:sldMk cId="0" sldId="257"/>
+            <ac:spMk id="6" creationId="{00000000-0000-0000-0000-000000000000}"/>
+          </ac:spMkLst>
+        </pc:spChg>
+        <pc:spChg chg="add mod">
+          <ac:chgData name="Andrew Ming Ho Wu" userId="620d876fccae6a25" providerId="LiveId" clId="{EF3BC0AB-AB59-4C81-97A5-1FDA4EE47D87}" dt="2020-09-26T16:12:34.168" v="949" actId="1076"/>
+          <ac:spMkLst>
+            <pc:docMk/>
+            <pc:sldMk cId="0" sldId="257"/>
+            <ac:spMk id="7" creationId="{8F1A7018-DAB3-4DD6-9851-CCE349574926}"/>
+          </ac:spMkLst>
+        </pc:spChg>
+        <pc:spChg chg="add del">
+          <ac:chgData name="Andrew Ming Ho Wu" userId="620d876fccae6a25" providerId="LiveId" clId="{EF3BC0AB-AB59-4C81-97A5-1FDA4EE47D87}" dt="2020-09-26T16:11:21.009" v="894" actId="22"/>
+          <ac:spMkLst>
+            <pc:docMk/>
+            <pc:sldMk cId="0" sldId="257"/>
+            <ac:spMk id="8" creationId="{C924EF3F-006C-4216-A9A0-B8029D39A876}"/>
+          </ac:spMkLst>
+        </pc:spChg>
+        <pc:spChg chg="mod">
+          <ac:chgData name="Andrew Ming Ho Wu" userId="620d876fccae6a25" providerId="LiveId" clId="{EF3BC0AB-AB59-4C81-97A5-1FDA4EE47D87}" dt="2020-09-23T13:19:33.930" v="281" actId="20577"/>
+          <ac:spMkLst>
+            <pc:docMk/>
+            <pc:sldMk cId="0" sldId="257"/>
+            <ac:spMk id="13" creationId="{CFB9566F-DF02-46E3-A7DE-30A3DA2B0123}"/>
+          </ac:spMkLst>
+        </pc:spChg>
+        <pc:spChg chg="mod">
+          <ac:chgData name="Andrew Ming Ho Wu" userId="620d876fccae6a25" providerId="LiveId" clId="{EF3BC0AB-AB59-4C81-97A5-1FDA4EE47D87}" dt="2020-09-26T16:11:44.480" v="901" actId="1076"/>
+          <ac:spMkLst>
+            <pc:docMk/>
+            <pc:sldMk cId="0" sldId="257"/>
+            <ac:spMk id="15" creationId="{5FC8DCBF-4CCE-4C22-8B9F-CC50B4D8446D}"/>
+          </ac:spMkLst>
+        </pc:spChg>
+        <pc:spChg chg="del mod">
+          <ac:chgData name="Andrew Ming Ho Wu" userId="620d876fccae6a25" providerId="LiveId" clId="{EF3BC0AB-AB59-4C81-97A5-1FDA4EE47D87}" dt="2020-09-23T13:11:18.490" v="148" actId="478"/>
+          <ac:spMkLst>
+            <pc:docMk/>
+            <pc:sldMk cId="0" sldId="257"/>
+            <ac:spMk id="17" creationId="{F1986DA0-A256-4DC4-89BA-D9AF3A5992F1}"/>
+          </ac:spMkLst>
+        </pc:spChg>
+        <pc:spChg chg="add mod">
+          <ac:chgData name="Andrew Ming Ho Wu" userId="620d876fccae6a25" providerId="LiveId" clId="{EF3BC0AB-AB59-4C81-97A5-1FDA4EE47D87}" dt="2020-09-26T16:12:07.600" v="903" actId="1076"/>
+          <ac:spMkLst>
+            <pc:docMk/>
+            <pc:sldMk cId="0" sldId="257"/>
+            <ac:spMk id="20" creationId="{A6F76399-04DE-46A8-BF2C-99ED8D141BD3}"/>
+          </ac:spMkLst>
+        </pc:spChg>
+        <pc:grpChg chg="mod">
+          <ac:chgData name="Andrew Ming Ho Wu" userId="620d876fccae6a25" providerId="LiveId" clId="{EF3BC0AB-AB59-4C81-97A5-1FDA4EE47D87}" dt="2020-09-26T16:12:28.721" v="948" actId="1076"/>
+          <ac:grpSpMkLst>
+            <pc:docMk/>
+            <pc:sldMk cId="0" sldId="257"/>
+            <ac:grpSpMk id="2" creationId="{00000000-0000-0000-0000-000000000000}"/>
+          </ac:grpSpMkLst>
+        </pc:grpChg>
+        <pc:grpChg chg="add mod">
+          <ac:chgData name="Andrew Ming Ho Wu" userId="620d876fccae6a25" providerId="LiveId" clId="{EF3BC0AB-AB59-4C81-97A5-1FDA4EE47D87}" dt="2020-09-26T16:11:22.051" v="895" actId="571"/>
+          <ac:grpSpMkLst>
+            <pc:docMk/>
+            <pc:sldMk cId="0" sldId="257"/>
+            <ac:grpSpMk id="14" creationId="{830FE23F-E1B8-42CA-8569-E15547258E1C}"/>
+          </ac:grpSpMkLst>
+        </pc:grpChg>
+        <pc:picChg chg="mod">
+          <ac:chgData name="Andrew Ming Ho Wu" userId="620d876fccae6a25" providerId="LiveId" clId="{EF3BC0AB-AB59-4C81-97A5-1FDA4EE47D87}" dt="2020-09-26T16:11:22.051" v="895" actId="571"/>
+          <ac:picMkLst>
+            <pc:docMk/>
+            <pc:sldMk cId="0" sldId="257"/>
+            <ac:picMk id="16" creationId="{91452E8C-A457-4B32-ADCC-8B062C7B7AA2}"/>
+          </ac:picMkLst>
+        </pc:picChg>
+        <pc:picChg chg="mod">
+          <ac:chgData name="Andrew Ming Ho Wu" userId="620d876fccae6a25" providerId="LiveId" clId="{EF3BC0AB-AB59-4C81-97A5-1FDA4EE47D87}" dt="2020-09-26T16:11:22.051" v="895" actId="571"/>
+          <ac:picMkLst>
+            <pc:docMk/>
+            <pc:sldMk cId="0" sldId="257"/>
+            <ac:picMk id="17" creationId="{9914AFBE-82F5-4DA6-8856-1BD8C5F4D972}"/>
+          </ac:picMkLst>
+        </pc:picChg>
+      </pc:sldChg>
+      <pc:sldChg chg="addSp delSp modSp mod modNotesTx">
+        <pc:chgData name="Andrew Ming Ho Wu" userId="620d876fccae6a25" providerId="LiveId" clId="{EF3BC0AB-AB59-4C81-97A5-1FDA4EE47D87}" dt="2020-09-27T18:42:29.401" v="12601" actId="20577"/>
+        <pc:sldMkLst>
+          <pc:docMk/>
+          <pc:sldMk cId="0" sldId="259"/>
+        </pc:sldMkLst>
+        <pc:spChg chg="mod">
+          <ac:chgData name="Andrew Ming Ho Wu" userId="620d876fccae6a25" providerId="LiveId" clId="{EF3BC0AB-AB59-4C81-97A5-1FDA4EE47D87}" dt="2020-09-26T16:15:18.922" v="1252" actId="20577"/>
+          <ac:spMkLst>
+            <pc:docMk/>
+            <pc:sldMk cId="0" sldId="259"/>
+            <ac:spMk id="5" creationId="{00000000-0000-0000-0000-000000000000}"/>
+          </ac:spMkLst>
+        </pc:spChg>
+        <pc:spChg chg="add del">
+          <ac:chgData name="Andrew Ming Ho Wu" userId="620d876fccae6a25" providerId="LiveId" clId="{EF3BC0AB-AB59-4C81-97A5-1FDA4EE47D87}" dt="2020-09-26T16:15:24.567" v="1254" actId="22"/>
+          <ac:spMkLst>
+            <pc:docMk/>
+            <pc:sldMk cId="0" sldId="259"/>
+            <ac:spMk id="6" creationId="{9BFBCD21-514B-426A-B032-477E3A9B1B83}"/>
+          </ac:spMkLst>
+        </pc:spChg>
+        <pc:spChg chg="mod">
+          <ac:chgData name="Andrew Ming Ho Wu" userId="620d876fccae6a25" providerId="LiveId" clId="{EF3BC0AB-AB59-4C81-97A5-1FDA4EE47D87}" dt="2020-09-27T18:42:29.401" v="12601" actId="20577"/>
+          <ac:spMkLst>
+            <pc:docMk/>
+            <pc:sldMk cId="0" sldId="259"/>
+            <ac:spMk id="12" creationId="{7E70BACB-1CF0-4DEE-923B-205A7D88BC2B}"/>
+          </ac:spMkLst>
+        </pc:spChg>
+      </pc:sldChg>
+      <pc:sldChg chg="modSp mod">
+        <pc:chgData name="Andrew Ming Ho Wu" userId="620d876fccae6a25" providerId="LiveId" clId="{EF3BC0AB-AB59-4C81-97A5-1FDA4EE47D87}" dt="2020-09-27T10:13:15.975" v="5911" actId="1076"/>
+        <pc:sldMkLst>
+          <pc:docMk/>
+          <pc:sldMk cId="0" sldId="260"/>
+        </pc:sldMkLst>
+        <pc:spChg chg="mod">
+          <ac:chgData name="Andrew Ming Ho Wu" userId="620d876fccae6a25" providerId="LiveId" clId="{EF3BC0AB-AB59-4C81-97A5-1FDA4EE47D87}" dt="2020-09-26T16:18:11.737" v="1595" actId="14100"/>
+          <ac:spMkLst>
+            <pc:docMk/>
+            <pc:sldMk cId="0" sldId="260"/>
+            <ac:spMk id="6" creationId="{00000000-0000-0000-0000-000000000000}"/>
+          </ac:spMkLst>
+        </pc:spChg>
+        <pc:spChg chg="mod">
+          <ac:chgData name="Andrew Ming Ho Wu" userId="620d876fccae6a25" providerId="LiveId" clId="{EF3BC0AB-AB59-4C81-97A5-1FDA4EE47D87}" dt="2020-09-27T10:13:15.975" v="5911" actId="1076"/>
+          <ac:spMkLst>
+            <pc:docMk/>
+            <pc:sldMk cId="0" sldId="260"/>
+            <ac:spMk id="7" creationId="{00000000-0000-0000-0000-000000000000}"/>
+          </ac:spMkLst>
+        </pc:spChg>
+      </pc:sldChg>
+      <pc:sldChg chg="del">
+        <pc:chgData name="Andrew Ming Ho Wu" userId="620d876fccae6a25" providerId="LiveId" clId="{EF3BC0AB-AB59-4C81-97A5-1FDA4EE47D87}" dt="2020-09-27T10:35:01.134" v="8520" actId="2696"/>
+        <pc:sldMkLst>
+          <pc:docMk/>
+          <pc:sldMk cId="3477520416" sldId="281"/>
+        </pc:sldMkLst>
+      </pc:sldChg>
+      <pc:sldChg chg="addSp delSp modSp mod modNotesTx">
+        <pc:chgData name="Andrew Ming Ho Wu" userId="620d876fccae6a25" providerId="LiveId" clId="{EF3BC0AB-AB59-4C81-97A5-1FDA4EE47D87}" dt="2020-09-27T10:15:26.466" v="6060" actId="20577"/>
+        <pc:sldMkLst>
+          <pc:docMk/>
+          <pc:sldMk cId="2614168572" sldId="282"/>
         </pc:sldMkLst>
         <pc:spChg chg="add del mod">
-          <ac:chgData name="Andrew Ming Ho Wu" userId="620d876fccae6a25" providerId="LiveId" clId="{301D553B-ED1B-4DD0-8B60-0326FA0FE40D}" dt="2020-12-03T19:23:50.731" v="4"/>
-          <ac:spMkLst>
-            <pc:docMk/>
-            <pc:sldMk cId="1002563172" sldId="387"/>
-            <ac:spMk id="11" creationId="{BA618F6F-1997-4079-B11E-BC24229FBCC5}"/>
+          <ac:chgData name="Andrew Ming Ho Wu" userId="620d876fccae6a25" providerId="LiveId" clId="{EF3BC0AB-AB59-4C81-97A5-1FDA4EE47D87}" dt="2020-09-27T10:10:20.883" v="5667" actId="1076"/>
+          <ac:spMkLst>
+            <pc:docMk/>
+            <pc:sldMk cId="2614168572" sldId="282"/>
+            <ac:spMk id="13" creationId="{69CF4EEB-ADC9-4068-B7B7-D36841F39D3C}"/>
+          </ac:spMkLst>
+        </pc:spChg>
+        <pc:spChg chg="mod">
+          <ac:chgData name="Andrew Ming Ho Wu" userId="620d876fccae6a25" providerId="LiveId" clId="{EF3BC0AB-AB59-4C81-97A5-1FDA4EE47D87}" dt="2020-09-27T10:15:26.466" v="6060" actId="20577"/>
+          <ac:spMkLst>
+            <pc:docMk/>
+            <pc:sldMk cId="2614168572" sldId="282"/>
+            <ac:spMk id="17" creationId="{48FA683B-0C92-4884-BB36-9239C11A9F11}"/>
+          </ac:spMkLst>
+        </pc:spChg>
+        <pc:picChg chg="mod">
+          <ac:chgData name="Andrew Ming Ho Wu" userId="620d876fccae6a25" providerId="LiveId" clId="{EF3BC0AB-AB59-4C81-97A5-1FDA4EE47D87}" dt="2020-09-26T16:19:38.497" v="1795" actId="1076"/>
+          <ac:picMkLst>
+            <pc:docMk/>
+            <pc:sldMk cId="2614168572" sldId="282"/>
+            <ac:picMk id="2" creationId="{00000000-0000-0000-0000-000000000000}"/>
+          </ac:picMkLst>
+        </pc:picChg>
+      </pc:sldChg>
+      <pc:sldChg chg="del">
+        <pc:chgData name="Andrew Ming Ho Wu" userId="620d876fccae6a25" providerId="LiveId" clId="{EF3BC0AB-AB59-4C81-97A5-1FDA4EE47D87}" dt="2020-09-27T10:35:01.134" v="8520" actId="2696"/>
+        <pc:sldMkLst>
+          <pc:docMk/>
+          <pc:sldMk cId="2263646774" sldId="283"/>
+        </pc:sldMkLst>
+      </pc:sldChg>
+      <pc:sldChg chg="del">
+        <pc:chgData name="Andrew Ming Ho Wu" userId="620d876fccae6a25" providerId="LiveId" clId="{EF3BC0AB-AB59-4C81-97A5-1FDA4EE47D87}" dt="2020-09-27T10:35:01.134" v="8520" actId="2696"/>
+        <pc:sldMkLst>
+          <pc:docMk/>
+          <pc:sldMk cId="1442798169" sldId="284"/>
+        </pc:sldMkLst>
+      </pc:sldChg>
+      <pc:sldChg chg="del">
+        <pc:chgData name="Andrew Ming Ho Wu" userId="620d876fccae6a25" providerId="LiveId" clId="{EF3BC0AB-AB59-4C81-97A5-1FDA4EE47D87}" dt="2020-09-27T10:35:01.134" v="8520" actId="2696"/>
+        <pc:sldMkLst>
+          <pc:docMk/>
+          <pc:sldMk cId="2354016084" sldId="285"/>
+        </pc:sldMkLst>
+      </pc:sldChg>
+      <pc:sldChg chg="del">
+        <pc:chgData name="Andrew Ming Ho Wu" userId="620d876fccae6a25" providerId="LiveId" clId="{EF3BC0AB-AB59-4C81-97A5-1FDA4EE47D87}" dt="2020-09-27T10:35:01.134" v="8520" actId="2696"/>
+        <pc:sldMkLst>
+          <pc:docMk/>
+          <pc:sldMk cId="399849162" sldId="286"/>
+        </pc:sldMkLst>
+      </pc:sldChg>
+      <pc:sldChg chg="del">
+        <pc:chgData name="Andrew Ming Ho Wu" userId="620d876fccae6a25" providerId="LiveId" clId="{EF3BC0AB-AB59-4C81-97A5-1FDA4EE47D87}" dt="2020-09-27T10:35:01.134" v="8520" actId="2696"/>
+        <pc:sldMkLst>
+          <pc:docMk/>
+          <pc:sldMk cId="2878566895" sldId="287"/>
+        </pc:sldMkLst>
+      </pc:sldChg>
+      <pc:sldChg chg="del">
+        <pc:chgData name="Andrew Ming Ho Wu" userId="620d876fccae6a25" providerId="LiveId" clId="{EF3BC0AB-AB59-4C81-97A5-1FDA4EE47D87}" dt="2020-09-27T10:35:01.134" v="8520" actId="2696"/>
+        <pc:sldMkLst>
+          <pc:docMk/>
+          <pc:sldMk cId="2066083013" sldId="288"/>
+        </pc:sldMkLst>
+      </pc:sldChg>
+      <pc:sldChg chg="del">
+        <pc:chgData name="Andrew Ming Ho Wu" userId="620d876fccae6a25" providerId="LiveId" clId="{EF3BC0AB-AB59-4C81-97A5-1FDA4EE47D87}" dt="2020-09-27T10:35:01.134" v="8520" actId="2696"/>
+        <pc:sldMkLst>
+          <pc:docMk/>
+          <pc:sldMk cId="229956835" sldId="289"/>
+        </pc:sldMkLst>
+      </pc:sldChg>
+      <pc:sldChg chg="del">
+        <pc:chgData name="Andrew Ming Ho Wu" userId="620d876fccae6a25" providerId="LiveId" clId="{EF3BC0AB-AB59-4C81-97A5-1FDA4EE47D87}" dt="2020-09-27T10:35:01.134" v="8520" actId="2696"/>
+        <pc:sldMkLst>
+          <pc:docMk/>
+          <pc:sldMk cId="3410851458" sldId="290"/>
+        </pc:sldMkLst>
+      </pc:sldChg>
+      <pc:sldChg chg="del">
+        <pc:chgData name="Andrew Ming Ho Wu" userId="620d876fccae6a25" providerId="LiveId" clId="{EF3BC0AB-AB59-4C81-97A5-1FDA4EE47D87}" dt="2020-09-27T10:35:01.134" v="8520" actId="2696"/>
+        <pc:sldMkLst>
+          <pc:docMk/>
+          <pc:sldMk cId="413486627" sldId="291"/>
+        </pc:sldMkLst>
+      </pc:sldChg>
+      <pc:sldChg chg="del">
+        <pc:chgData name="Andrew Ming Ho Wu" userId="620d876fccae6a25" providerId="LiveId" clId="{EF3BC0AB-AB59-4C81-97A5-1FDA4EE47D87}" dt="2020-09-27T10:35:01.134" v="8520" actId="2696"/>
+        <pc:sldMkLst>
+          <pc:docMk/>
+          <pc:sldMk cId="2556687725" sldId="292"/>
+        </pc:sldMkLst>
+      </pc:sldChg>
+      <pc:sldChg chg="del">
+        <pc:chgData name="Andrew Ming Ho Wu" userId="620d876fccae6a25" providerId="LiveId" clId="{EF3BC0AB-AB59-4C81-97A5-1FDA4EE47D87}" dt="2020-09-27T10:35:01.134" v="8520" actId="2696"/>
+        <pc:sldMkLst>
+          <pc:docMk/>
+          <pc:sldMk cId="3512316335" sldId="293"/>
+        </pc:sldMkLst>
+      </pc:sldChg>
+      <pc:sldChg chg="del">
+        <pc:chgData name="Andrew Ming Ho Wu" userId="620d876fccae6a25" providerId="LiveId" clId="{EF3BC0AB-AB59-4C81-97A5-1FDA4EE47D87}" dt="2020-09-27T10:35:01.134" v="8520" actId="2696"/>
+        <pc:sldMkLst>
+          <pc:docMk/>
+          <pc:sldMk cId="1612569936" sldId="294"/>
+        </pc:sldMkLst>
+      </pc:sldChg>
+      <pc:sldChg chg="del">
+        <pc:chgData name="Andrew Ming Ho Wu" userId="620d876fccae6a25" providerId="LiveId" clId="{EF3BC0AB-AB59-4C81-97A5-1FDA4EE47D87}" dt="2020-09-27T10:35:01.134" v="8520" actId="2696"/>
+        <pc:sldMkLst>
+          <pc:docMk/>
+          <pc:sldMk cId="1824351165" sldId="296"/>
+        </pc:sldMkLst>
+      </pc:sldChg>
+      <pc:sldChg chg="del">
+        <pc:chgData name="Andrew Ming Ho Wu" userId="620d876fccae6a25" providerId="LiveId" clId="{EF3BC0AB-AB59-4C81-97A5-1FDA4EE47D87}" dt="2020-09-27T10:35:01.134" v="8520" actId="2696"/>
+        <pc:sldMkLst>
+          <pc:docMk/>
+          <pc:sldMk cId="4058345036" sldId="297"/>
+        </pc:sldMkLst>
+      </pc:sldChg>
+      <pc:sldChg chg="del">
+        <pc:chgData name="Andrew Ming Ho Wu" userId="620d876fccae6a25" providerId="LiveId" clId="{EF3BC0AB-AB59-4C81-97A5-1FDA4EE47D87}" dt="2020-09-27T10:35:01.134" v="8520" actId="2696"/>
+        <pc:sldMkLst>
+          <pc:docMk/>
+          <pc:sldMk cId="1764176242" sldId="299"/>
+        </pc:sldMkLst>
+      </pc:sldChg>
+      <pc:sldChg chg="del">
+        <pc:chgData name="Andrew Ming Ho Wu" userId="620d876fccae6a25" providerId="LiveId" clId="{EF3BC0AB-AB59-4C81-97A5-1FDA4EE47D87}" dt="2020-09-27T10:35:01.134" v="8520" actId="2696"/>
+        <pc:sldMkLst>
+          <pc:docMk/>
+          <pc:sldMk cId="4186544287" sldId="300"/>
+        </pc:sldMkLst>
+      </pc:sldChg>
+      <pc:sldChg chg="modSp add mod">
+        <pc:chgData name="Andrew Ming Ho Wu" userId="620d876fccae6a25" providerId="LiveId" clId="{EF3BC0AB-AB59-4C81-97A5-1FDA4EE47D87}" dt="2020-09-27T18:42:43.537" v="12616" actId="20577"/>
+        <pc:sldMkLst>
+          <pc:docMk/>
+          <pc:sldMk cId="4141595128" sldId="301"/>
+        </pc:sldMkLst>
+        <pc:spChg chg="mod">
+          <ac:chgData name="Andrew Ming Ho Wu" userId="620d876fccae6a25" providerId="LiveId" clId="{EF3BC0AB-AB59-4C81-97A5-1FDA4EE47D87}" dt="2020-09-26T16:15:33.446" v="1272" actId="20577"/>
+          <ac:spMkLst>
+            <pc:docMk/>
+            <pc:sldMk cId="4141595128" sldId="301"/>
+            <ac:spMk id="5" creationId="{00000000-0000-0000-0000-000000000000}"/>
+          </ac:spMkLst>
+        </pc:spChg>
+        <pc:spChg chg="mod">
+          <ac:chgData name="Andrew Ming Ho Wu" userId="620d876fccae6a25" providerId="LiveId" clId="{EF3BC0AB-AB59-4C81-97A5-1FDA4EE47D87}" dt="2020-09-27T18:42:43.537" v="12616" actId="20577"/>
+          <ac:spMkLst>
+            <pc:docMk/>
+            <pc:sldMk cId="4141595128" sldId="301"/>
+            <ac:spMk id="12" creationId="{7E70BACB-1CF0-4DEE-923B-205A7D88BC2B}"/>
+          </ac:spMkLst>
+        </pc:spChg>
+      </pc:sldChg>
+      <pc:sldChg chg="modSp add mod modNotesTx">
+        <pc:chgData name="Andrew Ming Ho Wu" userId="620d876fccae6a25" providerId="LiveId" clId="{EF3BC0AB-AB59-4C81-97A5-1FDA4EE47D87}" dt="2020-09-27T10:13:25.181" v="5912" actId="255"/>
+        <pc:sldMkLst>
+          <pc:docMk/>
+          <pc:sldMk cId="1181641107" sldId="302"/>
+        </pc:sldMkLst>
+        <pc:spChg chg="mod">
+          <ac:chgData name="Andrew Ming Ho Wu" userId="620d876fccae6a25" providerId="LiveId" clId="{EF3BC0AB-AB59-4C81-97A5-1FDA4EE47D87}" dt="2020-09-27T10:13:25.181" v="5912" actId="255"/>
+          <ac:spMkLst>
+            <pc:docMk/>
+            <pc:sldMk cId="1181641107" sldId="302"/>
+            <ac:spMk id="17" creationId="{48FA683B-0C92-4884-BB36-9239C11A9F11}"/>
+          </ac:spMkLst>
+        </pc:spChg>
+      </pc:sldChg>
+      <pc:sldChg chg="modSp add mod modNotesTx">
+        <pc:chgData name="Andrew Ming Ho Wu" userId="620d876fccae6a25" providerId="LiveId" clId="{EF3BC0AB-AB59-4C81-97A5-1FDA4EE47D87}" dt="2020-09-27T10:17:42.840" v="6267" actId="14100"/>
+        <pc:sldMkLst>
+          <pc:docMk/>
+          <pc:sldMk cId="695323835" sldId="303"/>
+        </pc:sldMkLst>
+        <pc:spChg chg="mod">
+          <ac:chgData name="Andrew Ming Ho Wu" userId="620d876fccae6a25" providerId="LiveId" clId="{EF3BC0AB-AB59-4C81-97A5-1FDA4EE47D87}" dt="2020-09-27T10:17:39.090" v="6265" actId="1076"/>
+          <ac:spMkLst>
+            <pc:docMk/>
+            <pc:sldMk cId="695323835" sldId="303"/>
+            <ac:spMk id="13" creationId="{69CF4EEB-ADC9-4068-B7B7-D36841F39D3C}"/>
+          </ac:spMkLst>
+        </pc:spChg>
+        <pc:spChg chg="mod">
+          <ac:chgData name="Andrew Ming Ho Wu" userId="620d876fccae6a25" providerId="LiveId" clId="{EF3BC0AB-AB59-4C81-97A5-1FDA4EE47D87}" dt="2020-09-27T10:17:42.840" v="6267" actId="14100"/>
+          <ac:spMkLst>
+            <pc:docMk/>
+            <pc:sldMk cId="695323835" sldId="303"/>
+            <ac:spMk id="17" creationId="{48FA683B-0C92-4884-BB36-9239C11A9F11}"/>
+          </ac:spMkLst>
+        </pc:spChg>
+      </pc:sldChg>
+      <pc:sldChg chg="modSp add mod modNotesTx">
+        <pc:chgData name="Andrew Ming Ho Wu" userId="620d876fccae6a25" providerId="LiveId" clId="{EF3BC0AB-AB59-4C81-97A5-1FDA4EE47D87}" dt="2020-09-27T10:19:05.687" v="6412" actId="20577"/>
+        <pc:sldMkLst>
+          <pc:docMk/>
+          <pc:sldMk cId="1731435901" sldId="304"/>
+        </pc:sldMkLst>
+        <pc:spChg chg="mod">
+          <ac:chgData name="Andrew Ming Ho Wu" userId="620d876fccae6a25" providerId="LiveId" clId="{EF3BC0AB-AB59-4C81-97A5-1FDA4EE47D87}" dt="2020-09-27T10:18:55.844" v="6411" actId="313"/>
+          <ac:spMkLst>
+            <pc:docMk/>
+            <pc:sldMk cId="1731435901" sldId="304"/>
+            <ac:spMk id="17" creationId="{48FA683B-0C92-4884-BB36-9239C11A9F11}"/>
+          </ac:spMkLst>
+        </pc:spChg>
+      </pc:sldChg>
+      <pc:sldChg chg="modSp add mod modNotesTx">
+        <pc:chgData name="Andrew Ming Ho Wu" userId="620d876fccae6a25" providerId="LiveId" clId="{EF3BC0AB-AB59-4C81-97A5-1FDA4EE47D87}" dt="2020-09-27T10:20:50.306" v="6644" actId="20577"/>
+        <pc:sldMkLst>
+          <pc:docMk/>
+          <pc:sldMk cId="3921722384" sldId="305"/>
+        </pc:sldMkLst>
+        <pc:spChg chg="mod">
+          <ac:chgData name="Andrew Ming Ho Wu" userId="620d876fccae6a25" providerId="LiveId" clId="{EF3BC0AB-AB59-4C81-97A5-1FDA4EE47D87}" dt="2020-09-27T10:20:34.775" v="6643" actId="20577"/>
+          <ac:spMkLst>
+            <pc:docMk/>
+            <pc:sldMk cId="3921722384" sldId="305"/>
+            <ac:spMk id="17" creationId="{48FA683B-0C92-4884-BB36-9239C11A9F11}"/>
+          </ac:spMkLst>
+        </pc:spChg>
+      </pc:sldChg>
+      <pc:sldChg chg="modSp add mod modNotesTx">
+        <pc:chgData name="Andrew Ming Ho Wu" userId="620d876fccae6a25" providerId="LiveId" clId="{EF3BC0AB-AB59-4C81-97A5-1FDA4EE47D87}" dt="2020-09-27T10:21:37.258" v="6762" actId="20577"/>
+        <pc:sldMkLst>
+          <pc:docMk/>
+          <pc:sldMk cId="393541412" sldId="306"/>
+        </pc:sldMkLst>
+        <pc:spChg chg="mod">
+          <ac:chgData name="Andrew Ming Ho Wu" userId="620d876fccae6a25" providerId="LiveId" clId="{EF3BC0AB-AB59-4C81-97A5-1FDA4EE47D87}" dt="2020-09-27T10:21:32.006" v="6761" actId="20577"/>
+          <ac:spMkLst>
+            <pc:docMk/>
+            <pc:sldMk cId="393541412" sldId="306"/>
+            <ac:spMk id="17" creationId="{48FA683B-0C92-4884-BB36-9239C11A9F11}"/>
+          </ac:spMkLst>
+        </pc:spChg>
+      </pc:sldChg>
+      <pc:sldChg chg="modSp add mod modNotesTx">
+        <pc:chgData name="Andrew Ming Ho Wu" userId="620d876fccae6a25" providerId="LiveId" clId="{EF3BC0AB-AB59-4C81-97A5-1FDA4EE47D87}" dt="2020-09-27T10:21:47.784" v="6763" actId="255"/>
+        <pc:sldMkLst>
+          <pc:docMk/>
+          <pc:sldMk cId="696112063" sldId="307"/>
+        </pc:sldMkLst>
+        <pc:spChg chg="mod">
+          <ac:chgData name="Andrew Ming Ho Wu" userId="620d876fccae6a25" providerId="LiveId" clId="{EF3BC0AB-AB59-4C81-97A5-1FDA4EE47D87}" dt="2020-09-27T10:21:47.784" v="6763" actId="255"/>
+          <ac:spMkLst>
+            <pc:docMk/>
+            <pc:sldMk cId="696112063" sldId="307"/>
+            <ac:spMk id="17" creationId="{48FA683B-0C92-4884-BB36-9239C11A9F11}"/>
+          </ac:spMkLst>
+        </pc:spChg>
+      </pc:sldChg>
+      <pc:sldChg chg="modSp add mod modNotesTx">
+        <pc:chgData name="Andrew Ming Ho Wu" userId="620d876fccae6a25" providerId="LiveId" clId="{EF3BC0AB-AB59-4C81-97A5-1FDA4EE47D87}" dt="2020-09-27T10:22:20.056" v="6856" actId="20577"/>
+        <pc:sldMkLst>
+          <pc:docMk/>
+          <pc:sldMk cId="2138515264" sldId="308"/>
+        </pc:sldMkLst>
+        <pc:spChg chg="mod">
+          <ac:chgData name="Andrew Ming Ho Wu" userId="620d876fccae6a25" providerId="LiveId" clId="{EF3BC0AB-AB59-4C81-97A5-1FDA4EE47D87}" dt="2020-09-27T10:22:20.056" v="6856" actId="20577"/>
+          <ac:spMkLst>
+            <pc:docMk/>
+            <pc:sldMk cId="2138515264" sldId="308"/>
+            <ac:spMk id="17" creationId="{48FA683B-0C92-4884-BB36-9239C11A9F11}"/>
+          </ac:spMkLst>
+        </pc:spChg>
+      </pc:sldChg>
+      <pc:sldChg chg="modSp add mod modNotesTx">
+        <pc:chgData name="Andrew Ming Ho Wu" userId="620d876fccae6a25" providerId="LiveId" clId="{EF3BC0AB-AB59-4C81-97A5-1FDA4EE47D87}" dt="2020-09-27T10:23:00.536" v="6930" actId="20577"/>
+        <pc:sldMkLst>
+          <pc:docMk/>
+          <pc:sldMk cId="2113135599" sldId="309"/>
+        </pc:sldMkLst>
+        <pc:spChg chg="mod">
+          <ac:chgData name="Andrew Ming Ho Wu" userId="620d876fccae6a25" providerId="LiveId" clId="{EF3BC0AB-AB59-4C81-97A5-1FDA4EE47D87}" dt="2020-09-27T10:23:00.536" v="6930" actId="20577"/>
+          <ac:spMkLst>
+            <pc:docMk/>
+            <pc:sldMk cId="2113135599" sldId="309"/>
+            <ac:spMk id="17" creationId="{48FA683B-0C92-4884-BB36-9239C11A9F11}"/>
+          </ac:spMkLst>
+        </pc:spChg>
+      </pc:sldChg>
+      <pc:sldChg chg="modSp add mod modNotesTx">
+        <pc:chgData name="Andrew Ming Ho Wu" userId="620d876fccae6a25" providerId="LiveId" clId="{EF3BC0AB-AB59-4C81-97A5-1FDA4EE47D87}" dt="2020-09-27T10:23:44.427" v="6931" actId="255"/>
+        <pc:sldMkLst>
+          <pc:docMk/>
+          <pc:sldMk cId="3619567919" sldId="310"/>
+        </pc:sldMkLst>
+        <pc:spChg chg="mod">
+          <ac:chgData name="Andrew Ming Ho Wu" userId="620d876fccae6a25" providerId="LiveId" clId="{EF3BC0AB-AB59-4C81-97A5-1FDA4EE47D87}" dt="2020-09-27T10:01:03.972" v="4768" actId="1076"/>
+          <ac:spMkLst>
+            <pc:docMk/>
+            <pc:sldMk cId="3619567919" sldId="310"/>
+            <ac:spMk id="13" creationId="{69CF4EEB-ADC9-4068-B7B7-D36841F39D3C}"/>
+          </ac:spMkLst>
+        </pc:spChg>
+        <pc:spChg chg="mod">
+          <ac:chgData name="Andrew Ming Ho Wu" userId="620d876fccae6a25" providerId="LiveId" clId="{EF3BC0AB-AB59-4C81-97A5-1FDA4EE47D87}" dt="2020-09-27T10:23:44.427" v="6931" actId="255"/>
+          <ac:spMkLst>
+            <pc:docMk/>
+            <pc:sldMk cId="3619567919" sldId="310"/>
+            <ac:spMk id="17" creationId="{48FA683B-0C92-4884-BB36-9239C11A9F11}"/>
+          </ac:spMkLst>
+        </pc:spChg>
+      </pc:sldChg>
+      <pc:sldChg chg="modSp add mod modNotesTx">
+        <pc:chgData name="Andrew Ming Ho Wu" userId="620d876fccae6a25" providerId="LiveId" clId="{EF3BC0AB-AB59-4C81-97A5-1FDA4EE47D87}" dt="2020-09-27T10:24:04.623" v="6933" actId="20577"/>
+        <pc:sldMkLst>
+          <pc:docMk/>
+          <pc:sldMk cId="4241162783" sldId="311"/>
+        </pc:sldMkLst>
+        <pc:spChg chg="mod">
+          <ac:chgData name="Andrew Ming Ho Wu" userId="620d876fccae6a25" providerId="LiveId" clId="{EF3BC0AB-AB59-4C81-97A5-1FDA4EE47D87}" dt="2020-09-27T10:23:51.587" v="6932" actId="255"/>
+          <ac:spMkLst>
+            <pc:docMk/>
+            <pc:sldMk cId="4241162783" sldId="311"/>
+            <ac:spMk id="17" creationId="{48FA683B-0C92-4884-BB36-9239C11A9F11}"/>
+          </ac:spMkLst>
+        </pc:spChg>
+      </pc:sldChg>
+      <pc:sldChg chg="modSp add mod modNotesTx">
+        <pc:chgData name="Andrew Ming Ho Wu" userId="620d876fccae6a25" providerId="LiveId" clId="{EF3BC0AB-AB59-4C81-97A5-1FDA4EE47D87}" dt="2020-09-27T10:24:22.320" v="6935" actId="20577"/>
+        <pc:sldMkLst>
+          <pc:docMk/>
+          <pc:sldMk cId="1035541448" sldId="312"/>
+        </pc:sldMkLst>
+        <pc:spChg chg="mod">
+          <ac:chgData name="Andrew Ming Ho Wu" userId="620d876fccae6a25" providerId="LiveId" clId="{EF3BC0AB-AB59-4C81-97A5-1FDA4EE47D87}" dt="2020-09-27T10:24:10.906" v="6934" actId="255"/>
+          <ac:spMkLst>
+            <pc:docMk/>
+            <pc:sldMk cId="1035541448" sldId="312"/>
+            <ac:spMk id="17" creationId="{48FA683B-0C92-4884-BB36-9239C11A9F11}"/>
+          </ac:spMkLst>
+        </pc:spChg>
+      </pc:sldChg>
+      <pc:sldChg chg="modSp add mod">
+        <pc:chgData name="Andrew Ming Ho Wu" userId="620d876fccae6a25" providerId="LiveId" clId="{EF3BC0AB-AB59-4C81-97A5-1FDA4EE47D87}" dt="2020-09-27T10:25:36.179" v="7152" actId="20577"/>
+        <pc:sldMkLst>
+          <pc:docMk/>
+          <pc:sldMk cId="1627687639" sldId="313"/>
+        </pc:sldMkLst>
+        <pc:spChg chg="mod">
+          <ac:chgData name="Andrew Ming Ho Wu" userId="620d876fccae6a25" providerId="LiveId" clId="{EF3BC0AB-AB59-4C81-97A5-1FDA4EE47D87}" dt="2020-09-27T10:25:36.179" v="7152" actId="20577"/>
+          <ac:spMkLst>
+            <pc:docMk/>
+            <pc:sldMk cId="1627687639" sldId="313"/>
+            <ac:spMk id="17" creationId="{48FA683B-0C92-4884-BB36-9239C11A9F11}"/>
+          </ac:spMkLst>
+        </pc:spChg>
+      </pc:sldChg>
+      <pc:sldChg chg="modSp add mod">
+        <pc:chgData name="Andrew Ming Ho Wu" userId="620d876fccae6a25" providerId="LiveId" clId="{EF3BC0AB-AB59-4C81-97A5-1FDA4EE47D87}" dt="2020-09-27T10:32:13.605" v="8194" actId="20577"/>
+        <pc:sldMkLst>
+          <pc:docMk/>
+          <pc:sldMk cId="1950776556" sldId="314"/>
+        </pc:sldMkLst>
+        <pc:spChg chg="mod">
+          <ac:chgData name="Andrew Ming Ho Wu" userId="620d876fccae6a25" providerId="LiveId" clId="{EF3BC0AB-AB59-4C81-97A5-1FDA4EE47D87}" dt="2020-09-27T10:32:13.605" v="8194" actId="20577"/>
+          <ac:spMkLst>
+            <pc:docMk/>
+            <pc:sldMk cId="1950776556" sldId="314"/>
+            <ac:spMk id="17" creationId="{48FA683B-0C92-4884-BB36-9239C11A9F11}"/>
+          </ac:spMkLst>
+        </pc:spChg>
+      </pc:sldChg>
+      <pc:sldChg chg="modSp add mod">
+        <pc:chgData name="Andrew Ming Ho Wu" userId="620d876fccae6a25" providerId="LiveId" clId="{EF3BC0AB-AB59-4C81-97A5-1FDA4EE47D87}" dt="2020-09-27T10:32:16.641" v="8196" actId="20577"/>
+        <pc:sldMkLst>
+          <pc:docMk/>
+          <pc:sldMk cId="3899163142" sldId="315"/>
+        </pc:sldMkLst>
+        <pc:spChg chg="mod">
+          <ac:chgData name="Andrew Ming Ho Wu" userId="620d876fccae6a25" providerId="LiveId" clId="{EF3BC0AB-AB59-4C81-97A5-1FDA4EE47D87}" dt="2020-09-27T10:32:16.641" v="8196" actId="20577"/>
+          <ac:spMkLst>
+            <pc:docMk/>
+            <pc:sldMk cId="3899163142" sldId="315"/>
+            <ac:spMk id="17" creationId="{48FA683B-0C92-4884-BB36-9239C11A9F11}"/>
+          </ac:spMkLst>
+        </pc:spChg>
+      </pc:sldChg>
+      <pc:sldChg chg="modSp add mod">
+        <pc:chgData name="Andrew Ming Ho Wu" userId="620d876fccae6a25" providerId="LiveId" clId="{EF3BC0AB-AB59-4C81-97A5-1FDA4EE47D87}" dt="2020-09-27T10:32:19.922" v="8198" actId="20577"/>
+        <pc:sldMkLst>
+          <pc:docMk/>
+          <pc:sldMk cId="2313566969" sldId="316"/>
+        </pc:sldMkLst>
+        <pc:spChg chg="mod">
+          <ac:chgData name="Andrew Ming Ho Wu" userId="620d876fccae6a25" providerId="LiveId" clId="{EF3BC0AB-AB59-4C81-97A5-1FDA4EE47D87}" dt="2020-09-27T10:32:19.922" v="8198" actId="20577"/>
+          <ac:spMkLst>
+            <pc:docMk/>
+            <pc:sldMk cId="2313566969" sldId="316"/>
+            <ac:spMk id="17" creationId="{48FA683B-0C92-4884-BB36-9239C11A9F11}"/>
+          </ac:spMkLst>
+        </pc:spChg>
+      </pc:sldChg>
+      <pc:sldChg chg="modSp add mod">
+        <pc:chgData name="Andrew Ming Ho Wu" userId="620d876fccae6a25" providerId="LiveId" clId="{EF3BC0AB-AB59-4C81-97A5-1FDA4EE47D87}" dt="2020-09-27T10:32:55.790" v="8288" actId="1076"/>
+        <pc:sldMkLst>
+          <pc:docMk/>
+          <pc:sldMk cId="525558553" sldId="317"/>
+        </pc:sldMkLst>
+        <pc:spChg chg="mod">
+          <ac:chgData name="Andrew Ming Ho Wu" userId="620d876fccae6a25" providerId="LiveId" clId="{EF3BC0AB-AB59-4C81-97A5-1FDA4EE47D87}" dt="2020-09-27T10:32:55.790" v="8288" actId="1076"/>
+          <ac:spMkLst>
+            <pc:docMk/>
+            <pc:sldMk cId="525558553" sldId="317"/>
+            <ac:spMk id="17" creationId="{48FA683B-0C92-4884-BB36-9239C11A9F11}"/>
+          </ac:spMkLst>
+        </pc:spChg>
+      </pc:sldChg>
+      <pc:sldChg chg="modSp add mod">
+        <pc:chgData name="Andrew Ming Ho Wu" userId="620d876fccae6a25" providerId="LiveId" clId="{EF3BC0AB-AB59-4C81-97A5-1FDA4EE47D87}" dt="2020-09-27T10:33:59.156" v="8519" actId="20577"/>
+        <pc:sldMkLst>
+          <pc:docMk/>
+          <pc:sldMk cId="2450840084" sldId="318"/>
+        </pc:sldMkLst>
+        <pc:spChg chg="mod">
+          <ac:chgData name="Andrew Ming Ho Wu" userId="620d876fccae6a25" providerId="LiveId" clId="{EF3BC0AB-AB59-4C81-97A5-1FDA4EE47D87}" dt="2020-09-27T10:33:59.156" v="8519" actId="20577"/>
+          <ac:spMkLst>
+            <pc:docMk/>
+            <pc:sldMk cId="2450840084" sldId="318"/>
+            <ac:spMk id="17" creationId="{48FA683B-0C92-4884-BB36-9239C11A9F11}"/>
+          </ac:spMkLst>
+        </pc:spChg>
+      </pc:sldChg>
+      <pc:sldChg chg="addSp delSp modSp add mod">
+        <pc:chgData name="Andrew Ming Ho Wu" userId="620d876fccae6a25" providerId="LiveId" clId="{EF3BC0AB-AB59-4C81-97A5-1FDA4EE47D87}" dt="2020-09-27T10:39:14.873" v="9058" actId="20577"/>
+        <pc:sldMkLst>
+          <pc:docMk/>
+          <pc:sldMk cId="3241138585" sldId="319"/>
+        </pc:sldMkLst>
+        <pc:spChg chg="mod">
+          <ac:chgData name="Andrew Ming Ho Wu" userId="620d876fccae6a25" providerId="LiveId" clId="{EF3BC0AB-AB59-4C81-97A5-1FDA4EE47D87}" dt="2020-09-27T10:35:24.156" v="8547" actId="1076"/>
+          <ac:spMkLst>
+            <pc:docMk/>
+            <pc:sldMk cId="3241138585" sldId="319"/>
+            <ac:spMk id="13" creationId="{69CF4EEB-ADC9-4068-B7B7-D36841F39D3C}"/>
+          </ac:spMkLst>
+        </pc:spChg>
+        <pc:spChg chg="add del mod">
+          <ac:chgData name="Andrew Ming Ho Wu" userId="620d876fccae6a25" providerId="LiveId" clId="{EF3BC0AB-AB59-4C81-97A5-1FDA4EE47D87}" dt="2020-09-27T10:39:14.873" v="9058" actId="20577"/>
+          <ac:spMkLst>
+            <pc:docMk/>
+            <pc:sldMk cId="3241138585" sldId="319"/>
+            <ac:spMk id="17" creationId="{48FA683B-0C92-4884-BB36-9239C11A9F11}"/>
+          </ac:spMkLst>
+        </pc:spChg>
+      </pc:sldChg>
+      <pc:sldChg chg="modSp add mod">
+        <pc:chgData name="Andrew Ming Ho Wu" userId="620d876fccae6a25" providerId="LiveId" clId="{EF3BC0AB-AB59-4C81-97A5-1FDA4EE47D87}" dt="2020-09-27T10:43:27.516" v="9560" actId="20577"/>
+        <pc:sldMkLst>
+          <pc:docMk/>
+          <pc:sldMk cId="597090878" sldId="320"/>
+        </pc:sldMkLst>
+        <pc:spChg chg="mod">
+          <ac:chgData name="Andrew Ming Ho Wu" userId="620d876fccae6a25" providerId="LiveId" clId="{EF3BC0AB-AB59-4C81-97A5-1FDA4EE47D87}" dt="2020-09-27T10:43:27.516" v="9560" actId="20577"/>
+          <ac:spMkLst>
+            <pc:docMk/>
+            <pc:sldMk cId="597090878" sldId="320"/>
+            <ac:spMk id="17" creationId="{48FA683B-0C92-4884-BB36-9239C11A9F11}"/>
+          </ac:spMkLst>
+        </pc:spChg>
+      </pc:sldChg>
+      <pc:sldChg chg="addSp delSp modSp add mod">
+        <pc:chgData name="Andrew Ming Ho Wu" userId="620d876fccae6a25" providerId="LiveId" clId="{EF3BC0AB-AB59-4C81-97A5-1FDA4EE47D87}" dt="2020-09-27T10:58:39.244" v="9567"/>
+        <pc:sldMkLst>
+          <pc:docMk/>
+          <pc:sldMk cId="3935872265" sldId="321"/>
+        </pc:sldMkLst>
+        <pc:spChg chg="del mod">
+          <ac:chgData name="Andrew Ming Ho Wu" userId="620d876fccae6a25" providerId="LiveId" clId="{EF3BC0AB-AB59-4C81-97A5-1FDA4EE47D87}" dt="2020-09-27T10:58:39.244" v="9567"/>
+          <ac:spMkLst>
+            <pc:docMk/>
+            <pc:sldMk cId="3935872265" sldId="321"/>
+            <ac:spMk id="17" creationId="{48FA683B-0C92-4884-BB36-9239C11A9F11}"/>
+          </ac:spMkLst>
+        </pc:spChg>
+        <pc:picChg chg="add mod">
+          <ac:chgData name="Andrew Ming Ho Wu" userId="620d876fccae6a25" providerId="LiveId" clId="{EF3BC0AB-AB59-4C81-97A5-1FDA4EE47D87}" dt="2020-09-27T10:58:38.641" v="9565" actId="14100"/>
+          <ac:picMkLst>
+            <pc:docMk/>
+            <pc:sldMk cId="3935872265" sldId="321"/>
+            <ac:picMk id="6" creationId="{9A9BF99D-7F84-4233-BC72-E8CC5BE0B067}"/>
+          </ac:picMkLst>
+        </pc:picChg>
+      </pc:sldChg>
+      <pc:sldChg chg="addSp delSp modSp add mod">
+        <pc:chgData name="Andrew Ming Ho Wu" userId="620d876fccae6a25" providerId="LiveId" clId="{EF3BC0AB-AB59-4C81-97A5-1FDA4EE47D87}" dt="2020-09-27T11:03:15.071" v="9639" actId="313"/>
+        <pc:sldMkLst>
+          <pc:docMk/>
+          <pc:sldMk cId="2428145897" sldId="322"/>
+        </pc:sldMkLst>
+        <pc:spChg chg="add del">
+          <ac:chgData name="Andrew Ming Ho Wu" userId="620d876fccae6a25" providerId="LiveId" clId="{EF3BC0AB-AB59-4C81-97A5-1FDA4EE47D87}" dt="2020-09-27T11:02:08.216" v="9585" actId="478"/>
+          <ac:spMkLst>
+            <pc:docMk/>
+            <pc:sldMk cId="2428145897" sldId="322"/>
+            <ac:spMk id="14" creationId="{82204D47-3F7F-4F81-9F0B-B8D05A4A12AB}"/>
+          </ac:spMkLst>
+        </pc:spChg>
+        <pc:spChg chg="add del mod">
+          <ac:chgData name="Andrew Ming Ho Wu" userId="620d876fccae6a25" providerId="LiveId" clId="{EF3BC0AB-AB59-4C81-97A5-1FDA4EE47D87}" dt="2020-09-27T11:03:15.071" v="9639" actId="313"/>
+          <ac:spMkLst>
+            <pc:docMk/>
+            <pc:sldMk cId="2428145897" sldId="322"/>
+            <ac:spMk id="16" creationId="{F047BA3C-54FB-4687-843D-9C20754A8819}"/>
+          </ac:spMkLst>
+        </pc:spChg>
+        <pc:spChg chg="add del">
+          <ac:chgData name="Andrew Ming Ho Wu" userId="620d876fccae6a25" providerId="LiveId" clId="{EF3BC0AB-AB59-4C81-97A5-1FDA4EE47D87}" dt="2020-09-27T11:00:26.377" v="9575" actId="22"/>
+          <ac:spMkLst>
+            <pc:docMk/>
+            <pc:sldMk cId="2428145897" sldId="322"/>
+            <ac:spMk id="18" creationId="{BF7EA6D2-8A4A-4CBD-BC10-20FE1AFEFC61}"/>
+          </ac:spMkLst>
+        </pc:spChg>
+        <pc:picChg chg="add del">
+          <ac:chgData name="Andrew Ming Ho Wu" userId="620d876fccae6a25" providerId="LiveId" clId="{EF3BC0AB-AB59-4C81-97A5-1FDA4EE47D87}" dt="2020-09-27T11:02:07.818" v="9583" actId="478"/>
+          <ac:picMkLst>
+            <pc:docMk/>
+            <pc:sldMk cId="2428145897" sldId="322"/>
+            <ac:picMk id="6" creationId="{9A9BF99D-7F84-4233-BC72-E8CC5BE0B067}"/>
+          </ac:picMkLst>
+        </pc:picChg>
+      </pc:sldChg>
+      <pc:sldChg chg="addSp delSp modSp add mod">
+        <pc:chgData name="Andrew Ming Ho Wu" userId="620d876fccae6a25" providerId="LiveId" clId="{EF3BC0AB-AB59-4C81-97A5-1FDA4EE47D87}" dt="2020-09-27T18:22:25.987" v="10124" actId="20577"/>
+        <pc:sldMkLst>
+          <pc:docMk/>
+          <pc:sldMk cId="3584881285" sldId="323"/>
+        </pc:sldMkLst>
+        <pc:spChg chg="add mod">
+          <ac:chgData name="Andrew Ming Ho Wu" userId="620d876fccae6a25" providerId="LiveId" clId="{EF3BC0AB-AB59-4C81-97A5-1FDA4EE47D87}" dt="2020-09-27T18:22:25.987" v="10124" actId="20577"/>
+          <ac:spMkLst>
+            <pc:docMk/>
+            <pc:sldMk cId="3584881285" sldId="323"/>
+            <ac:spMk id="7" creationId="{E4AD51E1-FCF3-4A0C-8B1A-3C58F573459E}"/>
+          </ac:spMkLst>
+        </pc:spChg>
+        <pc:spChg chg="mod">
+          <ac:chgData name="Andrew Ming Ho Wu" userId="620d876fccae6a25" providerId="LiveId" clId="{EF3BC0AB-AB59-4C81-97A5-1FDA4EE47D87}" dt="2020-09-27T11:03:33.284" v="9673" actId="1076"/>
+          <ac:spMkLst>
+            <pc:docMk/>
+            <pc:sldMk cId="3584881285" sldId="323"/>
+            <ac:spMk id="13" creationId="{69CF4EEB-ADC9-4068-B7B7-D36841F39D3C}"/>
+          </ac:spMkLst>
+        </pc:spChg>
+        <pc:spChg chg="del mod">
+          <ac:chgData name="Andrew Ming Ho Wu" userId="620d876fccae6a25" providerId="LiveId" clId="{EF3BC0AB-AB59-4C81-97A5-1FDA4EE47D87}" dt="2020-09-27T11:03:36.351" v="9676"/>
+          <ac:spMkLst>
+            <pc:docMk/>
+            <pc:sldMk cId="3584881285" sldId="323"/>
+            <ac:spMk id="16" creationId="{F047BA3C-54FB-4687-843D-9C20754A8819}"/>
+          </ac:spMkLst>
+        </pc:spChg>
+        <pc:graphicFrameChg chg="add del mod">
+          <ac:chgData name="Andrew Ming Ho Wu" userId="620d876fccae6a25" providerId="LiveId" clId="{EF3BC0AB-AB59-4C81-97A5-1FDA4EE47D87}" dt="2020-09-27T18:18:59.929" v="9678"/>
+          <ac:graphicFrameMkLst>
+            <pc:docMk/>
+            <pc:sldMk cId="3584881285" sldId="323"/>
+            <ac:graphicFrameMk id="6" creationId="{60167984-0F6D-44F1-A20D-E8267DCC0337}"/>
+          </ac:graphicFrameMkLst>
+        </pc:graphicFrameChg>
+      </pc:sldChg>
+      <pc:sldChg chg="modSp add mod">
+        <pc:chgData name="Andrew Ming Ho Wu" userId="620d876fccae6a25" providerId="LiveId" clId="{EF3BC0AB-AB59-4C81-97A5-1FDA4EE47D87}" dt="2020-09-27T18:24:49.019" v="10398" actId="20577"/>
+        <pc:sldMkLst>
+          <pc:docMk/>
+          <pc:sldMk cId="1769369266" sldId="324"/>
+        </pc:sldMkLst>
+        <pc:spChg chg="mod">
+          <ac:chgData name="Andrew Ming Ho Wu" userId="620d876fccae6a25" providerId="LiveId" clId="{EF3BC0AB-AB59-4C81-97A5-1FDA4EE47D87}" dt="2020-09-27T18:24:49.019" v="10398" actId="20577"/>
+          <ac:spMkLst>
+            <pc:docMk/>
+            <pc:sldMk cId="1769369266" sldId="324"/>
+            <ac:spMk id="7" creationId="{E4AD51E1-FCF3-4A0C-8B1A-3C58F573459E}"/>
+          </ac:spMkLst>
+        </pc:spChg>
+      </pc:sldChg>
+      <pc:sldChg chg="modSp add mod">
+        <pc:chgData name="Andrew Ming Ho Wu" userId="620d876fccae6a25" providerId="LiveId" clId="{EF3BC0AB-AB59-4C81-97A5-1FDA4EE47D87}" dt="2020-09-27T18:29:32.927" v="10814" actId="20577"/>
+        <pc:sldMkLst>
+          <pc:docMk/>
+          <pc:sldMk cId="3774335670" sldId="325"/>
+        </pc:sldMkLst>
+        <pc:spChg chg="mod">
+          <ac:chgData name="Andrew Ming Ho Wu" userId="620d876fccae6a25" providerId="LiveId" clId="{EF3BC0AB-AB59-4C81-97A5-1FDA4EE47D87}" dt="2020-09-27T18:29:32.927" v="10814" actId="20577"/>
+          <ac:spMkLst>
+            <pc:docMk/>
+            <pc:sldMk cId="3774335670" sldId="325"/>
+            <ac:spMk id="7" creationId="{E4AD51E1-FCF3-4A0C-8B1A-3C58F573459E}"/>
+          </ac:spMkLst>
+        </pc:spChg>
+        <pc:spChg chg="mod">
+          <ac:chgData name="Andrew Ming Ho Wu" userId="620d876fccae6a25" providerId="LiveId" clId="{EF3BC0AB-AB59-4C81-97A5-1FDA4EE47D87}" dt="2020-09-27T18:26:27.870" v="10420" actId="20577"/>
+          <ac:spMkLst>
+            <pc:docMk/>
+            <pc:sldMk cId="3774335670" sldId="325"/>
+            <ac:spMk id="13" creationId="{69CF4EEB-ADC9-4068-B7B7-D36841F39D3C}"/>
+          </ac:spMkLst>
+        </pc:spChg>
+      </pc:sldChg>
+      <pc:sldChg chg="add del">
+        <pc:chgData name="Andrew Ming Ho Wu" userId="620d876fccae6a25" providerId="LiveId" clId="{EF3BC0AB-AB59-4C81-97A5-1FDA4EE47D87}" dt="2020-09-27T18:26:21.489" v="10401" actId="2696"/>
+        <pc:sldMkLst>
+          <pc:docMk/>
+          <pc:sldMk cId="828494221" sldId="326"/>
+        </pc:sldMkLst>
+      </pc:sldChg>
+      <pc:sldChg chg="modSp add mod">
+        <pc:chgData name="Andrew Ming Ho Wu" userId="620d876fccae6a25" providerId="LiveId" clId="{EF3BC0AB-AB59-4C81-97A5-1FDA4EE47D87}" dt="2020-09-27T18:34:03.877" v="11494" actId="1076"/>
+        <pc:sldMkLst>
+          <pc:docMk/>
+          <pc:sldMk cId="1449775771" sldId="326"/>
+        </pc:sldMkLst>
+        <pc:spChg chg="mod">
+          <ac:chgData name="Andrew Ming Ho Wu" userId="620d876fccae6a25" providerId="LiveId" clId="{EF3BC0AB-AB59-4C81-97A5-1FDA4EE47D87}" dt="2020-09-27T18:33:51.120" v="11492" actId="1076"/>
+          <ac:spMkLst>
+            <pc:docMk/>
+            <pc:sldMk cId="1449775771" sldId="326"/>
+            <ac:spMk id="7" creationId="{E4AD51E1-FCF3-4A0C-8B1A-3C58F573459E}"/>
+          </ac:spMkLst>
+        </pc:spChg>
+        <pc:spChg chg="mod">
+          <ac:chgData name="Andrew Ming Ho Wu" userId="620d876fccae6a25" providerId="LiveId" clId="{EF3BC0AB-AB59-4C81-97A5-1FDA4EE47D87}" dt="2020-09-27T18:34:03.877" v="11494" actId="1076"/>
+          <ac:spMkLst>
+            <pc:docMk/>
+            <pc:sldMk cId="1449775771" sldId="326"/>
+            <ac:spMk id="13" creationId="{69CF4EEB-ADC9-4068-B7B7-D36841F39D3C}"/>
+          </ac:spMkLst>
+        </pc:spChg>
+      </pc:sldChg>
+      <pc:sldChg chg="addSp delSp modSp add mod">
+        <pc:chgData name="Andrew Ming Ho Wu" userId="620d876fccae6a25" providerId="LiveId" clId="{EF3BC0AB-AB59-4C81-97A5-1FDA4EE47D87}" dt="2020-09-27T18:38:02.661" v="11934" actId="1076"/>
+        <pc:sldMkLst>
+          <pc:docMk/>
+          <pc:sldMk cId="4259034908" sldId="327"/>
+        </pc:sldMkLst>
+        <pc:spChg chg="add">
+          <ac:chgData name="Andrew Ming Ho Wu" userId="620d876fccae6a25" providerId="LiveId" clId="{EF3BC0AB-AB59-4C81-97A5-1FDA4EE47D87}" dt="2020-09-27T18:36:26.362" v="11607" actId="22"/>
+          <ac:spMkLst>
+            <pc:docMk/>
+            <pc:sldMk cId="4259034908" sldId="327"/>
+            <ac:spMk id="6" creationId="{BEC9B985-01E2-4E66-9346-091B101327B3}"/>
+          </ac:spMkLst>
+        </pc:spChg>
+        <pc:spChg chg="mod">
+          <ac:chgData name="Andrew Ming Ho Wu" userId="620d876fccae6a25" providerId="LiveId" clId="{EF3BC0AB-AB59-4C81-97A5-1FDA4EE47D87}" dt="2020-09-27T18:38:02.661" v="11934" actId="1076"/>
+          <ac:spMkLst>
+            <pc:docMk/>
+            <pc:sldMk cId="4259034908" sldId="327"/>
+            <ac:spMk id="7" creationId="{E4AD51E1-FCF3-4A0C-8B1A-3C58F573459E}"/>
+          </ac:spMkLst>
+        </pc:spChg>
+        <pc:spChg chg="del mod">
+          <ac:chgData name="Andrew Ming Ho Wu" userId="620d876fccae6a25" providerId="LiveId" clId="{EF3BC0AB-AB59-4C81-97A5-1FDA4EE47D87}" dt="2020-09-27T18:36:26.036" v="11606" actId="478"/>
+          <ac:spMkLst>
+            <pc:docMk/>
+            <pc:sldMk cId="4259034908" sldId="327"/>
+            <ac:spMk id="13" creationId="{69CF4EEB-ADC9-4068-B7B7-D36841F39D3C}"/>
+          </ac:spMkLst>
+        </pc:spChg>
+      </pc:sldChg>
+      <pc:sldChg chg="modSp add mod">
+        <pc:chgData name="Andrew Ming Ho Wu" userId="620d876fccae6a25" providerId="LiveId" clId="{EF3BC0AB-AB59-4C81-97A5-1FDA4EE47D87}" dt="2020-09-27T18:41:40.924" v="12570" actId="20577"/>
+        <pc:sldMkLst>
+          <pc:docMk/>
+          <pc:sldMk cId="2174425840" sldId="328"/>
+        </pc:sldMkLst>
+        <pc:spChg chg="mod">
+          <ac:chgData name="Andrew Ming Ho Wu" userId="620d876fccae6a25" providerId="LiveId" clId="{EF3BC0AB-AB59-4C81-97A5-1FDA4EE47D87}" dt="2020-09-27T18:41:40.924" v="12570" actId="20577"/>
+          <ac:spMkLst>
+            <pc:docMk/>
+            <pc:sldMk cId="2174425840" sldId="328"/>
+            <ac:spMk id="7" creationId="{E4AD51E1-FCF3-4A0C-8B1A-3C58F573459E}"/>
+          </ac:spMkLst>
+        </pc:spChg>
+      </pc:sldChg>
+      <pc:sldChg chg="modSp add mod">
+        <pc:chgData name="Andrew Ming Ho Wu" userId="620d876fccae6a25" providerId="LiveId" clId="{EF3BC0AB-AB59-4C81-97A5-1FDA4EE47D87}" dt="2020-09-27T18:48:04.723" v="13177" actId="20577"/>
+        <pc:sldMkLst>
+          <pc:docMk/>
+          <pc:sldMk cId="428898620" sldId="329"/>
+        </pc:sldMkLst>
+        <pc:spChg chg="mod">
+          <ac:chgData name="Andrew Ming Ho Wu" userId="620d876fccae6a25" providerId="LiveId" clId="{EF3BC0AB-AB59-4C81-97A5-1FDA4EE47D87}" dt="2020-09-27T18:43:02.482" v="12622" actId="20577"/>
+          <ac:spMkLst>
+            <pc:docMk/>
+            <pc:sldMk cId="428898620" sldId="329"/>
+            <ac:spMk id="5" creationId="{00000000-0000-0000-0000-000000000000}"/>
+          </ac:spMkLst>
+        </pc:spChg>
+        <pc:spChg chg="mod">
+          <ac:chgData name="Andrew Ming Ho Wu" userId="620d876fccae6a25" providerId="LiveId" clId="{EF3BC0AB-AB59-4C81-97A5-1FDA4EE47D87}" dt="2020-09-27T18:48:04.723" v="13177" actId="20577"/>
+          <ac:spMkLst>
+            <pc:docMk/>
+            <pc:sldMk cId="428898620" sldId="329"/>
+            <ac:spMk id="12" creationId="{7E70BACB-1CF0-4DEE-923B-205A7D88BC2B}"/>
+          </ac:spMkLst>
+        </pc:spChg>
+      </pc:sldChg>
+      <pc:sldChg chg="modSp add mod">
+        <pc:chgData name="Andrew Ming Ho Wu" userId="620d876fccae6a25" providerId="LiveId" clId="{EF3BC0AB-AB59-4C81-97A5-1FDA4EE47D87}" dt="2020-09-27T18:53:06.406" v="14074" actId="1076"/>
+        <pc:sldMkLst>
+          <pc:docMk/>
+          <pc:sldMk cId="3627176467" sldId="330"/>
+        </pc:sldMkLst>
+        <pc:spChg chg="mod">
+          <ac:chgData name="Andrew Ming Ho Wu" userId="620d876fccae6a25" providerId="LiveId" clId="{EF3BC0AB-AB59-4C81-97A5-1FDA4EE47D87}" dt="2020-09-27T18:48:38.569" v="13202" actId="20577"/>
+          <ac:spMkLst>
+            <pc:docMk/>
+            <pc:sldMk cId="3627176467" sldId="330"/>
+            <ac:spMk id="5" creationId="{00000000-0000-0000-0000-000000000000}"/>
+          </ac:spMkLst>
+        </pc:spChg>
+        <pc:spChg chg="mod">
+          <ac:chgData name="Andrew Ming Ho Wu" userId="620d876fccae6a25" providerId="LiveId" clId="{EF3BC0AB-AB59-4C81-97A5-1FDA4EE47D87}" dt="2020-09-27T18:53:06.406" v="14074" actId="1076"/>
+          <ac:spMkLst>
+            <pc:docMk/>
+            <pc:sldMk cId="3627176467" sldId="330"/>
+            <ac:spMk id="12" creationId="{7E70BACB-1CF0-4DEE-923B-205A7D88BC2B}"/>
+          </ac:spMkLst>
+        </pc:spChg>
+      </pc:sldChg>
+      <pc:sldChg chg="modSp add mod">
+        <pc:chgData name="Andrew Ming Ho Wu" userId="620d876fccae6a25" providerId="LiveId" clId="{EF3BC0AB-AB59-4C81-97A5-1FDA4EE47D87}" dt="2020-09-27T18:54:28.038" v="14319" actId="20577"/>
+        <pc:sldMkLst>
+          <pc:docMk/>
+          <pc:sldMk cId="311588258" sldId="331"/>
+        </pc:sldMkLst>
+        <pc:spChg chg="mod">
+          <ac:chgData name="Andrew Ming Ho Wu" userId="620d876fccae6a25" providerId="LiveId" clId="{EF3BC0AB-AB59-4C81-97A5-1FDA4EE47D87}" dt="2020-09-27T18:53:26.285" v="14108" actId="14100"/>
+          <ac:spMkLst>
+            <pc:docMk/>
+            <pc:sldMk cId="311588258" sldId="331"/>
+            <ac:spMk id="5" creationId="{00000000-0000-0000-0000-000000000000}"/>
+          </ac:spMkLst>
+        </pc:spChg>
+        <pc:spChg chg="mod">
+          <ac:chgData name="Andrew Ming Ho Wu" userId="620d876fccae6a25" providerId="LiveId" clId="{EF3BC0AB-AB59-4C81-97A5-1FDA4EE47D87}" dt="2020-09-27T18:54:28.038" v="14319" actId="20577"/>
+          <ac:spMkLst>
+            <pc:docMk/>
+            <pc:sldMk cId="311588258" sldId="331"/>
+            <ac:spMk id="12" creationId="{7E70BACB-1CF0-4DEE-923B-205A7D88BC2B}"/>
+          </ac:spMkLst>
+        </pc:spChg>
+      </pc:sldChg>
+      <pc:sldChg chg="modSp add mod">
+        <pc:chgData name="Andrew Ming Ho Wu" userId="620d876fccae6a25" providerId="LiveId" clId="{EF3BC0AB-AB59-4C81-97A5-1FDA4EE47D87}" dt="2020-09-27T18:57:17.757" v="14458" actId="20577"/>
+        <pc:sldMkLst>
+          <pc:docMk/>
+          <pc:sldMk cId="1678336179" sldId="332"/>
+        </pc:sldMkLst>
+        <pc:spChg chg="mod">
+          <ac:chgData name="Andrew Ming Ho Wu" userId="620d876fccae6a25" providerId="LiveId" clId="{EF3BC0AB-AB59-4C81-97A5-1FDA4EE47D87}" dt="2020-09-27T18:54:54.107" v="14359" actId="20577"/>
+          <ac:spMkLst>
+            <pc:docMk/>
+            <pc:sldMk cId="1678336179" sldId="332"/>
+            <ac:spMk id="5" creationId="{00000000-0000-0000-0000-000000000000}"/>
+          </ac:spMkLst>
+        </pc:spChg>
+        <pc:spChg chg="mod">
+          <ac:chgData name="Andrew Ming Ho Wu" userId="620d876fccae6a25" providerId="LiveId" clId="{EF3BC0AB-AB59-4C81-97A5-1FDA4EE47D87}" dt="2020-09-27T18:57:17.757" v="14458" actId="20577"/>
+          <ac:spMkLst>
+            <pc:docMk/>
+            <pc:sldMk cId="1678336179" sldId="332"/>
+            <ac:spMk id="12" creationId="{7E70BACB-1CF0-4DEE-923B-205A7D88BC2B}"/>
           </ac:spMkLst>
         </pc:spChg>
       </pc:sldChg>
@@ -3903,1014 +5057,20 @@
     </pc:docChg>
   </pc:docChgLst>
   <pc:docChgLst>
-    <pc:chgData name="Andrew Ming Ho Wu" userId="620d876fccae6a25" providerId="LiveId" clId="{EF3BC0AB-AB59-4C81-97A5-1FDA4EE47D87}"/>
-    <pc:docChg chg="undo redo custSel addSld delSld modSld">
-      <pc:chgData name="Andrew Ming Ho Wu" userId="620d876fccae6a25" providerId="LiveId" clId="{EF3BC0AB-AB59-4C81-97A5-1FDA4EE47D87}" dt="2020-09-27T18:57:17.757" v="14458" actId="20577"/>
-      <pc:docMkLst>
-        <pc:docMk/>
-      </pc:docMkLst>
-      <pc:sldChg chg="delSp modSp mod modNotesTx">
-        <pc:chgData name="Andrew Ming Ho Wu" userId="620d876fccae6a25" providerId="LiveId" clId="{EF3BC0AB-AB59-4C81-97A5-1FDA4EE47D87}" dt="2020-09-27T09:55:20.712" v="4391" actId="255"/>
-        <pc:sldMkLst>
-          <pc:docMk/>
-          <pc:sldMk cId="0" sldId="256"/>
-        </pc:sldMkLst>
-        <pc:spChg chg="mod">
-          <ac:chgData name="Andrew Ming Ho Wu" userId="620d876fccae6a25" providerId="LiveId" clId="{EF3BC0AB-AB59-4C81-97A5-1FDA4EE47D87}" dt="2020-09-27T09:55:20.712" v="4391" actId="255"/>
-          <ac:spMkLst>
-            <pc:docMk/>
-            <pc:sldMk cId="0" sldId="256"/>
-            <ac:spMk id="7" creationId="{00000000-0000-0000-0000-000000000000}"/>
-          </ac:spMkLst>
-        </pc:spChg>
-        <pc:spChg chg="del mod">
-          <ac:chgData name="Andrew Ming Ho Wu" userId="620d876fccae6a25" providerId="LiveId" clId="{EF3BC0AB-AB59-4C81-97A5-1FDA4EE47D87}" dt="2020-09-23T13:10:09.932" v="29"/>
-          <ac:spMkLst>
-            <pc:docMk/>
-            <pc:sldMk cId="0" sldId="256"/>
-            <ac:spMk id="8" creationId="{00000000-0000-0000-0000-000000000000}"/>
-          </ac:spMkLst>
-        </pc:spChg>
-        <pc:spChg chg="mod">
-          <ac:chgData name="Andrew Ming Ho Wu" userId="620d876fccae6a25" providerId="LiveId" clId="{EF3BC0AB-AB59-4C81-97A5-1FDA4EE47D87}" dt="2020-09-26T17:04:55.185" v="4379" actId="20577"/>
-          <ac:spMkLst>
-            <pc:docMk/>
-            <pc:sldMk cId="0" sldId="256"/>
-            <ac:spMk id="13" creationId="{0477D28A-3F44-4405-BD2B-4F00158DB1B3}"/>
-          </ac:spMkLst>
-        </pc:spChg>
-      </pc:sldChg>
-      <pc:sldChg chg="addSp delSp modSp mod">
-        <pc:chgData name="Andrew Ming Ho Wu" userId="620d876fccae6a25" providerId="LiveId" clId="{EF3BC0AB-AB59-4C81-97A5-1FDA4EE47D87}" dt="2020-09-26T16:12:34.168" v="949" actId="1076"/>
-        <pc:sldMkLst>
-          <pc:docMk/>
-          <pc:sldMk cId="0" sldId="257"/>
-        </pc:sldMkLst>
-        <pc:spChg chg="add mod">
-          <ac:chgData name="Andrew Ming Ho Wu" userId="620d876fccae6a25" providerId="LiveId" clId="{EF3BC0AB-AB59-4C81-97A5-1FDA4EE47D87}" dt="2020-09-26T16:12:00.026" v="902" actId="1076"/>
-          <ac:spMkLst>
-            <pc:docMk/>
-            <pc:sldMk cId="0" sldId="257"/>
-            <ac:spMk id="5" creationId="{81D7F47C-B22C-46A9-BD87-E2FA064EC20F}"/>
-          </ac:spMkLst>
-        </pc:spChg>
-        <pc:spChg chg="mod">
-          <ac:chgData name="Andrew Ming Ho Wu" userId="620d876fccae6a25" providerId="LiveId" clId="{EF3BC0AB-AB59-4C81-97A5-1FDA4EE47D87}" dt="2020-09-26T16:11:40.182" v="900" actId="1076"/>
-          <ac:spMkLst>
-            <pc:docMk/>
-            <pc:sldMk cId="0" sldId="257"/>
-            <ac:spMk id="6" creationId="{00000000-0000-0000-0000-000000000000}"/>
-          </ac:spMkLst>
-        </pc:spChg>
-        <pc:spChg chg="add mod">
-          <ac:chgData name="Andrew Ming Ho Wu" userId="620d876fccae6a25" providerId="LiveId" clId="{EF3BC0AB-AB59-4C81-97A5-1FDA4EE47D87}" dt="2020-09-26T16:12:34.168" v="949" actId="1076"/>
-          <ac:spMkLst>
-            <pc:docMk/>
-            <pc:sldMk cId="0" sldId="257"/>
-            <ac:spMk id="7" creationId="{8F1A7018-DAB3-4DD6-9851-CCE349574926}"/>
-          </ac:spMkLst>
-        </pc:spChg>
-        <pc:spChg chg="add del">
-          <ac:chgData name="Andrew Ming Ho Wu" userId="620d876fccae6a25" providerId="LiveId" clId="{EF3BC0AB-AB59-4C81-97A5-1FDA4EE47D87}" dt="2020-09-26T16:11:21.009" v="894" actId="22"/>
-          <ac:spMkLst>
-            <pc:docMk/>
-            <pc:sldMk cId="0" sldId="257"/>
-            <ac:spMk id="8" creationId="{C924EF3F-006C-4216-A9A0-B8029D39A876}"/>
-          </ac:spMkLst>
-        </pc:spChg>
-        <pc:spChg chg="mod">
-          <ac:chgData name="Andrew Ming Ho Wu" userId="620d876fccae6a25" providerId="LiveId" clId="{EF3BC0AB-AB59-4C81-97A5-1FDA4EE47D87}" dt="2020-09-23T13:19:33.930" v="281" actId="20577"/>
-          <ac:spMkLst>
-            <pc:docMk/>
-            <pc:sldMk cId="0" sldId="257"/>
-            <ac:spMk id="13" creationId="{CFB9566F-DF02-46E3-A7DE-30A3DA2B0123}"/>
-          </ac:spMkLst>
-        </pc:spChg>
-        <pc:spChg chg="mod">
-          <ac:chgData name="Andrew Ming Ho Wu" userId="620d876fccae6a25" providerId="LiveId" clId="{EF3BC0AB-AB59-4C81-97A5-1FDA4EE47D87}" dt="2020-09-26T16:11:44.480" v="901" actId="1076"/>
-          <ac:spMkLst>
-            <pc:docMk/>
-            <pc:sldMk cId="0" sldId="257"/>
-            <ac:spMk id="15" creationId="{5FC8DCBF-4CCE-4C22-8B9F-CC50B4D8446D}"/>
-          </ac:spMkLst>
-        </pc:spChg>
-        <pc:spChg chg="del mod">
-          <ac:chgData name="Andrew Ming Ho Wu" userId="620d876fccae6a25" providerId="LiveId" clId="{EF3BC0AB-AB59-4C81-97A5-1FDA4EE47D87}" dt="2020-09-23T13:11:18.490" v="148" actId="478"/>
-          <ac:spMkLst>
-            <pc:docMk/>
-            <pc:sldMk cId="0" sldId="257"/>
-            <ac:spMk id="17" creationId="{F1986DA0-A256-4DC4-89BA-D9AF3A5992F1}"/>
-          </ac:spMkLst>
-        </pc:spChg>
-        <pc:spChg chg="add mod">
-          <ac:chgData name="Andrew Ming Ho Wu" userId="620d876fccae6a25" providerId="LiveId" clId="{EF3BC0AB-AB59-4C81-97A5-1FDA4EE47D87}" dt="2020-09-26T16:12:07.600" v="903" actId="1076"/>
-          <ac:spMkLst>
-            <pc:docMk/>
-            <pc:sldMk cId="0" sldId="257"/>
-            <ac:spMk id="20" creationId="{A6F76399-04DE-46A8-BF2C-99ED8D141BD3}"/>
-          </ac:spMkLst>
-        </pc:spChg>
-        <pc:grpChg chg="mod">
-          <ac:chgData name="Andrew Ming Ho Wu" userId="620d876fccae6a25" providerId="LiveId" clId="{EF3BC0AB-AB59-4C81-97A5-1FDA4EE47D87}" dt="2020-09-26T16:12:28.721" v="948" actId="1076"/>
-          <ac:grpSpMkLst>
-            <pc:docMk/>
-            <pc:sldMk cId="0" sldId="257"/>
-            <ac:grpSpMk id="2" creationId="{00000000-0000-0000-0000-000000000000}"/>
-          </ac:grpSpMkLst>
-        </pc:grpChg>
-        <pc:grpChg chg="add mod">
-          <ac:chgData name="Andrew Ming Ho Wu" userId="620d876fccae6a25" providerId="LiveId" clId="{EF3BC0AB-AB59-4C81-97A5-1FDA4EE47D87}" dt="2020-09-26T16:11:22.051" v="895" actId="571"/>
-          <ac:grpSpMkLst>
-            <pc:docMk/>
-            <pc:sldMk cId="0" sldId="257"/>
-            <ac:grpSpMk id="14" creationId="{830FE23F-E1B8-42CA-8569-E15547258E1C}"/>
-          </ac:grpSpMkLst>
-        </pc:grpChg>
-        <pc:picChg chg="mod">
-          <ac:chgData name="Andrew Ming Ho Wu" userId="620d876fccae6a25" providerId="LiveId" clId="{EF3BC0AB-AB59-4C81-97A5-1FDA4EE47D87}" dt="2020-09-26T16:11:22.051" v="895" actId="571"/>
-          <ac:picMkLst>
-            <pc:docMk/>
-            <pc:sldMk cId="0" sldId="257"/>
-            <ac:picMk id="16" creationId="{91452E8C-A457-4B32-ADCC-8B062C7B7AA2}"/>
-          </ac:picMkLst>
-        </pc:picChg>
-        <pc:picChg chg="mod">
-          <ac:chgData name="Andrew Ming Ho Wu" userId="620d876fccae6a25" providerId="LiveId" clId="{EF3BC0AB-AB59-4C81-97A5-1FDA4EE47D87}" dt="2020-09-26T16:11:22.051" v="895" actId="571"/>
-          <ac:picMkLst>
-            <pc:docMk/>
-            <pc:sldMk cId="0" sldId="257"/>
-            <ac:picMk id="17" creationId="{9914AFBE-82F5-4DA6-8856-1BD8C5F4D972}"/>
-          </ac:picMkLst>
-        </pc:picChg>
-      </pc:sldChg>
-      <pc:sldChg chg="addSp delSp modSp mod modNotesTx">
-        <pc:chgData name="Andrew Ming Ho Wu" userId="620d876fccae6a25" providerId="LiveId" clId="{EF3BC0AB-AB59-4C81-97A5-1FDA4EE47D87}" dt="2020-09-27T18:42:29.401" v="12601" actId="20577"/>
-        <pc:sldMkLst>
-          <pc:docMk/>
-          <pc:sldMk cId="0" sldId="259"/>
-        </pc:sldMkLst>
-        <pc:spChg chg="mod">
-          <ac:chgData name="Andrew Ming Ho Wu" userId="620d876fccae6a25" providerId="LiveId" clId="{EF3BC0AB-AB59-4C81-97A5-1FDA4EE47D87}" dt="2020-09-26T16:15:18.922" v="1252" actId="20577"/>
-          <ac:spMkLst>
-            <pc:docMk/>
-            <pc:sldMk cId="0" sldId="259"/>
-            <ac:spMk id="5" creationId="{00000000-0000-0000-0000-000000000000}"/>
-          </ac:spMkLst>
-        </pc:spChg>
-        <pc:spChg chg="add del">
-          <ac:chgData name="Andrew Ming Ho Wu" userId="620d876fccae6a25" providerId="LiveId" clId="{EF3BC0AB-AB59-4C81-97A5-1FDA4EE47D87}" dt="2020-09-26T16:15:24.567" v="1254" actId="22"/>
-          <ac:spMkLst>
-            <pc:docMk/>
-            <pc:sldMk cId="0" sldId="259"/>
-            <ac:spMk id="6" creationId="{9BFBCD21-514B-426A-B032-477E3A9B1B83}"/>
-          </ac:spMkLst>
-        </pc:spChg>
-        <pc:spChg chg="mod">
-          <ac:chgData name="Andrew Ming Ho Wu" userId="620d876fccae6a25" providerId="LiveId" clId="{EF3BC0AB-AB59-4C81-97A5-1FDA4EE47D87}" dt="2020-09-27T18:42:29.401" v="12601" actId="20577"/>
-          <ac:spMkLst>
-            <pc:docMk/>
-            <pc:sldMk cId="0" sldId="259"/>
-            <ac:spMk id="12" creationId="{7E70BACB-1CF0-4DEE-923B-205A7D88BC2B}"/>
-          </ac:spMkLst>
-        </pc:spChg>
-      </pc:sldChg>
-      <pc:sldChg chg="modSp mod">
-        <pc:chgData name="Andrew Ming Ho Wu" userId="620d876fccae6a25" providerId="LiveId" clId="{EF3BC0AB-AB59-4C81-97A5-1FDA4EE47D87}" dt="2020-09-27T10:13:15.975" v="5911" actId="1076"/>
-        <pc:sldMkLst>
-          <pc:docMk/>
-          <pc:sldMk cId="0" sldId="260"/>
-        </pc:sldMkLst>
-        <pc:spChg chg="mod">
-          <ac:chgData name="Andrew Ming Ho Wu" userId="620d876fccae6a25" providerId="LiveId" clId="{EF3BC0AB-AB59-4C81-97A5-1FDA4EE47D87}" dt="2020-09-26T16:18:11.737" v="1595" actId="14100"/>
-          <ac:spMkLst>
-            <pc:docMk/>
-            <pc:sldMk cId="0" sldId="260"/>
-            <ac:spMk id="6" creationId="{00000000-0000-0000-0000-000000000000}"/>
-          </ac:spMkLst>
-        </pc:spChg>
-        <pc:spChg chg="mod">
-          <ac:chgData name="Andrew Ming Ho Wu" userId="620d876fccae6a25" providerId="LiveId" clId="{EF3BC0AB-AB59-4C81-97A5-1FDA4EE47D87}" dt="2020-09-27T10:13:15.975" v="5911" actId="1076"/>
-          <ac:spMkLst>
-            <pc:docMk/>
-            <pc:sldMk cId="0" sldId="260"/>
-            <ac:spMk id="7" creationId="{00000000-0000-0000-0000-000000000000}"/>
-          </ac:spMkLst>
-        </pc:spChg>
-      </pc:sldChg>
-      <pc:sldChg chg="del">
-        <pc:chgData name="Andrew Ming Ho Wu" userId="620d876fccae6a25" providerId="LiveId" clId="{EF3BC0AB-AB59-4C81-97A5-1FDA4EE47D87}" dt="2020-09-27T10:35:01.134" v="8520" actId="2696"/>
-        <pc:sldMkLst>
-          <pc:docMk/>
-          <pc:sldMk cId="3477520416" sldId="281"/>
-        </pc:sldMkLst>
-      </pc:sldChg>
-      <pc:sldChg chg="addSp delSp modSp mod modNotesTx">
-        <pc:chgData name="Andrew Ming Ho Wu" userId="620d876fccae6a25" providerId="LiveId" clId="{EF3BC0AB-AB59-4C81-97A5-1FDA4EE47D87}" dt="2020-09-27T10:15:26.466" v="6060" actId="20577"/>
-        <pc:sldMkLst>
-          <pc:docMk/>
-          <pc:sldMk cId="2614168572" sldId="282"/>
-        </pc:sldMkLst>
-        <pc:spChg chg="add del mod">
-          <ac:chgData name="Andrew Ming Ho Wu" userId="620d876fccae6a25" providerId="LiveId" clId="{EF3BC0AB-AB59-4C81-97A5-1FDA4EE47D87}" dt="2020-09-27T10:10:20.883" v="5667" actId="1076"/>
-          <ac:spMkLst>
-            <pc:docMk/>
-            <pc:sldMk cId="2614168572" sldId="282"/>
-            <ac:spMk id="13" creationId="{69CF4EEB-ADC9-4068-B7B7-D36841F39D3C}"/>
-          </ac:spMkLst>
-        </pc:spChg>
-        <pc:spChg chg="mod">
-          <ac:chgData name="Andrew Ming Ho Wu" userId="620d876fccae6a25" providerId="LiveId" clId="{EF3BC0AB-AB59-4C81-97A5-1FDA4EE47D87}" dt="2020-09-27T10:15:26.466" v="6060" actId="20577"/>
-          <ac:spMkLst>
-            <pc:docMk/>
-            <pc:sldMk cId="2614168572" sldId="282"/>
-            <ac:spMk id="17" creationId="{48FA683B-0C92-4884-BB36-9239C11A9F11}"/>
-          </ac:spMkLst>
-        </pc:spChg>
-        <pc:picChg chg="mod">
-          <ac:chgData name="Andrew Ming Ho Wu" userId="620d876fccae6a25" providerId="LiveId" clId="{EF3BC0AB-AB59-4C81-97A5-1FDA4EE47D87}" dt="2020-09-26T16:19:38.497" v="1795" actId="1076"/>
-          <ac:picMkLst>
-            <pc:docMk/>
-            <pc:sldMk cId="2614168572" sldId="282"/>
-            <ac:picMk id="2" creationId="{00000000-0000-0000-0000-000000000000}"/>
-          </ac:picMkLst>
-        </pc:picChg>
-      </pc:sldChg>
-      <pc:sldChg chg="del">
-        <pc:chgData name="Andrew Ming Ho Wu" userId="620d876fccae6a25" providerId="LiveId" clId="{EF3BC0AB-AB59-4C81-97A5-1FDA4EE47D87}" dt="2020-09-27T10:35:01.134" v="8520" actId="2696"/>
-        <pc:sldMkLst>
-          <pc:docMk/>
-          <pc:sldMk cId="2263646774" sldId="283"/>
-        </pc:sldMkLst>
-      </pc:sldChg>
-      <pc:sldChg chg="del">
-        <pc:chgData name="Andrew Ming Ho Wu" userId="620d876fccae6a25" providerId="LiveId" clId="{EF3BC0AB-AB59-4C81-97A5-1FDA4EE47D87}" dt="2020-09-27T10:35:01.134" v="8520" actId="2696"/>
-        <pc:sldMkLst>
-          <pc:docMk/>
-          <pc:sldMk cId="1442798169" sldId="284"/>
-        </pc:sldMkLst>
-      </pc:sldChg>
-      <pc:sldChg chg="del">
-        <pc:chgData name="Andrew Ming Ho Wu" userId="620d876fccae6a25" providerId="LiveId" clId="{EF3BC0AB-AB59-4C81-97A5-1FDA4EE47D87}" dt="2020-09-27T10:35:01.134" v="8520" actId="2696"/>
-        <pc:sldMkLst>
-          <pc:docMk/>
-          <pc:sldMk cId="2354016084" sldId="285"/>
-        </pc:sldMkLst>
-      </pc:sldChg>
-      <pc:sldChg chg="del">
-        <pc:chgData name="Andrew Ming Ho Wu" userId="620d876fccae6a25" providerId="LiveId" clId="{EF3BC0AB-AB59-4C81-97A5-1FDA4EE47D87}" dt="2020-09-27T10:35:01.134" v="8520" actId="2696"/>
-        <pc:sldMkLst>
-          <pc:docMk/>
-          <pc:sldMk cId="399849162" sldId="286"/>
-        </pc:sldMkLst>
-      </pc:sldChg>
-      <pc:sldChg chg="del">
-        <pc:chgData name="Andrew Ming Ho Wu" userId="620d876fccae6a25" providerId="LiveId" clId="{EF3BC0AB-AB59-4C81-97A5-1FDA4EE47D87}" dt="2020-09-27T10:35:01.134" v="8520" actId="2696"/>
-        <pc:sldMkLst>
-          <pc:docMk/>
-          <pc:sldMk cId="2878566895" sldId="287"/>
-        </pc:sldMkLst>
-      </pc:sldChg>
-      <pc:sldChg chg="del">
-        <pc:chgData name="Andrew Ming Ho Wu" userId="620d876fccae6a25" providerId="LiveId" clId="{EF3BC0AB-AB59-4C81-97A5-1FDA4EE47D87}" dt="2020-09-27T10:35:01.134" v="8520" actId="2696"/>
-        <pc:sldMkLst>
-          <pc:docMk/>
-          <pc:sldMk cId="2066083013" sldId="288"/>
-        </pc:sldMkLst>
-      </pc:sldChg>
-      <pc:sldChg chg="del">
-        <pc:chgData name="Andrew Ming Ho Wu" userId="620d876fccae6a25" providerId="LiveId" clId="{EF3BC0AB-AB59-4C81-97A5-1FDA4EE47D87}" dt="2020-09-27T10:35:01.134" v="8520" actId="2696"/>
-        <pc:sldMkLst>
-          <pc:docMk/>
-          <pc:sldMk cId="229956835" sldId="289"/>
-        </pc:sldMkLst>
-      </pc:sldChg>
-      <pc:sldChg chg="del">
-        <pc:chgData name="Andrew Ming Ho Wu" userId="620d876fccae6a25" providerId="LiveId" clId="{EF3BC0AB-AB59-4C81-97A5-1FDA4EE47D87}" dt="2020-09-27T10:35:01.134" v="8520" actId="2696"/>
-        <pc:sldMkLst>
-          <pc:docMk/>
-          <pc:sldMk cId="3410851458" sldId="290"/>
-        </pc:sldMkLst>
-      </pc:sldChg>
-      <pc:sldChg chg="del">
-        <pc:chgData name="Andrew Ming Ho Wu" userId="620d876fccae6a25" providerId="LiveId" clId="{EF3BC0AB-AB59-4C81-97A5-1FDA4EE47D87}" dt="2020-09-27T10:35:01.134" v="8520" actId="2696"/>
-        <pc:sldMkLst>
-          <pc:docMk/>
-          <pc:sldMk cId="413486627" sldId="291"/>
-        </pc:sldMkLst>
-      </pc:sldChg>
-      <pc:sldChg chg="del">
-        <pc:chgData name="Andrew Ming Ho Wu" userId="620d876fccae6a25" providerId="LiveId" clId="{EF3BC0AB-AB59-4C81-97A5-1FDA4EE47D87}" dt="2020-09-27T10:35:01.134" v="8520" actId="2696"/>
-        <pc:sldMkLst>
-          <pc:docMk/>
-          <pc:sldMk cId="2556687725" sldId="292"/>
-        </pc:sldMkLst>
-      </pc:sldChg>
-      <pc:sldChg chg="del">
-        <pc:chgData name="Andrew Ming Ho Wu" userId="620d876fccae6a25" providerId="LiveId" clId="{EF3BC0AB-AB59-4C81-97A5-1FDA4EE47D87}" dt="2020-09-27T10:35:01.134" v="8520" actId="2696"/>
-        <pc:sldMkLst>
-          <pc:docMk/>
-          <pc:sldMk cId="3512316335" sldId="293"/>
-        </pc:sldMkLst>
-      </pc:sldChg>
-      <pc:sldChg chg="del">
-        <pc:chgData name="Andrew Ming Ho Wu" userId="620d876fccae6a25" providerId="LiveId" clId="{EF3BC0AB-AB59-4C81-97A5-1FDA4EE47D87}" dt="2020-09-27T10:35:01.134" v="8520" actId="2696"/>
-        <pc:sldMkLst>
-          <pc:docMk/>
-          <pc:sldMk cId="1612569936" sldId="294"/>
-        </pc:sldMkLst>
-      </pc:sldChg>
-      <pc:sldChg chg="del">
-        <pc:chgData name="Andrew Ming Ho Wu" userId="620d876fccae6a25" providerId="LiveId" clId="{EF3BC0AB-AB59-4C81-97A5-1FDA4EE47D87}" dt="2020-09-27T10:35:01.134" v="8520" actId="2696"/>
-        <pc:sldMkLst>
-          <pc:docMk/>
-          <pc:sldMk cId="1824351165" sldId="296"/>
-        </pc:sldMkLst>
-      </pc:sldChg>
-      <pc:sldChg chg="del">
-        <pc:chgData name="Andrew Ming Ho Wu" userId="620d876fccae6a25" providerId="LiveId" clId="{EF3BC0AB-AB59-4C81-97A5-1FDA4EE47D87}" dt="2020-09-27T10:35:01.134" v="8520" actId="2696"/>
-        <pc:sldMkLst>
-          <pc:docMk/>
-          <pc:sldMk cId="4058345036" sldId="297"/>
-        </pc:sldMkLst>
-      </pc:sldChg>
-      <pc:sldChg chg="del">
-        <pc:chgData name="Andrew Ming Ho Wu" userId="620d876fccae6a25" providerId="LiveId" clId="{EF3BC0AB-AB59-4C81-97A5-1FDA4EE47D87}" dt="2020-09-27T10:35:01.134" v="8520" actId="2696"/>
-        <pc:sldMkLst>
-          <pc:docMk/>
-          <pc:sldMk cId="1764176242" sldId="299"/>
-        </pc:sldMkLst>
-      </pc:sldChg>
-      <pc:sldChg chg="del">
-        <pc:chgData name="Andrew Ming Ho Wu" userId="620d876fccae6a25" providerId="LiveId" clId="{EF3BC0AB-AB59-4C81-97A5-1FDA4EE47D87}" dt="2020-09-27T10:35:01.134" v="8520" actId="2696"/>
-        <pc:sldMkLst>
-          <pc:docMk/>
-          <pc:sldMk cId="4186544287" sldId="300"/>
-        </pc:sldMkLst>
-      </pc:sldChg>
-      <pc:sldChg chg="modSp add mod">
-        <pc:chgData name="Andrew Ming Ho Wu" userId="620d876fccae6a25" providerId="LiveId" clId="{EF3BC0AB-AB59-4C81-97A5-1FDA4EE47D87}" dt="2020-09-27T18:42:43.537" v="12616" actId="20577"/>
-        <pc:sldMkLst>
-          <pc:docMk/>
-          <pc:sldMk cId="4141595128" sldId="301"/>
-        </pc:sldMkLst>
-        <pc:spChg chg="mod">
-          <ac:chgData name="Andrew Ming Ho Wu" userId="620d876fccae6a25" providerId="LiveId" clId="{EF3BC0AB-AB59-4C81-97A5-1FDA4EE47D87}" dt="2020-09-26T16:15:33.446" v="1272" actId="20577"/>
-          <ac:spMkLst>
-            <pc:docMk/>
-            <pc:sldMk cId="4141595128" sldId="301"/>
-            <ac:spMk id="5" creationId="{00000000-0000-0000-0000-000000000000}"/>
-          </ac:spMkLst>
-        </pc:spChg>
-        <pc:spChg chg="mod">
-          <ac:chgData name="Andrew Ming Ho Wu" userId="620d876fccae6a25" providerId="LiveId" clId="{EF3BC0AB-AB59-4C81-97A5-1FDA4EE47D87}" dt="2020-09-27T18:42:43.537" v="12616" actId="20577"/>
-          <ac:spMkLst>
-            <pc:docMk/>
-            <pc:sldMk cId="4141595128" sldId="301"/>
-            <ac:spMk id="12" creationId="{7E70BACB-1CF0-4DEE-923B-205A7D88BC2B}"/>
-          </ac:spMkLst>
-        </pc:spChg>
-      </pc:sldChg>
-      <pc:sldChg chg="modSp add mod modNotesTx">
-        <pc:chgData name="Andrew Ming Ho Wu" userId="620d876fccae6a25" providerId="LiveId" clId="{EF3BC0AB-AB59-4C81-97A5-1FDA4EE47D87}" dt="2020-09-27T10:13:25.181" v="5912" actId="255"/>
-        <pc:sldMkLst>
-          <pc:docMk/>
-          <pc:sldMk cId="1181641107" sldId="302"/>
-        </pc:sldMkLst>
-        <pc:spChg chg="mod">
-          <ac:chgData name="Andrew Ming Ho Wu" userId="620d876fccae6a25" providerId="LiveId" clId="{EF3BC0AB-AB59-4C81-97A5-1FDA4EE47D87}" dt="2020-09-27T10:13:25.181" v="5912" actId="255"/>
-          <ac:spMkLst>
-            <pc:docMk/>
-            <pc:sldMk cId="1181641107" sldId="302"/>
-            <ac:spMk id="17" creationId="{48FA683B-0C92-4884-BB36-9239C11A9F11}"/>
-          </ac:spMkLst>
-        </pc:spChg>
-      </pc:sldChg>
-      <pc:sldChg chg="modSp add mod modNotesTx">
-        <pc:chgData name="Andrew Ming Ho Wu" userId="620d876fccae6a25" providerId="LiveId" clId="{EF3BC0AB-AB59-4C81-97A5-1FDA4EE47D87}" dt="2020-09-27T10:17:42.840" v="6267" actId="14100"/>
-        <pc:sldMkLst>
-          <pc:docMk/>
-          <pc:sldMk cId="695323835" sldId="303"/>
-        </pc:sldMkLst>
-        <pc:spChg chg="mod">
-          <ac:chgData name="Andrew Ming Ho Wu" userId="620d876fccae6a25" providerId="LiveId" clId="{EF3BC0AB-AB59-4C81-97A5-1FDA4EE47D87}" dt="2020-09-27T10:17:39.090" v="6265" actId="1076"/>
-          <ac:spMkLst>
-            <pc:docMk/>
-            <pc:sldMk cId="695323835" sldId="303"/>
-            <ac:spMk id="13" creationId="{69CF4EEB-ADC9-4068-B7B7-D36841F39D3C}"/>
-          </ac:spMkLst>
-        </pc:spChg>
-        <pc:spChg chg="mod">
-          <ac:chgData name="Andrew Ming Ho Wu" userId="620d876fccae6a25" providerId="LiveId" clId="{EF3BC0AB-AB59-4C81-97A5-1FDA4EE47D87}" dt="2020-09-27T10:17:42.840" v="6267" actId="14100"/>
-          <ac:spMkLst>
-            <pc:docMk/>
-            <pc:sldMk cId="695323835" sldId="303"/>
-            <ac:spMk id="17" creationId="{48FA683B-0C92-4884-BB36-9239C11A9F11}"/>
-          </ac:spMkLst>
-        </pc:spChg>
-      </pc:sldChg>
-      <pc:sldChg chg="modSp add mod modNotesTx">
-        <pc:chgData name="Andrew Ming Ho Wu" userId="620d876fccae6a25" providerId="LiveId" clId="{EF3BC0AB-AB59-4C81-97A5-1FDA4EE47D87}" dt="2020-09-27T10:19:05.687" v="6412" actId="20577"/>
-        <pc:sldMkLst>
-          <pc:docMk/>
-          <pc:sldMk cId="1731435901" sldId="304"/>
-        </pc:sldMkLst>
-        <pc:spChg chg="mod">
-          <ac:chgData name="Andrew Ming Ho Wu" userId="620d876fccae6a25" providerId="LiveId" clId="{EF3BC0AB-AB59-4C81-97A5-1FDA4EE47D87}" dt="2020-09-27T10:18:55.844" v="6411" actId="313"/>
-          <ac:spMkLst>
-            <pc:docMk/>
-            <pc:sldMk cId="1731435901" sldId="304"/>
-            <ac:spMk id="17" creationId="{48FA683B-0C92-4884-BB36-9239C11A9F11}"/>
-          </ac:spMkLst>
-        </pc:spChg>
-      </pc:sldChg>
-      <pc:sldChg chg="modSp add mod modNotesTx">
-        <pc:chgData name="Andrew Ming Ho Wu" userId="620d876fccae6a25" providerId="LiveId" clId="{EF3BC0AB-AB59-4C81-97A5-1FDA4EE47D87}" dt="2020-09-27T10:20:50.306" v="6644" actId="20577"/>
-        <pc:sldMkLst>
-          <pc:docMk/>
-          <pc:sldMk cId="3921722384" sldId="305"/>
-        </pc:sldMkLst>
-        <pc:spChg chg="mod">
-          <ac:chgData name="Andrew Ming Ho Wu" userId="620d876fccae6a25" providerId="LiveId" clId="{EF3BC0AB-AB59-4C81-97A5-1FDA4EE47D87}" dt="2020-09-27T10:20:34.775" v="6643" actId="20577"/>
-          <ac:spMkLst>
-            <pc:docMk/>
-            <pc:sldMk cId="3921722384" sldId="305"/>
-            <ac:spMk id="17" creationId="{48FA683B-0C92-4884-BB36-9239C11A9F11}"/>
-          </ac:spMkLst>
-        </pc:spChg>
-      </pc:sldChg>
-      <pc:sldChg chg="modSp add mod modNotesTx">
-        <pc:chgData name="Andrew Ming Ho Wu" userId="620d876fccae6a25" providerId="LiveId" clId="{EF3BC0AB-AB59-4C81-97A5-1FDA4EE47D87}" dt="2020-09-27T10:21:37.258" v="6762" actId="20577"/>
-        <pc:sldMkLst>
-          <pc:docMk/>
-          <pc:sldMk cId="393541412" sldId="306"/>
-        </pc:sldMkLst>
-        <pc:spChg chg="mod">
-          <ac:chgData name="Andrew Ming Ho Wu" userId="620d876fccae6a25" providerId="LiveId" clId="{EF3BC0AB-AB59-4C81-97A5-1FDA4EE47D87}" dt="2020-09-27T10:21:32.006" v="6761" actId="20577"/>
-          <ac:spMkLst>
-            <pc:docMk/>
-            <pc:sldMk cId="393541412" sldId="306"/>
-            <ac:spMk id="17" creationId="{48FA683B-0C92-4884-BB36-9239C11A9F11}"/>
-          </ac:spMkLst>
-        </pc:spChg>
-      </pc:sldChg>
-      <pc:sldChg chg="modSp add mod modNotesTx">
-        <pc:chgData name="Andrew Ming Ho Wu" userId="620d876fccae6a25" providerId="LiveId" clId="{EF3BC0AB-AB59-4C81-97A5-1FDA4EE47D87}" dt="2020-09-27T10:21:47.784" v="6763" actId="255"/>
-        <pc:sldMkLst>
-          <pc:docMk/>
-          <pc:sldMk cId="696112063" sldId="307"/>
-        </pc:sldMkLst>
-        <pc:spChg chg="mod">
-          <ac:chgData name="Andrew Ming Ho Wu" userId="620d876fccae6a25" providerId="LiveId" clId="{EF3BC0AB-AB59-4C81-97A5-1FDA4EE47D87}" dt="2020-09-27T10:21:47.784" v="6763" actId="255"/>
-          <ac:spMkLst>
-            <pc:docMk/>
-            <pc:sldMk cId="696112063" sldId="307"/>
-            <ac:spMk id="17" creationId="{48FA683B-0C92-4884-BB36-9239C11A9F11}"/>
-          </ac:spMkLst>
-        </pc:spChg>
-      </pc:sldChg>
-      <pc:sldChg chg="modSp add mod modNotesTx">
-        <pc:chgData name="Andrew Ming Ho Wu" userId="620d876fccae6a25" providerId="LiveId" clId="{EF3BC0AB-AB59-4C81-97A5-1FDA4EE47D87}" dt="2020-09-27T10:22:20.056" v="6856" actId="20577"/>
-        <pc:sldMkLst>
-          <pc:docMk/>
-          <pc:sldMk cId="2138515264" sldId="308"/>
-        </pc:sldMkLst>
-        <pc:spChg chg="mod">
-          <ac:chgData name="Andrew Ming Ho Wu" userId="620d876fccae6a25" providerId="LiveId" clId="{EF3BC0AB-AB59-4C81-97A5-1FDA4EE47D87}" dt="2020-09-27T10:22:20.056" v="6856" actId="20577"/>
-          <ac:spMkLst>
-            <pc:docMk/>
-            <pc:sldMk cId="2138515264" sldId="308"/>
-            <ac:spMk id="17" creationId="{48FA683B-0C92-4884-BB36-9239C11A9F11}"/>
-          </ac:spMkLst>
-        </pc:spChg>
-      </pc:sldChg>
-      <pc:sldChg chg="modSp add mod modNotesTx">
-        <pc:chgData name="Andrew Ming Ho Wu" userId="620d876fccae6a25" providerId="LiveId" clId="{EF3BC0AB-AB59-4C81-97A5-1FDA4EE47D87}" dt="2020-09-27T10:23:00.536" v="6930" actId="20577"/>
-        <pc:sldMkLst>
-          <pc:docMk/>
-          <pc:sldMk cId="2113135599" sldId="309"/>
-        </pc:sldMkLst>
-        <pc:spChg chg="mod">
-          <ac:chgData name="Andrew Ming Ho Wu" userId="620d876fccae6a25" providerId="LiveId" clId="{EF3BC0AB-AB59-4C81-97A5-1FDA4EE47D87}" dt="2020-09-27T10:23:00.536" v="6930" actId="20577"/>
-          <ac:spMkLst>
-            <pc:docMk/>
-            <pc:sldMk cId="2113135599" sldId="309"/>
-            <ac:spMk id="17" creationId="{48FA683B-0C92-4884-BB36-9239C11A9F11}"/>
-          </ac:spMkLst>
-        </pc:spChg>
-      </pc:sldChg>
-      <pc:sldChg chg="modSp add mod modNotesTx">
-        <pc:chgData name="Andrew Ming Ho Wu" userId="620d876fccae6a25" providerId="LiveId" clId="{EF3BC0AB-AB59-4C81-97A5-1FDA4EE47D87}" dt="2020-09-27T10:23:44.427" v="6931" actId="255"/>
-        <pc:sldMkLst>
-          <pc:docMk/>
-          <pc:sldMk cId="3619567919" sldId="310"/>
-        </pc:sldMkLst>
-        <pc:spChg chg="mod">
-          <ac:chgData name="Andrew Ming Ho Wu" userId="620d876fccae6a25" providerId="LiveId" clId="{EF3BC0AB-AB59-4C81-97A5-1FDA4EE47D87}" dt="2020-09-27T10:01:03.972" v="4768" actId="1076"/>
-          <ac:spMkLst>
-            <pc:docMk/>
-            <pc:sldMk cId="3619567919" sldId="310"/>
-            <ac:spMk id="13" creationId="{69CF4EEB-ADC9-4068-B7B7-D36841F39D3C}"/>
-          </ac:spMkLst>
-        </pc:spChg>
-        <pc:spChg chg="mod">
-          <ac:chgData name="Andrew Ming Ho Wu" userId="620d876fccae6a25" providerId="LiveId" clId="{EF3BC0AB-AB59-4C81-97A5-1FDA4EE47D87}" dt="2020-09-27T10:23:44.427" v="6931" actId="255"/>
-          <ac:spMkLst>
-            <pc:docMk/>
-            <pc:sldMk cId="3619567919" sldId="310"/>
-            <ac:spMk id="17" creationId="{48FA683B-0C92-4884-BB36-9239C11A9F11}"/>
-          </ac:spMkLst>
-        </pc:spChg>
-      </pc:sldChg>
-      <pc:sldChg chg="modSp add mod modNotesTx">
-        <pc:chgData name="Andrew Ming Ho Wu" userId="620d876fccae6a25" providerId="LiveId" clId="{EF3BC0AB-AB59-4C81-97A5-1FDA4EE47D87}" dt="2020-09-27T10:24:04.623" v="6933" actId="20577"/>
-        <pc:sldMkLst>
-          <pc:docMk/>
-          <pc:sldMk cId="4241162783" sldId="311"/>
-        </pc:sldMkLst>
-        <pc:spChg chg="mod">
-          <ac:chgData name="Andrew Ming Ho Wu" userId="620d876fccae6a25" providerId="LiveId" clId="{EF3BC0AB-AB59-4C81-97A5-1FDA4EE47D87}" dt="2020-09-27T10:23:51.587" v="6932" actId="255"/>
-          <ac:spMkLst>
-            <pc:docMk/>
-            <pc:sldMk cId="4241162783" sldId="311"/>
-            <ac:spMk id="17" creationId="{48FA683B-0C92-4884-BB36-9239C11A9F11}"/>
-          </ac:spMkLst>
-        </pc:spChg>
-      </pc:sldChg>
-      <pc:sldChg chg="modSp add mod modNotesTx">
-        <pc:chgData name="Andrew Ming Ho Wu" userId="620d876fccae6a25" providerId="LiveId" clId="{EF3BC0AB-AB59-4C81-97A5-1FDA4EE47D87}" dt="2020-09-27T10:24:22.320" v="6935" actId="20577"/>
-        <pc:sldMkLst>
-          <pc:docMk/>
-          <pc:sldMk cId="1035541448" sldId="312"/>
-        </pc:sldMkLst>
-        <pc:spChg chg="mod">
-          <ac:chgData name="Andrew Ming Ho Wu" userId="620d876fccae6a25" providerId="LiveId" clId="{EF3BC0AB-AB59-4C81-97A5-1FDA4EE47D87}" dt="2020-09-27T10:24:10.906" v="6934" actId="255"/>
-          <ac:spMkLst>
-            <pc:docMk/>
-            <pc:sldMk cId="1035541448" sldId="312"/>
-            <ac:spMk id="17" creationId="{48FA683B-0C92-4884-BB36-9239C11A9F11}"/>
-          </ac:spMkLst>
-        </pc:spChg>
-      </pc:sldChg>
-      <pc:sldChg chg="modSp add mod">
-        <pc:chgData name="Andrew Ming Ho Wu" userId="620d876fccae6a25" providerId="LiveId" clId="{EF3BC0AB-AB59-4C81-97A5-1FDA4EE47D87}" dt="2020-09-27T10:25:36.179" v="7152" actId="20577"/>
-        <pc:sldMkLst>
-          <pc:docMk/>
-          <pc:sldMk cId="1627687639" sldId="313"/>
-        </pc:sldMkLst>
-        <pc:spChg chg="mod">
-          <ac:chgData name="Andrew Ming Ho Wu" userId="620d876fccae6a25" providerId="LiveId" clId="{EF3BC0AB-AB59-4C81-97A5-1FDA4EE47D87}" dt="2020-09-27T10:25:36.179" v="7152" actId="20577"/>
-          <ac:spMkLst>
-            <pc:docMk/>
-            <pc:sldMk cId="1627687639" sldId="313"/>
-            <ac:spMk id="17" creationId="{48FA683B-0C92-4884-BB36-9239C11A9F11}"/>
-          </ac:spMkLst>
-        </pc:spChg>
-      </pc:sldChg>
-      <pc:sldChg chg="modSp add mod">
-        <pc:chgData name="Andrew Ming Ho Wu" userId="620d876fccae6a25" providerId="LiveId" clId="{EF3BC0AB-AB59-4C81-97A5-1FDA4EE47D87}" dt="2020-09-27T10:32:13.605" v="8194" actId="20577"/>
-        <pc:sldMkLst>
-          <pc:docMk/>
-          <pc:sldMk cId="1950776556" sldId="314"/>
-        </pc:sldMkLst>
-        <pc:spChg chg="mod">
-          <ac:chgData name="Andrew Ming Ho Wu" userId="620d876fccae6a25" providerId="LiveId" clId="{EF3BC0AB-AB59-4C81-97A5-1FDA4EE47D87}" dt="2020-09-27T10:32:13.605" v="8194" actId="20577"/>
-          <ac:spMkLst>
-            <pc:docMk/>
-            <pc:sldMk cId="1950776556" sldId="314"/>
-            <ac:spMk id="17" creationId="{48FA683B-0C92-4884-BB36-9239C11A9F11}"/>
-          </ac:spMkLst>
-        </pc:spChg>
-      </pc:sldChg>
-      <pc:sldChg chg="modSp add mod">
-        <pc:chgData name="Andrew Ming Ho Wu" userId="620d876fccae6a25" providerId="LiveId" clId="{EF3BC0AB-AB59-4C81-97A5-1FDA4EE47D87}" dt="2020-09-27T10:32:16.641" v="8196" actId="20577"/>
-        <pc:sldMkLst>
-          <pc:docMk/>
-          <pc:sldMk cId="3899163142" sldId="315"/>
-        </pc:sldMkLst>
-        <pc:spChg chg="mod">
-          <ac:chgData name="Andrew Ming Ho Wu" userId="620d876fccae6a25" providerId="LiveId" clId="{EF3BC0AB-AB59-4C81-97A5-1FDA4EE47D87}" dt="2020-09-27T10:32:16.641" v="8196" actId="20577"/>
-          <ac:spMkLst>
-            <pc:docMk/>
-            <pc:sldMk cId="3899163142" sldId="315"/>
-            <ac:spMk id="17" creationId="{48FA683B-0C92-4884-BB36-9239C11A9F11}"/>
-          </ac:spMkLst>
-        </pc:spChg>
-      </pc:sldChg>
-      <pc:sldChg chg="modSp add mod">
-        <pc:chgData name="Andrew Ming Ho Wu" userId="620d876fccae6a25" providerId="LiveId" clId="{EF3BC0AB-AB59-4C81-97A5-1FDA4EE47D87}" dt="2020-09-27T10:32:19.922" v="8198" actId="20577"/>
-        <pc:sldMkLst>
-          <pc:docMk/>
-          <pc:sldMk cId="2313566969" sldId="316"/>
-        </pc:sldMkLst>
-        <pc:spChg chg="mod">
-          <ac:chgData name="Andrew Ming Ho Wu" userId="620d876fccae6a25" providerId="LiveId" clId="{EF3BC0AB-AB59-4C81-97A5-1FDA4EE47D87}" dt="2020-09-27T10:32:19.922" v="8198" actId="20577"/>
-          <ac:spMkLst>
-            <pc:docMk/>
-            <pc:sldMk cId="2313566969" sldId="316"/>
-            <ac:spMk id="17" creationId="{48FA683B-0C92-4884-BB36-9239C11A9F11}"/>
-          </ac:spMkLst>
-        </pc:spChg>
-      </pc:sldChg>
-      <pc:sldChg chg="modSp add mod">
-        <pc:chgData name="Andrew Ming Ho Wu" userId="620d876fccae6a25" providerId="LiveId" clId="{EF3BC0AB-AB59-4C81-97A5-1FDA4EE47D87}" dt="2020-09-27T10:32:55.790" v="8288" actId="1076"/>
-        <pc:sldMkLst>
-          <pc:docMk/>
-          <pc:sldMk cId="525558553" sldId="317"/>
-        </pc:sldMkLst>
-        <pc:spChg chg="mod">
-          <ac:chgData name="Andrew Ming Ho Wu" userId="620d876fccae6a25" providerId="LiveId" clId="{EF3BC0AB-AB59-4C81-97A5-1FDA4EE47D87}" dt="2020-09-27T10:32:55.790" v="8288" actId="1076"/>
-          <ac:spMkLst>
-            <pc:docMk/>
-            <pc:sldMk cId="525558553" sldId="317"/>
-            <ac:spMk id="17" creationId="{48FA683B-0C92-4884-BB36-9239C11A9F11}"/>
-          </ac:spMkLst>
-        </pc:spChg>
-      </pc:sldChg>
-      <pc:sldChg chg="modSp add mod">
-        <pc:chgData name="Andrew Ming Ho Wu" userId="620d876fccae6a25" providerId="LiveId" clId="{EF3BC0AB-AB59-4C81-97A5-1FDA4EE47D87}" dt="2020-09-27T10:33:59.156" v="8519" actId="20577"/>
-        <pc:sldMkLst>
-          <pc:docMk/>
-          <pc:sldMk cId="2450840084" sldId="318"/>
-        </pc:sldMkLst>
-        <pc:spChg chg="mod">
-          <ac:chgData name="Andrew Ming Ho Wu" userId="620d876fccae6a25" providerId="LiveId" clId="{EF3BC0AB-AB59-4C81-97A5-1FDA4EE47D87}" dt="2020-09-27T10:33:59.156" v="8519" actId="20577"/>
-          <ac:spMkLst>
-            <pc:docMk/>
-            <pc:sldMk cId="2450840084" sldId="318"/>
-            <ac:spMk id="17" creationId="{48FA683B-0C92-4884-BB36-9239C11A9F11}"/>
-          </ac:spMkLst>
-        </pc:spChg>
-      </pc:sldChg>
-      <pc:sldChg chg="addSp delSp modSp add mod">
-        <pc:chgData name="Andrew Ming Ho Wu" userId="620d876fccae6a25" providerId="LiveId" clId="{EF3BC0AB-AB59-4C81-97A5-1FDA4EE47D87}" dt="2020-09-27T10:39:14.873" v="9058" actId="20577"/>
-        <pc:sldMkLst>
-          <pc:docMk/>
-          <pc:sldMk cId="3241138585" sldId="319"/>
-        </pc:sldMkLst>
-        <pc:spChg chg="mod">
-          <ac:chgData name="Andrew Ming Ho Wu" userId="620d876fccae6a25" providerId="LiveId" clId="{EF3BC0AB-AB59-4C81-97A5-1FDA4EE47D87}" dt="2020-09-27T10:35:24.156" v="8547" actId="1076"/>
-          <ac:spMkLst>
-            <pc:docMk/>
-            <pc:sldMk cId="3241138585" sldId="319"/>
-            <ac:spMk id="13" creationId="{69CF4EEB-ADC9-4068-B7B7-D36841F39D3C}"/>
-          </ac:spMkLst>
-        </pc:spChg>
-        <pc:spChg chg="add del mod">
-          <ac:chgData name="Andrew Ming Ho Wu" userId="620d876fccae6a25" providerId="LiveId" clId="{EF3BC0AB-AB59-4C81-97A5-1FDA4EE47D87}" dt="2020-09-27T10:39:14.873" v="9058" actId="20577"/>
-          <ac:spMkLst>
-            <pc:docMk/>
-            <pc:sldMk cId="3241138585" sldId="319"/>
-            <ac:spMk id="17" creationId="{48FA683B-0C92-4884-BB36-9239C11A9F11}"/>
-          </ac:spMkLst>
-        </pc:spChg>
-      </pc:sldChg>
-      <pc:sldChg chg="modSp add mod">
-        <pc:chgData name="Andrew Ming Ho Wu" userId="620d876fccae6a25" providerId="LiveId" clId="{EF3BC0AB-AB59-4C81-97A5-1FDA4EE47D87}" dt="2020-09-27T10:43:27.516" v="9560" actId="20577"/>
-        <pc:sldMkLst>
-          <pc:docMk/>
-          <pc:sldMk cId="597090878" sldId="320"/>
-        </pc:sldMkLst>
-        <pc:spChg chg="mod">
-          <ac:chgData name="Andrew Ming Ho Wu" userId="620d876fccae6a25" providerId="LiveId" clId="{EF3BC0AB-AB59-4C81-97A5-1FDA4EE47D87}" dt="2020-09-27T10:43:27.516" v="9560" actId="20577"/>
-          <ac:spMkLst>
-            <pc:docMk/>
-            <pc:sldMk cId="597090878" sldId="320"/>
-            <ac:spMk id="17" creationId="{48FA683B-0C92-4884-BB36-9239C11A9F11}"/>
-          </ac:spMkLst>
-        </pc:spChg>
-      </pc:sldChg>
-      <pc:sldChg chg="addSp delSp modSp add mod">
-        <pc:chgData name="Andrew Ming Ho Wu" userId="620d876fccae6a25" providerId="LiveId" clId="{EF3BC0AB-AB59-4C81-97A5-1FDA4EE47D87}" dt="2020-09-27T10:58:39.244" v="9567"/>
-        <pc:sldMkLst>
-          <pc:docMk/>
-          <pc:sldMk cId="3935872265" sldId="321"/>
-        </pc:sldMkLst>
-        <pc:spChg chg="del mod">
-          <ac:chgData name="Andrew Ming Ho Wu" userId="620d876fccae6a25" providerId="LiveId" clId="{EF3BC0AB-AB59-4C81-97A5-1FDA4EE47D87}" dt="2020-09-27T10:58:39.244" v="9567"/>
-          <ac:spMkLst>
-            <pc:docMk/>
-            <pc:sldMk cId="3935872265" sldId="321"/>
-            <ac:spMk id="17" creationId="{48FA683B-0C92-4884-BB36-9239C11A9F11}"/>
-          </ac:spMkLst>
-        </pc:spChg>
-        <pc:picChg chg="add mod">
-          <ac:chgData name="Andrew Ming Ho Wu" userId="620d876fccae6a25" providerId="LiveId" clId="{EF3BC0AB-AB59-4C81-97A5-1FDA4EE47D87}" dt="2020-09-27T10:58:38.641" v="9565" actId="14100"/>
-          <ac:picMkLst>
-            <pc:docMk/>
-            <pc:sldMk cId="3935872265" sldId="321"/>
-            <ac:picMk id="6" creationId="{9A9BF99D-7F84-4233-BC72-E8CC5BE0B067}"/>
-          </ac:picMkLst>
-        </pc:picChg>
-      </pc:sldChg>
-      <pc:sldChg chg="addSp delSp modSp add mod">
-        <pc:chgData name="Andrew Ming Ho Wu" userId="620d876fccae6a25" providerId="LiveId" clId="{EF3BC0AB-AB59-4C81-97A5-1FDA4EE47D87}" dt="2020-09-27T11:03:15.071" v="9639" actId="313"/>
-        <pc:sldMkLst>
-          <pc:docMk/>
-          <pc:sldMk cId="2428145897" sldId="322"/>
-        </pc:sldMkLst>
-        <pc:spChg chg="add del">
-          <ac:chgData name="Andrew Ming Ho Wu" userId="620d876fccae6a25" providerId="LiveId" clId="{EF3BC0AB-AB59-4C81-97A5-1FDA4EE47D87}" dt="2020-09-27T11:02:08.216" v="9585" actId="478"/>
-          <ac:spMkLst>
-            <pc:docMk/>
-            <pc:sldMk cId="2428145897" sldId="322"/>
-            <ac:spMk id="14" creationId="{82204D47-3F7F-4F81-9F0B-B8D05A4A12AB}"/>
-          </ac:spMkLst>
-        </pc:spChg>
-        <pc:spChg chg="add del mod">
-          <ac:chgData name="Andrew Ming Ho Wu" userId="620d876fccae6a25" providerId="LiveId" clId="{EF3BC0AB-AB59-4C81-97A5-1FDA4EE47D87}" dt="2020-09-27T11:03:15.071" v="9639" actId="313"/>
-          <ac:spMkLst>
-            <pc:docMk/>
-            <pc:sldMk cId="2428145897" sldId="322"/>
-            <ac:spMk id="16" creationId="{F047BA3C-54FB-4687-843D-9C20754A8819}"/>
-          </ac:spMkLst>
-        </pc:spChg>
-        <pc:spChg chg="add del">
-          <ac:chgData name="Andrew Ming Ho Wu" userId="620d876fccae6a25" providerId="LiveId" clId="{EF3BC0AB-AB59-4C81-97A5-1FDA4EE47D87}" dt="2020-09-27T11:00:26.377" v="9575" actId="22"/>
-          <ac:spMkLst>
-            <pc:docMk/>
-            <pc:sldMk cId="2428145897" sldId="322"/>
-            <ac:spMk id="18" creationId="{BF7EA6D2-8A4A-4CBD-BC10-20FE1AFEFC61}"/>
-          </ac:spMkLst>
-        </pc:spChg>
-        <pc:picChg chg="add del">
-          <ac:chgData name="Andrew Ming Ho Wu" userId="620d876fccae6a25" providerId="LiveId" clId="{EF3BC0AB-AB59-4C81-97A5-1FDA4EE47D87}" dt="2020-09-27T11:02:07.818" v="9583" actId="478"/>
-          <ac:picMkLst>
-            <pc:docMk/>
-            <pc:sldMk cId="2428145897" sldId="322"/>
-            <ac:picMk id="6" creationId="{9A9BF99D-7F84-4233-BC72-E8CC5BE0B067}"/>
-          </ac:picMkLst>
-        </pc:picChg>
-      </pc:sldChg>
-      <pc:sldChg chg="addSp delSp modSp add mod">
-        <pc:chgData name="Andrew Ming Ho Wu" userId="620d876fccae6a25" providerId="LiveId" clId="{EF3BC0AB-AB59-4C81-97A5-1FDA4EE47D87}" dt="2020-09-27T18:22:25.987" v="10124" actId="20577"/>
-        <pc:sldMkLst>
-          <pc:docMk/>
-          <pc:sldMk cId="3584881285" sldId="323"/>
-        </pc:sldMkLst>
-        <pc:spChg chg="add mod">
-          <ac:chgData name="Andrew Ming Ho Wu" userId="620d876fccae6a25" providerId="LiveId" clId="{EF3BC0AB-AB59-4C81-97A5-1FDA4EE47D87}" dt="2020-09-27T18:22:25.987" v="10124" actId="20577"/>
-          <ac:spMkLst>
-            <pc:docMk/>
-            <pc:sldMk cId="3584881285" sldId="323"/>
-            <ac:spMk id="7" creationId="{E4AD51E1-FCF3-4A0C-8B1A-3C58F573459E}"/>
-          </ac:spMkLst>
-        </pc:spChg>
-        <pc:spChg chg="mod">
-          <ac:chgData name="Andrew Ming Ho Wu" userId="620d876fccae6a25" providerId="LiveId" clId="{EF3BC0AB-AB59-4C81-97A5-1FDA4EE47D87}" dt="2020-09-27T11:03:33.284" v="9673" actId="1076"/>
-          <ac:spMkLst>
-            <pc:docMk/>
-            <pc:sldMk cId="3584881285" sldId="323"/>
-            <ac:spMk id="13" creationId="{69CF4EEB-ADC9-4068-B7B7-D36841F39D3C}"/>
-          </ac:spMkLst>
-        </pc:spChg>
-        <pc:spChg chg="del mod">
-          <ac:chgData name="Andrew Ming Ho Wu" userId="620d876fccae6a25" providerId="LiveId" clId="{EF3BC0AB-AB59-4C81-97A5-1FDA4EE47D87}" dt="2020-09-27T11:03:36.351" v="9676"/>
-          <ac:spMkLst>
-            <pc:docMk/>
-            <pc:sldMk cId="3584881285" sldId="323"/>
-            <ac:spMk id="16" creationId="{F047BA3C-54FB-4687-843D-9C20754A8819}"/>
-          </ac:spMkLst>
-        </pc:spChg>
-        <pc:graphicFrameChg chg="add del mod">
-          <ac:chgData name="Andrew Ming Ho Wu" userId="620d876fccae6a25" providerId="LiveId" clId="{EF3BC0AB-AB59-4C81-97A5-1FDA4EE47D87}" dt="2020-09-27T18:18:59.929" v="9678"/>
-          <ac:graphicFrameMkLst>
-            <pc:docMk/>
-            <pc:sldMk cId="3584881285" sldId="323"/>
-            <ac:graphicFrameMk id="6" creationId="{60167984-0F6D-44F1-A20D-E8267DCC0337}"/>
-          </ac:graphicFrameMkLst>
-        </pc:graphicFrameChg>
-      </pc:sldChg>
-      <pc:sldChg chg="modSp add mod">
-        <pc:chgData name="Andrew Ming Ho Wu" userId="620d876fccae6a25" providerId="LiveId" clId="{EF3BC0AB-AB59-4C81-97A5-1FDA4EE47D87}" dt="2020-09-27T18:24:49.019" v="10398" actId="20577"/>
-        <pc:sldMkLst>
-          <pc:docMk/>
-          <pc:sldMk cId="1769369266" sldId="324"/>
-        </pc:sldMkLst>
-        <pc:spChg chg="mod">
-          <ac:chgData name="Andrew Ming Ho Wu" userId="620d876fccae6a25" providerId="LiveId" clId="{EF3BC0AB-AB59-4C81-97A5-1FDA4EE47D87}" dt="2020-09-27T18:24:49.019" v="10398" actId="20577"/>
-          <ac:spMkLst>
-            <pc:docMk/>
-            <pc:sldMk cId="1769369266" sldId="324"/>
-            <ac:spMk id="7" creationId="{E4AD51E1-FCF3-4A0C-8B1A-3C58F573459E}"/>
-          </ac:spMkLst>
-        </pc:spChg>
-      </pc:sldChg>
-      <pc:sldChg chg="modSp add mod">
-        <pc:chgData name="Andrew Ming Ho Wu" userId="620d876fccae6a25" providerId="LiveId" clId="{EF3BC0AB-AB59-4C81-97A5-1FDA4EE47D87}" dt="2020-09-27T18:29:32.927" v="10814" actId="20577"/>
-        <pc:sldMkLst>
-          <pc:docMk/>
-          <pc:sldMk cId="3774335670" sldId="325"/>
-        </pc:sldMkLst>
-        <pc:spChg chg="mod">
-          <ac:chgData name="Andrew Ming Ho Wu" userId="620d876fccae6a25" providerId="LiveId" clId="{EF3BC0AB-AB59-4C81-97A5-1FDA4EE47D87}" dt="2020-09-27T18:29:32.927" v="10814" actId="20577"/>
-          <ac:spMkLst>
-            <pc:docMk/>
-            <pc:sldMk cId="3774335670" sldId="325"/>
-            <ac:spMk id="7" creationId="{E4AD51E1-FCF3-4A0C-8B1A-3C58F573459E}"/>
-          </ac:spMkLst>
-        </pc:spChg>
-        <pc:spChg chg="mod">
-          <ac:chgData name="Andrew Ming Ho Wu" userId="620d876fccae6a25" providerId="LiveId" clId="{EF3BC0AB-AB59-4C81-97A5-1FDA4EE47D87}" dt="2020-09-27T18:26:27.870" v="10420" actId="20577"/>
-          <ac:spMkLst>
-            <pc:docMk/>
-            <pc:sldMk cId="3774335670" sldId="325"/>
-            <ac:spMk id="13" creationId="{69CF4EEB-ADC9-4068-B7B7-D36841F39D3C}"/>
-          </ac:spMkLst>
-        </pc:spChg>
-      </pc:sldChg>
-      <pc:sldChg chg="add del">
-        <pc:chgData name="Andrew Ming Ho Wu" userId="620d876fccae6a25" providerId="LiveId" clId="{EF3BC0AB-AB59-4C81-97A5-1FDA4EE47D87}" dt="2020-09-27T18:26:21.489" v="10401" actId="2696"/>
-        <pc:sldMkLst>
-          <pc:docMk/>
-          <pc:sldMk cId="828494221" sldId="326"/>
-        </pc:sldMkLst>
-      </pc:sldChg>
-      <pc:sldChg chg="modSp add mod">
-        <pc:chgData name="Andrew Ming Ho Wu" userId="620d876fccae6a25" providerId="LiveId" clId="{EF3BC0AB-AB59-4C81-97A5-1FDA4EE47D87}" dt="2020-09-27T18:34:03.877" v="11494" actId="1076"/>
-        <pc:sldMkLst>
-          <pc:docMk/>
-          <pc:sldMk cId="1449775771" sldId="326"/>
-        </pc:sldMkLst>
-        <pc:spChg chg="mod">
-          <ac:chgData name="Andrew Ming Ho Wu" userId="620d876fccae6a25" providerId="LiveId" clId="{EF3BC0AB-AB59-4C81-97A5-1FDA4EE47D87}" dt="2020-09-27T18:33:51.120" v="11492" actId="1076"/>
-          <ac:spMkLst>
-            <pc:docMk/>
-            <pc:sldMk cId="1449775771" sldId="326"/>
-            <ac:spMk id="7" creationId="{E4AD51E1-FCF3-4A0C-8B1A-3C58F573459E}"/>
-          </ac:spMkLst>
-        </pc:spChg>
-        <pc:spChg chg="mod">
-          <ac:chgData name="Andrew Ming Ho Wu" userId="620d876fccae6a25" providerId="LiveId" clId="{EF3BC0AB-AB59-4C81-97A5-1FDA4EE47D87}" dt="2020-09-27T18:34:03.877" v="11494" actId="1076"/>
-          <ac:spMkLst>
-            <pc:docMk/>
-            <pc:sldMk cId="1449775771" sldId="326"/>
-            <ac:spMk id="13" creationId="{69CF4EEB-ADC9-4068-B7B7-D36841F39D3C}"/>
-          </ac:spMkLst>
-        </pc:spChg>
-      </pc:sldChg>
-      <pc:sldChg chg="addSp delSp modSp add mod">
-        <pc:chgData name="Andrew Ming Ho Wu" userId="620d876fccae6a25" providerId="LiveId" clId="{EF3BC0AB-AB59-4C81-97A5-1FDA4EE47D87}" dt="2020-09-27T18:38:02.661" v="11934" actId="1076"/>
-        <pc:sldMkLst>
-          <pc:docMk/>
-          <pc:sldMk cId="4259034908" sldId="327"/>
-        </pc:sldMkLst>
-        <pc:spChg chg="add">
-          <ac:chgData name="Andrew Ming Ho Wu" userId="620d876fccae6a25" providerId="LiveId" clId="{EF3BC0AB-AB59-4C81-97A5-1FDA4EE47D87}" dt="2020-09-27T18:36:26.362" v="11607" actId="22"/>
-          <ac:spMkLst>
-            <pc:docMk/>
-            <pc:sldMk cId="4259034908" sldId="327"/>
-            <ac:spMk id="6" creationId="{BEC9B985-01E2-4E66-9346-091B101327B3}"/>
-          </ac:spMkLst>
-        </pc:spChg>
-        <pc:spChg chg="mod">
-          <ac:chgData name="Andrew Ming Ho Wu" userId="620d876fccae6a25" providerId="LiveId" clId="{EF3BC0AB-AB59-4C81-97A5-1FDA4EE47D87}" dt="2020-09-27T18:38:02.661" v="11934" actId="1076"/>
-          <ac:spMkLst>
-            <pc:docMk/>
-            <pc:sldMk cId="4259034908" sldId="327"/>
-            <ac:spMk id="7" creationId="{E4AD51E1-FCF3-4A0C-8B1A-3C58F573459E}"/>
-          </ac:spMkLst>
-        </pc:spChg>
-        <pc:spChg chg="del mod">
-          <ac:chgData name="Andrew Ming Ho Wu" userId="620d876fccae6a25" providerId="LiveId" clId="{EF3BC0AB-AB59-4C81-97A5-1FDA4EE47D87}" dt="2020-09-27T18:36:26.036" v="11606" actId="478"/>
-          <ac:spMkLst>
-            <pc:docMk/>
-            <pc:sldMk cId="4259034908" sldId="327"/>
-            <ac:spMk id="13" creationId="{69CF4EEB-ADC9-4068-B7B7-D36841F39D3C}"/>
-          </ac:spMkLst>
-        </pc:spChg>
-      </pc:sldChg>
-      <pc:sldChg chg="modSp add mod">
-        <pc:chgData name="Andrew Ming Ho Wu" userId="620d876fccae6a25" providerId="LiveId" clId="{EF3BC0AB-AB59-4C81-97A5-1FDA4EE47D87}" dt="2020-09-27T18:41:40.924" v="12570" actId="20577"/>
-        <pc:sldMkLst>
-          <pc:docMk/>
-          <pc:sldMk cId="2174425840" sldId="328"/>
-        </pc:sldMkLst>
-        <pc:spChg chg="mod">
-          <ac:chgData name="Andrew Ming Ho Wu" userId="620d876fccae6a25" providerId="LiveId" clId="{EF3BC0AB-AB59-4C81-97A5-1FDA4EE47D87}" dt="2020-09-27T18:41:40.924" v="12570" actId="20577"/>
-          <ac:spMkLst>
-            <pc:docMk/>
-            <pc:sldMk cId="2174425840" sldId="328"/>
-            <ac:spMk id="7" creationId="{E4AD51E1-FCF3-4A0C-8B1A-3C58F573459E}"/>
-          </ac:spMkLst>
-        </pc:spChg>
-      </pc:sldChg>
-      <pc:sldChg chg="modSp add mod">
-        <pc:chgData name="Andrew Ming Ho Wu" userId="620d876fccae6a25" providerId="LiveId" clId="{EF3BC0AB-AB59-4C81-97A5-1FDA4EE47D87}" dt="2020-09-27T18:48:04.723" v="13177" actId="20577"/>
-        <pc:sldMkLst>
-          <pc:docMk/>
-          <pc:sldMk cId="428898620" sldId="329"/>
-        </pc:sldMkLst>
-        <pc:spChg chg="mod">
-          <ac:chgData name="Andrew Ming Ho Wu" userId="620d876fccae6a25" providerId="LiveId" clId="{EF3BC0AB-AB59-4C81-97A5-1FDA4EE47D87}" dt="2020-09-27T18:43:02.482" v="12622" actId="20577"/>
-          <ac:spMkLst>
-            <pc:docMk/>
-            <pc:sldMk cId="428898620" sldId="329"/>
-            <ac:spMk id="5" creationId="{00000000-0000-0000-0000-000000000000}"/>
-          </ac:spMkLst>
-        </pc:spChg>
-        <pc:spChg chg="mod">
-          <ac:chgData name="Andrew Ming Ho Wu" userId="620d876fccae6a25" providerId="LiveId" clId="{EF3BC0AB-AB59-4C81-97A5-1FDA4EE47D87}" dt="2020-09-27T18:48:04.723" v="13177" actId="20577"/>
-          <ac:spMkLst>
-            <pc:docMk/>
-            <pc:sldMk cId="428898620" sldId="329"/>
-            <ac:spMk id="12" creationId="{7E70BACB-1CF0-4DEE-923B-205A7D88BC2B}"/>
-          </ac:spMkLst>
-        </pc:spChg>
-      </pc:sldChg>
-      <pc:sldChg chg="modSp add mod">
-        <pc:chgData name="Andrew Ming Ho Wu" userId="620d876fccae6a25" providerId="LiveId" clId="{EF3BC0AB-AB59-4C81-97A5-1FDA4EE47D87}" dt="2020-09-27T18:53:06.406" v="14074" actId="1076"/>
-        <pc:sldMkLst>
-          <pc:docMk/>
-          <pc:sldMk cId="3627176467" sldId="330"/>
-        </pc:sldMkLst>
-        <pc:spChg chg="mod">
-          <ac:chgData name="Andrew Ming Ho Wu" userId="620d876fccae6a25" providerId="LiveId" clId="{EF3BC0AB-AB59-4C81-97A5-1FDA4EE47D87}" dt="2020-09-27T18:48:38.569" v="13202" actId="20577"/>
-          <ac:spMkLst>
-            <pc:docMk/>
-            <pc:sldMk cId="3627176467" sldId="330"/>
-            <ac:spMk id="5" creationId="{00000000-0000-0000-0000-000000000000}"/>
-          </ac:spMkLst>
-        </pc:spChg>
-        <pc:spChg chg="mod">
-          <ac:chgData name="Andrew Ming Ho Wu" userId="620d876fccae6a25" providerId="LiveId" clId="{EF3BC0AB-AB59-4C81-97A5-1FDA4EE47D87}" dt="2020-09-27T18:53:06.406" v="14074" actId="1076"/>
-          <ac:spMkLst>
-            <pc:docMk/>
-            <pc:sldMk cId="3627176467" sldId="330"/>
-            <ac:spMk id="12" creationId="{7E70BACB-1CF0-4DEE-923B-205A7D88BC2B}"/>
-          </ac:spMkLst>
-        </pc:spChg>
-      </pc:sldChg>
-      <pc:sldChg chg="modSp add mod">
-        <pc:chgData name="Andrew Ming Ho Wu" userId="620d876fccae6a25" providerId="LiveId" clId="{EF3BC0AB-AB59-4C81-97A5-1FDA4EE47D87}" dt="2020-09-27T18:54:28.038" v="14319" actId="20577"/>
-        <pc:sldMkLst>
-          <pc:docMk/>
-          <pc:sldMk cId="311588258" sldId="331"/>
-        </pc:sldMkLst>
-        <pc:spChg chg="mod">
-          <ac:chgData name="Andrew Ming Ho Wu" userId="620d876fccae6a25" providerId="LiveId" clId="{EF3BC0AB-AB59-4C81-97A5-1FDA4EE47D87}" dt="2020-09-27T18:53:26.285" v="14108" actId="14100"/>
-          <ac:spMkLst>
-            <pc:docMk/>
-            <pc:sldMk cId="311588258" sldId="331"/>
-            <ac:spMk id="5" creationId="{00000000-0000-0000-0000-000000000000}"/>
-          </ac:spMkLst>
-        </pc:spChg>
-        <pc:spChg chg="mod">
-          <ac:chgData name="Andrew Ming Ho Wu" userId="620d876fccae6a25" providerId="LiveId" clId="{EF3BC0AB-AB59-4C81-97A5-1FDA4EE47D87}" dt="2020-09-27T18:54:28.038" v="14319" actId="20577"/>
-          <ac:spMkLst>
-            <pc:docMk/>
-            <pc:sldMk cId="311588258" sldId="331"/>
-            <ac:spMk id="12" creationId="{7E70BACB-1CF0-4DEE-923B-205A7D88BC2B}"/>
-          </ac:spMkLst>
-        </pc:spChg>
-      </pc:sldChg>
-      <pc:sldChg chg="modSp add mod">
-        <pc:chgData name="Andrew Ming Ho Wu" userId="620d876fccae6a25" providerId="LiveId" clId="{EF3BC0AB-AB59-4C81-97A5-1FDA4EE47D87}" dt="2020-09-27T18:57:17.757" v="14458" actId="20577"/>
-        <pc:sldMkLst>
-          <pc:docMk/>
-          <pc:sldMk cId="1678336179" sldId="332"/>
-        </pc:sldMkLst>
-        <pc:spChg chg="mod">
-          <ac:chgData name="Andrew Ming Ho Wu" userId="620d876fccae6a25" providerId="LiveId" clId="{EF3BC0AB-AB59-4C81-97A5-1FDA4EE47D87}" dt="2020-09-27T18:54:54.107" v="14359" actId="20577"/>
-          <ac:spMkLst>
-            <pc:docMk/>
-            <pc:sldMk cId="1678336179" sldId="332"/>
-            <ac:spMk id="5" creationId="{00000000-0000-0000-0000-000000000000}"/>
-          </ac:spMkLst>
-        </pc:spChg>
-        <pc:spChg chg="mod">
-          <ac:chgData name="Andrew Ming Ho Wu" userId="620d876fccae6a25" providerId="LiveId" clId="{EF3BC0AB-AB59-4C81-97A5-1FDA4EE47D87}" dt="2020-09-27T18:57:17.757" v="14458" actId="20577"/>
-          <ac:spMkLst>
-            <pc:docMk/>
-            <pc:sldMk cId="1678336179" sldId="332"/>
-            <ac:spMk id="12" creationId="{7E70BACB-1CF0-4DEE-923B-205A7D88BC2B}"/>
-          </ac:spMkLst>
-        </pc:spChg>
-      </pc:sldChg>
-    </pc:docChg>
-  </pc:docChgLst>
-  <pc:docChgLst>
-    <pc:chgData name="Andrew Ming Ho Wu" userId="620d876fccae6a25" providerId="LiveId" clId="{B8CC6B97-FBEB-4E84-A973-1D8D00A51797}"/>
-    <pc:docChg chg="undo redo custSel addSld delSld modSld">
-      <pc:chgData name="Andrew Ming Ho Wu" userId="620d876fccae6a25" providerId="LiveId" clId="{B8CC6B97-FBEB-4E84-A973-1D8D00A51797}" dt="2020-12-09T20:21:14.831" v="3322" actId="1076"/>
+    <pc:chgData name="Andrew Ming Ho Wu" userId="620d876fccae6a25" providerId="LiveId" clId="{301D553B-ED1B-4DD0-8B60-0326FA0FE40D}"/>
+    <pc:docChg chg="undo custSel modSld sldOrd">
+      <pc:chgData name="Andrew Ming Ho Wu" userId="620d876fccae6a25" providerId="LiveId" clId="{301D553B-ED1B-4DD0-8B60-0326FA0FE40D}" dt="2020-12-04T09:57:29.774" v="2192" actId="20577"/>
       <pc:docMkLst>
         <pc:docMk/>
       </pc:docMkLst>
       <pc:sldChg chg="modSp mod">
-        <pc:chgData name="Andrew Ming Ho Wu" userId="620d876fccae6a25" providerId="LiveId" clId="{B8CC6B97-FBEB-4E84-A973-1D8D00A51797}" dt="2020-12-07T23:20:20.434" v="2391" actId="20577"/>
+        <pc:chgData name="Andrew Ming Ho Wu" userId="620d876fccae6a25" providerId="LiveId" clId="{301D553B-ED1B-4DD0-8B60-0326FA0FE40D}" dt="2020-12-04T09:23:30.694" v="1648" actId="20577"/>
         <pc:sldMkLst>
           <pc:docMk/>
           <pc:sldMk cId="0" sldId="256"/>
         </pc:sldMkLst>
         <pc:spChg chg="mod">
-          <ac:chgData name="Andrew Ming Ho Wu" userId="620d876fccae6a25" providerId="LiveId" clId="{B8CC6B97-FBEB-4E84-A973-1D8D00A51797}" dt="2020-12-07T23:20:20.434" v="2391" actId="20577"/>
-          <ac:spMkLst>
-            <pc:docMk/>
-            <pc:sldMk cId="0" sldId="256"/>
-            <ac:spMk id="7" creationId="{00000000-0000-0000-0000-000000000000}"/>
-          </ac:spMkLst>
-        </pc:spChg>
-        <pc:spChg chg="mod">
-          <ac:chgData name="Andrew Ming Ho Wu" userId="620d876fccae6a25" providerId="LiveId" clId="{B8CC6B97-FBEB-4E84-A973-1D8D00A51797}" dt="2020-12-07T11:47:32.514" v="4" actId="20577"/>
+          <ac:chgData name="Andrew Ming Ho Wu" userId="620d876fccae6a25" providerId="LiveId" clId="{301D553B-ED1B-4DD0-8B60-0326FA0FE40D}" dt="2020-12-04T09:23:30.694" v="1648" actId="20577"/>
           <ac:spMkLst>
             <pc:docMk/>
             <pc:sldMk cId="0" sldId="256"/>
@@ -4918,14 +5078,14 @@
           </ac:spMkLst>
         </pc:spChg>
       </pc:sldChg>
-      <pc:sldChg chg="modSp del mod">
-        <pc:chgData name="Andrew Ming Ho Wu" userId="620d876fccae6a25" providerId="LiveId" clId="{B8CC6B97-FBEB-4E84-A973-1D8D00A51797}" dt="2020-12-07T14:43:22.840" v="2386" actId="47"/>
+      <pc:sldChg chg="modSp mod ord">
+        <pc:chgData name="Andrew Ming Ho Wu" userId="620d876fccae6a25" providerId="LiveId" clId="{301D553B-ED1B-4DD0-8B60-0326FA0FE40D}" dt="2020-12-04T09:37:15.202" v="1818" actId="1076"/>
         <pc:sldMkLst>
           <pc:docMk/>
           <pc:sldMk cId="3627176467" sldId="330"/>
         </pc:sldMkLst>
         <pc:spChg chg="mod">
-          <ac:chgData name="Andrew Ming Ho Wu" userId="620d876fccae6a25" providerId="LiveId" clId="{B8CC6B97-FBEB-4E84-A973-1D8D00A51797}" dt="2020-12-07T11:49:36.385" v="427" actId="115"/>
+          <ac:chgData name="Andrew Ming Ho Wu" userId="620d876fccae6a25" providerId="LiveId" clId="{301D553B-ED1B-4DD0-8B60-0326FA0FE40D}" dt="2020-12-04T09:37:15.202" v="1818" actId="1076"/>
           <ac:spMkLst>
             <pc:docMk/>
             <pc:sldMk cId="3627176467" sldId="330"/>
@@ -4934,226 +5094,65 @@
         </pc:spChg>
       </pc:sldChg>
       <pc:sldChg chg="addSp delSp modSp mod">
-        <pc:chgData name="Andrew Ming Ho Wu" userId="620d876fccae6a25" providerId="LiveId" clId="{B8CC6B97-FBEB-4E84-A973-1D8D00A51797}" dt="2020-12-09T20:19:32.434" v="3257" actId="20577"/>
+        <pc:chgData name="Andrew Ming Ho Wu" userId="620d876fccae6a25" providerId="LiveId" clId="{301D553B-ED1B-4DD0-8B60-0326FA0FE40D}" dt="2020-12-04T09:57:29.774" v="2192" actId="20577"/>
         <pc:sldMkLst>
           <pc:docMk/>
           <pc:sldMk cId="2206058006" sldId="333"/>
         </pc:sldMkLst>
         <pc:spChg chg="mod">
-          <ac:chgData name="Andrew Ming Ho Wu" userId="620d876fccae6a25" providerId="LiveId" clId="{B8CC6B97-FBEB-4E84-A973-1D8D00A51797}" dt="2020-12-08T20:51:48.995" v="2411" actId="20577"/>
+          <ac:chgData name="Andrew Ming Ho Wu" userId="620d876fccae6a25" providerId="LiveId" clId="{301D553B-ED1B-4DD0-8B60-0326FA0FE40D}" dt="2020-12-04T09:54:08.146" v="2088" actId="1076"/>
           <ac:spMkLst>
             <pc:docMk/>
             <pc:sldMk cId="2206058006" sldId="333"/>
             <ac:spMk id="5" creationId="{00000000-0000-0000-0000-000000000000}"/>
           </ac:spMkLst>
         </pc:spChg>
-        <pc:spChg chg="del">
-          <ac:chgData name="Andrew Ming Ho Wu" userId="620d876fccae6a25" providerId="LiveId" clId="{B8CC6B97-FBEB-4E84-A973-1D8D00A51797}" dt="2020-12-07T11:49:40.438" v="428" actId="478"/>
+        <pc:spChg chg="add del mod">
+          <ac:chgData name="Andrew Ming Ho Wu" userId="620d876fccae6a25" providerId="LiveId" clId="{301D553B-ED1B-4DD0-8B60-0326FA0FE40D}" dt="2020-12-04T09:57:29.774" v="2192" actId="20577"/>
           <ac:spMkLst>
             <pc:docMk/>
             <pc:sldMk cId="2206058006" sldId="333"/>
             <ac:spMk id="11" creationId="{3E2506E2-B67A-4B0D-BA61-6B13AC56BACF}"/>
           </ac:spMkLst>
         </pc:spChg>
-        <pc:spChg chg="add del mod">
-          <ac:chgData name="Andrew Ming Ho Wu" userId="620d876fccae6a25" providerId="LiveId" clId="{B8CC6B97-FBEB-4E84-A973-1D8D00A51797}" dt="2020-12-09T20:19:32.434" v="3257" actId="20577"/>
-          <ac:spMkLst>
-            <pc:docMk/>
-            <pc:sldMk cId="2206058006" sldId="333"/>
-            <ac:spMk id="12" creationId="{11F2B6B6-0466-4FF3-9677-694F0F61AE7C}"/>
-          </ac:spMkLst>
-        </pc:spChg>
-        <pc:grpChg chg="mod">
-          <ac:chgData name="Andrew Ming Ho Wu" userId="620d876fccae6a25" providerId="LiveId" clId="{B8CC6B97-FBEB-4E84-A973-1D8D00A51797}" dt="2020-12-07T11:50:20.258" v="465" actId="1076"/>
-          <ac:grpSpMkLst>
-            <pc:docMk/>
-            <pc:sldMk cId="2206058006" sldId="333"/>
-            <ac:grpSpMk id="2" creationId="{00000000-0000-0000-0000-000000000000}"/>
-          </ac:grpSpMkLst>
-        </pc:grpChg>
-        <pc:grpChg chg="mod">
-          <ac:chgData name="Andrew Ming Ho Wu" userId="620d876fccae6a25" providerId="LiveId" clId="{B8CC6B97-FBEB-4E84-A973-1D8D00A51797}" dt="2020-12-07T11:50:22.733" v="466" actId="1076"/>
-          <ac:grpSpMkLst>
-            <pc:docMk/>
-            <pc:sldMk cId="2206058006" sldId="333"/>
-            <ac:grpSpMk id="8" creationId="{00000000-0000-0000-0000-000000000000}"/>
-          </ac:grpSpMkLst>
-        </pc:grpChg>
-      </pc:sldChg>
-      <pc:sldChg chg="addSp delSp modSp mod">
-        <pc:chgData name="Andrew Ming Ho Wu" userId="620d876fccae6a25" providerId="LiveId" clId="{B8CC6B97-FBEB-4E84-A973-1D8D00A51797}" dt="2020-12-07T12:17:11.563" v="2385" actId="20577"/>
+      </pc:sldChg>
+      <pc:sldChg chg="modSp mod">
+        <pc:chgData name="Andrew Ming Ho Wu" userId="620d876fccae6a25" providerId="LiveId" clId="{301D553B-ED1B-4DD0-8B60-0326FA0FE40D}" dt="2020-12-03T19:29:39.167" v="656" actId="20577"/>
         <pc:sldMkLst>
           <pc:docMk/>
           <pc:sldMk cId="2818220858" sldId="343"/>
         </pc:sldMkLst>
         <pc:spChg chg="mod">
-          <ac:chgData name="Andrew Ming Ho Wu" userId="620d876fccae6a25" providerId="LiveId" clId="{B8CC6B97-FBEB-4E84-A973-1D8D00A51797}" dt="2020-12-07T12:16:53.205" v="2364" actId="1076"/>
-          <ac:spMkLst>
-            <pc:docMk/>
-            <pc:sldMk cId="2818220858" sldId="343"/>
-            <ac:spMk id="5" creationId="{81D7F47C-B22C-46A9-BD87-E2FA064EC20F}"/>
-          </ac:spMkLst>
-        </pc:spChg>
-        <pc:spChg chg="mod">
-          <ac:chgData name="Andrew Ming Ho Wu" userId="620d876fccae6a25" providerId="LiveId" clId="{B8CC6B97-FBEB-4E84-A973-1D8D00A51797}" dt="2020-12-07T12:16:25.853" v="2338" actId="20577"/>
+          <ac:chgData name="Andrew Ming Ho Wu" userId="620d876fccae6a25" providerId="LiveId" clId="{301D553B-ED1B-4DD0-8B60-0326FA0FE40D}" dt="2020-12-03T19:29:34.248" v="655" actId="20577"/>
           <ac:spMkLst>
             <pc:docMk/>
             <pc:sldMk cId="2818220858" sldId="343"/>
             <ac:spMk id="8" creationId="{9D42ABF8-029E-4F29-B608-8C118D28ABA1}"/>
           </ac:spMkLst>
         </pc:spChg>
-        <pc:spChg chg="add del mod">
-          <ac:chgData name="Andrew Ming Ho Wu" userId="620d876fccae6a25" providerId="LiveId" clId="{B8CC6B97-FBEB-4E84-A973-1D8D00A51797}" dt="2020-12-07T12:17:00.094" v="2366"/>
-          <ac:spMkLst>
-            <pc:docMk/>
-            <pc:sldMk cId="2818220858" sldId="343"/>
-            <ac:spMk id="14" creationId="{4008C9F8-7034-4640-926C-69C20356432C}"/>
-          </ac:spMkLst>
-        </pc:spChg>
-        <pc:spChg chg="mod">
-          <ac:chgData name="Andrew Ming Ho Wu" userId="620d876fccae6a25" providerId="LiveId" clId="{B8CC6B97-FBEB-4E84-A973-1D8D00A51797}" dt="2020-12-07T11:47:46.566" v="35" actId="20577"/>
+        <pc:spChg chg="mod">
+          <ac:chgData name="Andrew Ming Ho Wu" userId="620d876fccae6a25" providerId="LiveId" clId="{301D553B-ED1B-4DD0-8B60-0326FA0FE40D}" dt="2020-12-03T19:29:39.167" v="656" actId="20577"/>
           <ac:spMkLst>
             <pc:docMk/>
             <pc:sldMk cId="2818220858" sldId="343"/>
             <ac:spMk id="15" creationId="{5FC8DCBF-4CCE-4C22-8B9F-CC50B4D8446D}"/>
           </ac:spMkLst>
         </pc:spChg>
-        <pc:spChg chg="add mod">
-          <ac:chgData name="Andrew Ming Ho Wu" userId="620d876fccae6a25" providerId="LiveId" clId="{B8CC6B97-FBEB-4E84-A973-1D8D00A51797}" dt="2020-12-07T12:17:11.563" v="2385" actId="20577"/>
-          <ac:spMkLst>
-            <pc:docMk/>
-            <pc:sldMk cId="2818220858" sldId="343"/>
-            <ac:spMk id="16" creationId="{9776CE46-BCD9-4FBA-A83A-BE5C5D29A965}"/>
-          </ac:spMkLst>
-        </pc:spChg>
-        <pc:grpChg chg="mod">
-          <ac:chgData name="Andrew Ming Ho Wu" userId="620d876fccae6a25" providerId="LiveId" clId="{B8CC6B97-FBEB-4E84-A973-1D8D00A51797}" dt="2020-12-07T12:16:48.563" v="2363" actId="1076"/>
-          <ac:grpSpMkLst>
-            <pc:docMk/>
-            <pc:sldMk cId="2818220858" sldId="343"/>
-            <ac:grpSpMk id="2" creationId="{00000000-0000-0000-0000-000000000000}"/>
-          </ac:grpSpMkLst>
-        </pc:grpChg>
-      </pc:sldChg>
-      <pc:sldChg chg="modSp mod">
-        <pc:chgData name="Andrew Ming Ho Wu" userId="620d876fccae6a25" providerId="LiveId" clId="{B8CC6B97-FBEB-4E84-A973-1D8D00A51797}" dt="2020-12-07T12:12:01.475" v="2130" actId="20577"/>
+      </pc:sldChg>
+      <pc:sldChg chg="addSp delSp modSp mod">
+        <pc:chgData name="Andrew Ming Ho Wu" userId="620d876fccae6a25" providerId="LiveId" clId="{301D553B-ED1B-4DD0-8B60-0326FA0FE40D}" dt="2020-12-03T19:23:50.731" v="4"/>
         <pc:sldMkLst>
           <pc:docMk/>
           <pc:sldMk cId="1002563172" sldId="387"/>
         </pc:sldMkLst>
-        <pc:spChg chg="mod">
-          <ac:chgData name="Andrew Ming Ho Wu" userId="620d876fccae6a25" providerId="LiveId" clId="{B8CC6B97-FBEB-4E84-A973-1D8D00A51797}" dt="2020-12-07T12:12:01.475" v="2130" actId="20577"/>
+        <pc:spChg chg="add del mod">
+          <ac:chgData name="Andrew Ming Ho Wu" userId="620d876fccae6a25" providerId="LiveId" clId="{301D553B-ED1B-4DD0-8B60-0326FA0FE40D}" dt="2020-12-03T19:23:50.731" v="4"/>
           <ac:spMkLst>
             <pc:docMk/>
             <pc:sldMk cId="1002563172" sldId="387"/>
-            <ac:spMk id="5" creationId="{00000000-0000-0000-0000-000000000000}"/>
-          </ac:spMkLst>
-        </pc:spChg>
-      </pc:sldChg>
-      <pc:sldChg chg="modSp add mod">
-        <pc:chgData name="Andrew Ming Ho Wu" userId="620d876fccae6a25" providerId="LiveId" clId="{B8CC6B97-FBEB-4E84-A973-1D8D00A51797}" dt="2020-12-09T20:21:14.831" v="3322" actId="1076"/>
-        <pc:sldMkLst>
-          <pc:docMk/>
-          <pc:sldMk cId="2049264590" sldId="388"/>
-        </pc:sldMkLst>
-        <pc:spChg chg="mod">
-          <ac:chgData name="Andrew Ming Ho Wu" userId="620d876fccae6a25" providerId="LiveId" clId="{B8CC6B97-FBEB-4E84-A973-1D8D00A51797}" dt="2020-12-09T20:21:14.831" v="3322" actId="1076"/>
-          <ac:spMkLst>
-            <pc:docMk/>
-            <pc:sldMk cId="2049264590" sldId="388"/>
-            <ac:spMk id="12" creationId="{11F2B6B6-0466-4FF3-9677-694F0F61AE7C}"/>
-          </ac:spMkLst>
-        </pc:spChg>
-      </pc:sldChg>
-      <pc:sldChg chg="add">
-        <pc:chgData name="Andrew Ming Ho Wu" userId="620d876fccae6a25" providerId="LiveId" clId="{B8CC6B97-FBEB-4E84-A973-1D8D00A51797}" dt="2020-12-07T12:11:57.600" v="2129" actId="2890"/>
-        <pc:sldMkLst>
-          <pc:docMk/>
-          <pc:sldMk cId="1012779811" sldId="389"/>
-        </pc:sldMkLst>
-      </pc:sldChg>
-      <pc:sldChg chg="modSp add mod">
-        <pc:chgData name="Andrew Ming Ho Wu" userId="620d876fccae6a25" providerId="LiveId" clId="{B8CC6B97-FBEB-4E84-A973-1D8D00A51797}" dt="2020-12-07T12:13:16.646" v="2234" actId="255"/>
-        <pc:sldMkLst>
-          <pc:docMk/>
-          <pc:sldMk cId="2782934202" sldId="390"/>
-        </pc:sldMkLst>
-        <pc:spChg chg="mod">
-          <ac:chgData name="Andrew Ming Ho Wu" userId="620d876fccae6a25" providerId="LiveId" clId="{B8CC6B97-FBEB-4E84-A973-1D8D00A51797}" dt="2020-12-07T12:12:22.476" v="2139" actId="20577"/>
-          <ac:spMkLst>
-            <pc:docMk/>
-            <pc:sldMk cId="2782934202" sldId="390"/>
-            <ac:spMk id="5" creationId="{00000000-0000-0000-0000-000000000000}"/>
-          </ac:spMkLst>
-        </pc:spChg>
-        <pc:spChg chg="mod">
-          <ac:chgData name="Andrew Ming Ho Wu" userId="620d876fccae6a25" providerId="LiveId" clId="{B8CC6B97-FBEB-4E84-A973-1D8D00A51797}" dt="2020-12-07T12:13:16.646" v="2234" actId="255"/>
-          <ac:spMkLst>
-            <pc:docMk/>
-            <pc:sldMk cId="2782934202" sldId="390"/>
-            <ac:spMk id="12" creationId="{11F2B6B6-0466-4FF3-9677-694F0F61AE7C}"/>
-          </ac:spMkLst>
-        </pc:spChg>
-      </pc:sldChg>
-      <pc:sldChg chg="modSp add mod">
-        <pc:chgData name="Andrew Ming Ho Wu" userId="620d876fccae6a25" providerId="LiveId" clId="{B8CC6B97-FBEB-4E84-A973-1D8D00A51797}" dt="2020-12-07T12:14:09.189" v="2268" actId="20577"/>
-        <pc:sldMkLst>
-          <pc:docMk/>
-          <pc:sldMk cId="2582986712" sldId="391"/>
-        </pc:sldMkLst>
-        <pc:spChg chg="mod">
-          <ac:chgData name="Andrew Ming Ho Wu" userId="620d876fccae6a25" providerId="LiveId" clId="{B8CC6B97-FBEB-4E84-A973-1D8D00A51797}" dt="2020-12-07T12:14:09.189" v="2268" actId="20577"/>
-          <ac:spMkLst>
-            <pc:docMk/>
-            <pc:sldMk cId="2582986712" sldId="391"/>
-            <ac:spMk id="12" creationId="{11F2B6B6-0466-4FF3-9677-694F0F61AE7C}"/>
-          </ac:spMkLst>
-        </pc:spChg>
-      </pc:sldChg>
-      <pc:sldChg chg="modSp add mod">
-        <pc:chgData name="Andrew Ming Ho Wu" userId="620d876fccae6a25" providerId="LiveId" clId="{B8CC6B97-FBEB-4E84-A973-1D8D00A51797}" dt="2020-12-07T12:15:51.208" v="2307" actId="255"/>
-        <pc:sldMkLst>
-          <pc:docMk/>
-          <pc:sldMk cId="161672857" sldId="392"/>
-        </pc:sldMkLst>
-        <pc:spChg chg="mod">
-          <ac:chgData name="Andrew Ming Ho Wu" userId="620d876fccae6a25" providerId="LiveId" clId="{B8CC6B97-FBEB-4E84-A973-1D8D00A51797}" dt="2020-12-07T12:15:14.773" v="2298" actId="20577"/>
-          <ac:spMkLst>
-            <pc:docMk/>
-            <pc:sldMk cId="161672857" sldId="392"/>
-            <ac:spMk id="5" creationId="{00000000-0000-0000-0000-000000000000}"/>
-          </ac:spMkLst>
-        </pc:spChg>
-        <pc:spChg chg="mod">
-          <ac:chgData name="Andrew Ming Ho Wu" userId="620d876fccae6a25" providerId="LiveId" clId="{B8CC6B97-FBEB-4E84-A973-1D8D00A51797}" dt="2020-12-07T12:15:51.208" v="2307" actId="255"/>
-          <ac:spMkLst>
-            <pc:docMk/>
-            <pc:sldMk cId="161672857" sldId="392"/>
-            <ac:spMk id="12" creationId="{11F2B6B6-0466-4FF3-9677-694F0F61AE7C}"/>
-          </ac:spMkLst>
-        </pc:spChg>
-      </pc:sldChg>
-      <pc:sldChg chg="modSp add mod">
-        <pc:chgData name="Andrew Ming Ho Wu" userId="620d876fccae6a25" providerId="LiveId" clId="{B8CC6B97-FBEB-4E84-A973-1D8D00A51797}" dt="2020-12-09T20:20:31.079" v="3296" actId="20577"/>
-        <pc:sldMkLst>
-          <pc:docMk/>
-          <pc:sldMk cId="226674003" sldId="393"/>
-        </pc:sldMkLst>
-        <pc:spChg chg="mod">
-          <ac:chgData name="Andrew Ming Ho Wu" userId="620d876fccae6a25" providerId="LiveId" clId="{B8CC6B97-FBEB-4E84-A973-1D8D00A51797}" dt="2020-12-09T20:20:31.079" v="3296" actId="20577"/>
-          <ac:spMkLst>
-            <pc:docMk/>
-            <pc:sldMk cId="226674003" sldId="393"/>
-            <ac:spMk id="12" creationId="{11F2B6B6-0466-4FF3-9677-694F0F61AE7C}"/>
-          </ac:spMkLst>
-        </pc:spChg>
-      </pc:sldChg>
-      <pc:sldChg chg="add del">
-        <pc:chgData name="Andrew Ming Ho Wu" userId="620d876fccae6a25" providerId="LiveId" clId="{B8CC6B97-FBEB-4E84-A973-1D8D00A51797}" dt="2020-12-08T20:51:41.486" v="2393"/>
-        <pc:sldMkLst>
-          <pc:docMk/>
-          <pc:sldMk cId="1879883029" sldId="393"/>
-        </pc:sldMkLst>
+            <ac:spMk id="11" creationId="{BA618F6F-1997-4079-B11E-BC24229FBCC5}"/>
+          </ac:spMkLst>
+        </pc:spChg>
       </pc:sldChg>
     </pc:docChg>
   </pc:docChgLst>
@@ -5553,7 +5552,7 @@
           <a:p>
             <a:fld id="{F3B73EDB-C001-4FA3-A8F8-70B0B97F7CFF}" type="datetimeFigureOut">
               <a:rPr lang="en-GB" smtClean="0"/>
-              <a:t>24/01/2021</a:t>
+              <a:t>28/01/2021</a:t>
             </a:fld>
             <a:endParaRPr lang="en-GB"/>
           </a:p>
@@ -6315,90 +6314,6 @@
     </p:spTree>
     <p:extLst>
       <p:ext uri="{BB962C8B-B14F-4D97-AF65-F5344CB8AC3E}">
-        <p14:creationId xmlns:p14="http://schemas.microsoft.com/office/powerpoint/2010/main" val="2803073117"/>
-      </p:ext>
-    </p:extLst>
-  </p:cSld>
-  <p:clrMapOvr>
-    <a:masterClrMapping/>
-  </p:clrMapOvr>
-</p:notes>
-</file>
-
-<file path=ppt/notesSlides/notesSlide7.xml><?xml version="1.0" encoding="utf-8"?>
-<p:notes xmlns:a="http://schemas.openxmlformats.org/drawingml/2006/main" xmlns:r="http://schemas.openxmlformats.org/officeDocument/2006/relationships" xmlns:p="http://schemas.openxmlformats.org/presentationml/2006/main">
-  <p:cSld>
-    <p:spTree>
-      <p:nvGrpSpPr>
-        <p:cNvPr id="1" name=""/>
-        <p:cNvGrpSpPr/>
-        <p:nvPr/>
-      </p:nvGrpSpPr>
-      <p:grpSpPr>
-        <a:xfrm>
-          <a:off x="0" y="0"/>
-          <a:ext cx="0" cy="0"/>
-          <a:chOff x="0" y="0"/>
-          <a:chExt cx="0" cy="0"/>
-        </a:xfrm>
-      </p:grpSpPr>
-      <p:sp>
-        <p:nvSpPr>
-          <p:cNvPr id="2" name="Slide Image Placeholder 1"/>
-          <p:cNvSpPr>
-            <a:spLocks noGrp="1" noRot="1" noChangeAspect="1"/>
-          </p:cNvSpPr>
-          <p:nvPr>
-            <p:ph type="sldImg"/>
-          </p:nvPr>
-        </p:nvSpPr>
-        <p:spPr/>
-      </p:sp>
-      <p:sp>
-        <p:nvSpPr>
-          <p:cNvPr id="3" name="Notes Placeholder 2"/>
-          <p:cNvSpPr>
-            <a:spLocks noGrp="1"/>
-          </p:cNvSpPr>
-          <p:nvPr>
-            <p:ph type="body" idx="1"/>
-          </p:nvPr>
-        </p:nvSpPr>
-        <p:spPr/>
-        <p:txBody>
-          <a:bodyPr/>
-          <a:lstStyle/>
-          <a:p>
-            <a:endParaRPr lang="en-GB" dirty="0"/>
-          </a:p>
-        </p:txBody>
-      </p:sp>
-      <p:sp>
-        <p:nvSpPr>
-          <p:cNvPr id="4" name="Slide Number Placeholder 3"/>
-          <p:cNvSpPr>
-            <a:spLocks noGrp="1"/>
-          </p:cNvSpPr>
-          <p:nvPr>
-            <p:ph type="sldNum" sz="quarter" idx="5"/>
-          </p:nvPr>
-        </p:nvSpPr>
-        <p:spPr/>
-        <p:txBody>
-          <a:bodyPr/>
-          <a:lstStyle/>
-          <a:p>
-            <a:fld id="{42012BB9-F1C6-4F87-A02A-58E570AE5C98}" type="slidenum">
-              <a:rPr lang="en-GB" smtClean="0"/>
-              <a:t>7</a:t>
-            </a:fld>
-            <a:endParaRPr lang="en-GB"/>
-          </a:p>
-        </p:txBody>
-      </p:sp>
-    </p:spTree>
-    <p:extLst>
-      <p:ext uri="{BB962C8B-B14F-4D97-AF65-F5344CB8AC3E}">
         <p14:creationId xmlns:p14="http://schemas.microsoft.com/office/powerpoint/2010/main" val="1714856306"/>
       </p:ext>
     </p:extLst>
@@ -6548,7 +6463,7 @@
           <a:p>
             <a:fld id="{1D8BD707-D9CF-40AE-B4C6-C98DA3205C09}" type="datetimeFigureOut">
               <a:rPr lang="en-US"/>
-              <a:t>1/24/2021</a:t>
+              <a:t>1/28/2021</a:t>
             </a:fld>
             <a:endParaRPr lang="en-US"/>
           </a:p>
@@ -6723,7 +6638,7 @@
           <a:p>
             <a:fld id="{1D8BD707-D9CF-40AE-B4C6-C98DA3205C09}" type="datetimeFigureOut">
               <a:rPr lang="en-US"/>
-              <a:t>1/24/2021</a:t>
+              <a:t>1/28/2021</a:t>
             </a:fld>
             <a:endParaRPr lang="en-US"/>
           </a:p>
@@ -6937,7 +6852,7 @@
           <a:p>
             <a:fld id="{1D8BD707-D9CF-40AE-B4C6-C98DA3205C09}" type="datetimeFigureOut">
               <a:rPr lang="en-US"/>
-              <a:t>1/24/2021</a:t>
+              <a:t>1/28/2021</a:t>
             </a:fld>
             <a:endParaRPr lang="en-US"/>
           </a:p>
@@ -7085,7 +7000,7 @@
           <a:p>
             <a:fld id="{1D8BD707-D9CF-40AE-B4C6-C98DA3205C09}" type="datetimeFigureOut">
               <a:rPr lang="en-US"/>
-              <a:t>1/24/2021</a:t>
+              <a:t>1/28/2021</a:t>
             </a:fld>
             <a:endParaRPr lang="en-US"/>
           </a:p>
@@ -7204,7 +7119,7 @@
           <a:p>
             <a:fld id="{1D8BD707-D9CF-40AE-B4C6-C98DA3205C09}" type="datetimeFigureOut">
               <a:rPr lang="en-US"/>
-              <a:t>1/24/2021</a:t>
+              <a:t>1/28/2021</a:t>
             </a:fld>
             <a:endParaRPr lang="en-US"/>
           </a:p>
@@ -7427,7 +7342,7 @@
           <a:p>
             <a:fld id="{1D8BD707-D9CF-40AE-B4C6-C98DA3205C09}" type="datetimeFigureOut">
               <a:rPr lang="en-US"/>
-              <a:t>1/24/2021</a:t>
+              <a:t>1/28/2021</a:t>
             </a:fld>
             <a:endParaRPr lang="en-US"/>
           </a:p>
@@ -10929,8 +10844,8 @@
         </p:nvSpPr>
         <p:spPr>
           <a:xfrm>
-            <a:off x="8438808" y="3784474"/>
-            <a:ext cx="9163713" cy="2718052"/>
+            <a:off x="8467640" y="2892485"/>
+            <a:ext cx="9163713" cy="2287165"/>
           </a:xfrm>
           <a:prstGeom prst="rect">
             <a:avLst/>
@@ -10941,6 +10856,33 @@
             <a:spAutoFit/>
           </a:bodyPr>
           <a:lstStyle/>
+          <a:p>
+            <a:pPr marL="12700" marR="5080">
+              <a:spcBef>
+                <a:spcPts val="235"/>
+              </a:spcBef>
+            </a:pPr>
+            <a:r>
+              <a:rPr lang="en-US" sz="2800" kern="0" dirty="0">
+                <a:latin typeface="Raleway" panose="020B0503030101060003" pitchFamily="34" charset="0"/>
+                <a:ea typeface="Roboto" panose="02000000000000000000" pitchFamily="2" charset="0"/>
+                <a:cs typeface="Roboto" panose="02000000000000000000" pitchFamily="2" charset="0"/>
+              </a:rPr>
+              <a:t>Workflow </a:t>
+            </a:r>
+          </a:p>
+          <a:p>
+            <a:pPr marL="12700" marR="5080">
+              <a:spcBef>
+                <a:spcPts val="235"/>
+              </a:spcBef>
+            </a:pPr>
+            <a:endParaRPr lang="en-US" sz="2800" kern="0" dirty="0">
+              <a:latin typeface="Raleway" panose="020B0503030101060003" pitchFamily="34" charset="0"/>
+              <a:ea typeface="Roboto" panose="02000000000000000000" pitchFamily="2" charset="0"/>
+              <a:cs typeface="Roboto" panose="02000000000000000000" pitchFamily="2" charset="0"/>
+            </a:endParaRPr>
+          </a:p>
           <a:p>
             <a:pPr marL="469900" marR="5080" indent="-457200">
               <a:spcBef>
@@ -10987,36 +10929,7 @@
                 <a:ea typeface="Roboto" panose="02000000000000000000" pitchFamily="2" charset="0"/>
                 <a:cs typeface="Roboto" panose="02000000000000000000" pitchFamily="2" charset="0"/>
               </a:rPr>
-              <a:t>Design Principles</a:t>
-            </a:r>
-          </a:p>
-          <a:p>
-            <a:pPr marL="12700" marR="5080">
-              <a:spcBef>
-                <a:spcPts val="235"/>
-              </a:spcBef>
-            </a:pPr>
-            <a:endParaRPr lang="en-US" sz="2800" kern="0" dirty="0">
-              <a:latin typeface="Raleway" panose="020B0503030101060003" pitchFamily="34" charset="0"/>
-              <a:ea typeface="Roboto" panose="02000000000000000000" pitchFamily="2" charset="0"/>
-              <a:cs typeface="Roboto" panose="02000000000000000000" pitchFamily="2" charset="0"/>
-            </a:endParaRPr>
-          </a:p>
-          <a:p>
-            <a:pPr marL="469900" marR="5080" indent="-457200">
-              <a:spcBef>
-                <a:spcPts val="235"/>
-              </a:spcBef>
-              <a:buFontTx/>
-              <a:buChar char="-"/>
-            </a:pPr>
-            <a:r>
-              <a:rPr lang="en-US" sz="2800" kern="0" dirty="0">
-                <a:latin typeface="Raleway" panose="020B0503030101060003" pitchFamily="34" charset="0"/>
-                <a:ea typeface="Roboto" panose="02000000000000000000" pitchFamily="2" charset="0"/>
-                <a:cs typeface="Roboto" panose="02000000000000000000" pitchFamily="2" charset="0"/>
-              </a:rPr>
-              <a:t>Outsourcing Strategies &amp; Business Scaling &amp; Optimization Metrics </a:t>
+              <a:t>Dissertation from the start </a:t>
             </a:r>
           </a:p>
         </p:txBody>
@@ -11119,7 +11032,7 @@
         <p:spPr>
           <a:xfrm>
             <a:off x="685479" y="2133998"/>
-            <a:ext cx="7846565" cy="7519366"/>
+            <a:ext cx="7846565" cy="1889620"/>
           </a:xfrm>
           <a:prstGeom prst="rect">
             <a:avLst/>
@@ -11138,7 +11051,18 @@
             </a:pPr>
             <a:r>
               <a:rPr lang="en-US" sz="4000" b="0" kern="0" dirty="0"/>
-              <a:t>2. Evaluate and Refine Current Digital Prototype</a:t>
+              <a:t>2. Evaluate and Refine Current </a:t>
+            </a:r>
+          </a:p>
+          <a:p>
+            <a:pPr marL="12700">
+              <a:spcBef>
+                <a:spcPts val="100"/>
+              </a:spcBef>
+            </a:pPr>
+            <a:r>
+              <a:rPr lang="en-US" sz="4000" b="0" kern="0" dirty="0"/>
+              <a:t>Digital Prototype</a:t>
             </a:r>
           </a:p>
           <a:p>
@@ -11148,113 +11072,6 @@
               </a:spcBef>
             </a:pPr>
             <a:endParaRPr lang="en-US" sz="4000" kern="0" dirty="0"/>
-          </a:p>
-          <a:p>
-            <a:pPr marL="584200" indent="-571500">
-              <a:spcBef>
-                <a:spcPts val="100"/>
-              </a:spcBef>
-              <a:buFontTx/>
-              <a:buChar char="-"/>
-            </a:pPr>
-            <a:r>
-              <a:rPr lang="en-US" sz="4000" b="0" kern="0" dirty="0"/>
-              <a:t>Restaurant Owner</a:t>
-            </a:r>
-          </a:p>
-          <a:p>
-            <a:pPr marL="584200" indent="-571500">
-              <a:spcBef>
-                <a:spcPts val="100"/>
-              </a:spcBef>
-              <a:buFontTx/>
-              <a:buChar char="-"/>
-            </a:pPr>
-            <a:r>
-              <a:rPr lang="en-US" sz="4000" b="0" kern="0" dirty="0"/>
-              <a:t>Company Staff</a:t>
-            </a:r>
-          </a:p>
-          <a:p>
-            <a:pPr marL="584200" indent="-571500">
-              <a:spcBef>
-                <a:spcPts val="100"/>
-              </a:spcBef>
-              <a:buFontTx/>
-              <a:buChar char="-"/>
-            </a:pPr>
-            <a:r>
-              <a:rPr lang="en-US" sz="4000" kern="0" dirty="0"/>
-              <a:t>Company CEO</a:t>
-            </a:r>
-          </a:p>
-          <a:p>
-            <a:pPr marL="584200" indent="-571500">
-              <a:spcBef>
-                <a:spcPts val="100"/>
-              </a:spcBef>
-              <a:buFontTx/>
-              <a:buChar char="-"/>
-            </a:pPr>
-            <a:r>
-              <a:rPr lang="en-US" sz="4000" b="0" kern="0" dirty="0"/>
-              <a:t>Password staff login see </a:t>
-            </a:r>
-            <a:r>
-              <a:rPr lang="en-US" sz="4000" kern="0" dirty="0"/>
-              <a:t>owner site</a:t>
-            </a:r>
-          </a:p>
-          <a:p>
-            <a:pPr marL="584200" indent="-571500">
-              <a:spcBef>
-                <a:spcPts val="100"/>
-              </a:spcBef>
-              <a:buFontTx/>
-              <a:buChar char="-"/>
-            </a:pPr>
-            <a:r>
-              <a:rPr lang="en-US" sz="4000" b="0" kern="0" dirty="0"/>
-              <a:t>Remove </a:t>
-            </a:r>
-            <a:r>
-              <a:rPr lang="en-US" sz="4000" b="0" kern="0" dirty="0" err="1"/>
-              <a:t>qr</a:t>
-            </a:r>
-            <a:r>
-              <a:rPr lang="en-US" sz="4000" b="0" kern="0" dirty="0"/>
-              <a:t> code</a:t>
-            </a:r>
-          </a:p>
-          <a:p>
-            <a:pPr marL="584200" indent="-571500">
-              <a:spcBef>
-                <a:spcPts val="100"/>
-              </a:spcBef>
-              <a:buFontTx/>
-              <a:buChar char="-"/>
-            </a:pPr>
-            <a:r>
-              <a:rPr lang="en-US" sz="4000" b="0" kern="0" dirty="0"/>
-              <a:t>Don’t store bank details – law</a:t>
-            </a:r>
-          </a:p>
-          <a:p>
-            <a:pPr marL="584200" indent="-571500">
-              <a:spcBef>
-                <a:spcPts val="100"/>
-              </a:spcBef>
-              <a:buFontTx/>
-              <a:buChar char="-"/>
-            </a:pPr>
-            <a:r>
-              <a:rPr lang="en-US" sz="4000" kern="0" dirty="0"/>
-              <a:t>Don’t think about this, think about this after the project – not important</a:t>
-            </a:r>
-            <a:r>
-              <a:rPr lang="en-US" sz="4000" b="0" kern="0" dirty="0"/>
-              <a:t> </a:t>
-            </a:r>
           </a:p>
         </p:txBody>
       </p:sp>
@@ -12149,952 +11966,6 @@
 </file>
 
 <file path=ppt/slides/slide6.xml><?xml version="1.0" encoding="utf-8"?>
-<p:sld xmlns:a="http://schemas.openxmlformats.org/drawingml/2006/main" xmlns:r="http://schemas.openxmlformats.org/officeDocument/2006/relationships" xmlns:p="http://schemas.openxmlformats.org/presentationml/2006/main">
-  <p:cSld>
-    <p:spTree>
-      <p:nvGrpSpPr>
-        <p:cNvPr id="1" name=""/>
-        <p:cNvGrpSpPr/>
-        <p:nvPr/>
-      </p:nvGrpSpPr>
-      <p:grpSpPr>
-        <a:xfrm>
-          <a:off x="0" y="0"/>
-          <a:ext cx="0" cy="0"/>
-          <a:chOff x="0" y="0"/>
-          <a:chExt cx="0" cy="0"/>
-        </a:xfrm>
-      </p:grpSpPr>
-      <p:grpSp>
-        <p:nvGrpSpPr>
-          <p:cNvPr id="2" name="object 2"/>
-          <p:cNvGrpSpPr/>
-          <p:nvPr/>
-        </p:nvGrpSpPr>
-        <p:grpSpPr>
-          <a:xfrm>
-            <a:off x="228600" y="-190500"/>
-            <a:ext cx="7314343" cy="10287000"/>
-            <a:chOff x="0" y="0"/>
-            <a:chExt cx="8759190" cy="10287000"/>
-          </a:xfrm>
-        </p:grpSpPr>
-        <p:pic>
-          <p:nvPicPr>
-            <p:cNvPr id="3" name="object 3"/>
-            <p:cNvPicPr/>
-            <p:nvPr/>
-          </p:nvPicPr>
-          <p:blipFill>
-            <a:blip r:embed="rId3" cstate="print"/>
-            <a:stretch>
-              <a:fillRect/>
-            </a:stretch>
-          </p:blipFill>
-          <p:spPr>
-            <a:xfrm>
-              <a:off x="0" y="0"/>
-              <a:ext cx="7490455" cy="8250979"/>
-            </a:xfrm>
-            <a:prstGeom prst="rect">
-              <a:avLst/>
-            </a:prstGeom>
-          </p:spPr>
-        </p:pic>
-        <p:pic>
-          <p:nvPicPr>
-            <p:cNvPr id="4" name="object 4"/>
-            <p:cNvPicPr/>
-            <p:nvPr/>
-          </p:nvPicPr>
-          <p:blipFill>
-            <a:blip r:embed="rId4" cstate="print"/>
-            <a:stretch>
-              <a:fillRect/>
-            </a:stretch>
-          </p:blipFill>
-          <p:spPr>
-            <a:xfrm>
-              <a:off x="0" y="1670110"/>
-              <a:ext cx="8758806" cy="8616889"/>
-            </a:xfrm>
-            <a:prstGeom prst="rect">
-              <a:avLst/>
-            </a:prstGeom>
-          </p:spPr>
-        </p:pic>
-      </p:grpSp>
-      <p:sp>
-        <p:nvSpPr>
-          <p:cNvPr id="5" name="object 5"/>
-          <p:cNvSpPr txBox="1"/>
-          <p:nvPr/>
-        </p:nvSpPr>
-        <p:spPr>
-          <a:xfrm>
-            <a:off x="685479" y="2914109"/>
-            <a:ext cx="6857143" cy="1274067"/>
-          </a:xfrm>
-          <a:prstGeom prst="rect">
-            <a:avLst/>
-          </a:prstGeom>
-        </p:spPr>
-        <p:txBody>
-          <a:bodyPr vert="horz" wrap="square" lIns="0" tIns="29845" rIns="0" bIns="0" rtlCol="0">
-            <a:spAutoFit/>
-          </a:bodyPr>
-          <a:lstStyle/>
-          <a:p>
-            <a:pPr marL="12700">
-              <a:spcBef>
-                <a:spcPts val="100"/>
-              </a:spcBef>
-            </a:pPr>
-            <a:r>
-              <a:rPr lang="en-US" sz="4000" kern="0" dirty="0"/>
-              <a:t>3. </a:t>
-            </a:r>
-            <a:r>
-              <a:rPr lang="en-US" sz="4000" kern="0" dirty="0">
-                <a:latin typeface="Raleway" panose="020B0503030101060003" pitchFamily="34" charset="0"/>
-                <a:ea typeface="Roboto" panose="02000000000000000000" pitchFamily="2" charset="0"/>
-                <a:cs typeface="Roboto" panose="02000000000000000000" pitchFamily="2" charset="0"/>
-              </a:rPr>
-              <a:t>Refine dissertation </a:t>
-            </a:r>
-          </a:p>
-          <a:p>
-            <a:pPr marL="12700">
-              <a:spcBef>
-                <a:spcPts val="100"/>
-              </a:spcBef>
-            </a:pPr>
-            <a:endParaRPr lang="en-US" sz="4000" b="0" kern="0" dirty="0"/>
-          </a:p>
-        </p:txBody>
-      </p:sp>
-      <p:grpSp>
-        <p:nvGrpSpPr>
-          <p:cNvPr id="8" name="object 8"/>
-          <p:cNvGrpSpPr/>
-          <p:nvPr/>
-        </p:nvGrpSpPr>
-        <p:grpSpPr>
-          <a:xfrm>
-            <a:off x="0" y="-419100"/>
-            <a:ext cx="7065924" cy="10314669"/>
-            <a:chOff x="0" y="0"/>
-            <a:chExt cx="7413808" cy="10314669"/>
-          </a:xfrm>
-        </p:grpSpPr>
-        <p:pic>
-          <p:nvPicPr>
-            <p:cNvPr id="9" name="object 9"/>
-            <p:cNvPicPr/>
-            <p:nvPr/>
-          </p:nvPicPr>
-          <p:blipFill>
-            <a:blip r:embed="rId5" cstate="print"/>
-            <a:stretch>
-              <a:fillRect/>
-            </a:stretch>
-          </p:blipFill>
-          <p:spPr>
-            <a:xfrm>
-              <a:off x="0" y="0"/>
-              <a:ext cx="2975600" cy="3863365"/>
-            </a:xfrm>
-            <a:prstGeom prst="rect">
-              <a:avLst/>
-            </a:prstGeom>
-          </p:spPr>
-        </p:pic>
-        <p:sp>
-          <p:nvSpPr>
-            <p:cNvPr id="10" name="object 10"/>
-            <p:cNvSpPr/>
-            <p:nvPr/>
-          </p:nvSpPr>
-          <p:spPr>
-            <a:xfrm>
-              <a:off x="5289733" y="9906364"/>
-              <a:ext cx="2124075" cy="408305"/>
-            </a:xfrm>
-            <a:custGeom>
-              <a:avLst/>
-              <a:gdLst/>
-              <a:ahLst/>
-              <a:cxnLst/>
-              <a:rect l="l" t="t" r="r" b="b"/>
-              <a:pathLst>
-                <a:path w="2124075" h="408304">
-                  <a:moveTo>
-                    <a:pt x="692905" y="407848"/>
-                  </a:moveTo>
-                  <a:lnTo>
-                    <a:pt x="576622" y="407848"/>
-                  </a:lnTo>
-                  <a:lnTo>
-                    <a:pt x="589898" y="384507"/>
-                  </a:lnTo>
-                  <a:lnTo>
-                    <a:pt x="615531" y="339895"/>
-                  </a:lnTo>
-                  <a:lnTo>
-                    <a:pt x="641286" y="295407"/>
-                  </a:lnTo>
-                  <a:lnTo>
-                    <a:pt x="680927" y="227336"/>
-                  </a:lnTo>
-                  <a:lnTo>
-                    <a:pt x="707424" y="188522"/>
-                  </a:lnTo>
-                  <a:lnTo>
-                    <a:pt x="765103" y="139707"/>
-                  </a:lnTo>
-                  <a:lnTo>
-                    <a:pt x="804934" y="125738"/>
-                  </a:lnTo>
-                  <a:lnTo>
-                    <a:pt x="843771" y="130150"/>
-                  </a:lnTo>
-                  <a:lnTo>
-                    <a:pt x="881827" y="152376"/>
-                  </a:lnTo>
-                  <a:lnTo>
-                    <a:pt x="919315" y="191849"/>
-                  </a:lnTo>
-                  <a:lnTo>
-                    <a:pt x="938960" y="224009"/>
-                  </a:lnTo>
-                  <a:lnTo>
-                    <a:pt x="940412" y="227336"/>
-                  </a:lnTo>
-                  <a:lnTo>
-                    <a:pt x="854231" y="227336"/>
-                  </a:lnTo>
-                  <a:lnTo>
-                    <a:pt x="817784" y="245957"/>
-                  </a:lnTo>
-                  <a:lnTo>
-                    <a:pt x="765412" y="297616"/>
-                  </a:lnTo>
-                  <a:lnTo>
-                    <a:pt x="726214" y="355397"/>
-                  </a:lnTo>
-                  <a:lnTo>
-                    <a:pt x="708348" y="382775"/>
-                  </a:lnTo>
-                  <a:lnTo>
-                    <a:pt x="692905" y="407848"/>
-                  </a:lnTo>
-                  <a:close/>
-                </a:path>
-                <a:path w="2124075" h="408304">
-                  <a:moveTo>
-                    <a:pt x="996758" y="407848"/>
-                  </a:moveTo>
-                  <a:lnTo>
-                    <a:pt x="900108" y="407848"/>
-                  </a:lnTo>
-                  <a:lnTo>
-                    <a:pt x="891672" y="374475"/>
-                  </a:lnTo>
-                  <a:lnTo>
-                    <a:pt x="879377" y="326403"/>
-                  </a:lnTo>
-                  <a:lnTo>
-                    <a:pt x="873576" y="301982"/>
-                  </a:lnTo>
-                  <a:lnTo>
-                    <a:pt x="867358" y="277424"/>
-                  </a:lnTo>
-                  <a:lnTo>
-                    <a:pt x="860864" y="252588"/>
-                  </a:lnTo>
-                  <a:lnTo>
-                    <a:pt x="854231" y="227336"/>
-                  </a:lnTo>
-                  <a:lnTo>
-                    <a:pt x="940412" y="227336"/>
-                  </a:lnTo>
-                  <a:lnTo>
-                    <a:pt x="954445" y="259496"/>
-                  </a:lnTo>
-                  <a:lnTo>
-                    <a:pt x="967157" y="296646"/>
-                  </a:lnTo>
-                  <a:lnTo>
-                    <a:pt x="978481" y="333796"/>
-                  </a:lnTo>
-                  <a:lnTo>
-                    <a:pt x="990338" y="378385"/>
-                  </a:lnTo>
-                  <a:lnTo>
-                    <a:pt x="996758" y="407848"/>
-                  </a:lnTo>
-                  <a:close/>
-                </a:path>
-                <a:path w="2124075" h="408304">
-                  <a:moveTo>
-                    <a:pt x="115737" y="407848"/>
-                  </a:moveTo>
-                  <a:lnTo>
-                    <a:pt x="0" y="407848"/>
-                  </a:lnTo>
-                  <a:lnTo>
-                    <a:pt x="15167" y="371238"/>
-                  </a:lnTo>
-                  <a:lnTo>
-                    <a:pt x="37730" y="324924"/>
-                  </a:lnTo>
-                  <a:lnTo>
-                    <a:pt x="60462" y="283393"/>
-                  </a:lnTo>
-                  <a:lnTo>
-                    <a:pt x="85040" y="242855"/>
-                  </a:lnTo>
-                  <a:lnTo>
-                    <a:pt x="112600" y="204305"/>
-                  </a:lnTo>
-                  <a:lnTo>
-                    <a:pt x="144278" y="168736"/>
-                  </a:lnTo>
-                  <a:lnTo>
-                    <a:pt x="181210" y="137141"/>
-                  </a:lnTo>
-                  <a:lnTo>
-                    <a:pt x="221517" y="121061"/>
-                  </a:lnTo>
-                  <a:lnTo>
-                    <a:pt x="242364" y="121962"/>
-                  </a:lnTo>
-                  <a:lnTo>
-                    <a:pt x="264043" y="128269"/>
-                  </a:lnTo>
-                  <a:lnTo>
-                    <a:pt x="308696" y="153174"/>
-                  </a:lnTo>
-                  <a:lnTo>
-                    <a:pt x="343918" y="186674"/>
-                  </a:lnTo>
-                  <a:lnTo>
-                    <a:pt x="363634" y="215507"/>
-                  </a:lnTo>
-                  <a:lnTo>
-                    <a:pt x="269960" y="215507"/>
-                  </a:lnTo>
-                  <a:lnTo>
-                    <a:pt x="230508" y="249192"/>
-                  </a:lnTo>
-                  <a:lnTo>
-                    <a:pt x="196186" y="284262"/>
-                  </a:lnTo>
-                  <a:lnTo>
-                    <a:pt x="166580" y="321551"/>
-                  </a:lnTo>
-                  <a:lnTo>
-                    <a:pt x="141272" y="361889"/>
-                  </a:lnTo>
-                  <a:lnTo>
-                    <a:pt x="115737" y="407848"/>
-                  </a:lnTo>
-                  <a:close/>
-                </a:path>
-                <a:path w="2124075" h="408304">
-                  <a:moveTo>
-                    <a:pt x="432814" y="407848"/>
-                  </a:moveTo>
-                  <a:lnTo>
-                    <a:pt x="333919" y="407848"/>
-                  </a:lnTo>
-                  <a:lnTo>
-                    <a:pt x="324065" y="368913"/>
-                  </a:lnTo>
-                  <a:lnTo>
-                    <a:pt x="309897" y="314574"/>
-                  </a:lnTo>
-                  <a:lnTo>
-                    <a:pt x="301993" y="290570"/>
-                  </a:lnTo>
-                  <a:lnTo>
-                    <a:pt x="292147" y="266704"/>
-                  </a:lnTo>
-                  <a:lnTo>
-                    <a:pt x="281192" y="242006"/>
-                  </a:lnTo>
-                  <a:lnTo>
-                    <a:pt x="269960" y="215507"/>
-                  </a:lnTo>
-                  <a:lnTo>
-                    <a:pt x="363634" y="215507"/>
-                  </a:lnTo>
-                  <a:lnTo>
-                    <a:pt x="371375" y="226828"/>
-                  </a:lnTo>
-                  <a:lnTo>
-                    <a:pt x="392731" y="271694"/>
-                  </a:lnTo>
-                  <a:lnTo>
-                    <a:pt x="406552" y="310138"/>
-                  </a:lnTo>
-                  <a:lnTo>
-                    <a:pt x="417877" y="349691"/>
-                  </a:lnTo>
-                  <a:lnTo>
-                    <a:pt x="428092" y="389798"/>
-                  </a:lnTo>
-                  <a:lnTo>
-                    <a:pt x="432814" y="407848"/>
-                  </a:lnTo>
-                  <a:close/>
-                </a:path>
-                <a:path w="2124075" h="408304">
-                  <a:moveTo>
-                    <a:pt x="1217971" y="407848"/>
-                  </a:moveTo>
-                  <a:lnTo>
-                    <a:pt x="1093662" y="407848"/>
-                  </a:lnTo>
-                  <a:lnTo>
-                    <a:pt x="1118124" y="365932"/>
-                  </a:lnTo>
-                  <a:lnTo>
-                    <a:pt x="1147107" y="316607"/>
-                  </a:lnTo>
-                  <a:lnTo>
-                    <a:pt x="1177199" y="268113"/>
-                  </a:lnTo>
-                  <a:lnTo>
-                    <a:pt x="1209232" y="221421"/>
-                  </a:lnTo>
-                  <a:lnTo>
-                    <a:pt x="1259708" y="165234"/>
-                  </a:lnTo>
-                  <a:lnTo>
-                    <a:pt x="1287651" y="139081"/>
-                  </a:lnTo>
-                  <a:lnTo>
-                    <a:pt x="1342565" y="97565"/>
-                  </a:lnTo>
-                  <a:lnTo>
-                    <a:pt x="1369537" y="93706"/>
-                  </a:lnTo>
-                  <a:lnTo>
-                    <a:pt x="1396231" y="101215"/>
-                  </a:lnTo>
-                  <a:lnTo>
-                    <a:pt x="1422232" y="119397"/>
-                  </a:lnTo>
-                  <a:lnTo>
-                    <a:pt x="1448973" y="147445"/>
-                  </a:lnTo>
-                  <a:lnTo>
-                    <a:pt x="1470860" y="178542"/>
-                  </a:lnTo>
-                  <a:lnTo>
-                    <a:pt x="1479829" y="197764"/>
-                  </a:lnTo>
-                  <a:lnTo>
-                    <a:pt x="1385252" y="197764"/>
-                  </a:lnTo>
-                  <a:lnTo>
-                    <a:pt x="1360453" y="221768"/>
-                  </a:lnTo>
-                  <a:lnTo>
-                    <a:pt x="1311410" y="270331"/>
-                  </a:lnTo>
-                  <a:lnTo>
-                    <a:pt x="1261126" y="337246"/>
-                  </a:lnTo>
-                  <a:lnTo>
-                    <a:pt x="1234870" y="378647"/>
-                  </a:lnTo>
-                  <a:lnTo>
-                    <a:pt x="1217971" y="407848"/>
-                  </a:lnTo>
-                  <a:close/>
-                </a:path>
-                <a:path w="2124075" h="408304">
-                  <a:moveTo>
-                    <a:pt x="1518842" y="407848"/>
-                  </a:moveTo>
-                  <a:lnTo>
-                    <a:pt x="1424115" y="407848"/>
-                  </a:lnTo>
-                  <a:lnTo>
-                    <a:pt x="1422833" y="396128"/>
-                  </a:lnTo>
-                  <a:lnTo>
-                    <a:pt x="1412756" y="299557"/>
-                  </a:lnTo>
-                  <a:lnTo>
-                    <a:pt x="1407440" y="250994"/>
-                  </a:lnTo>
-                  <a:lnTo>
-                    <a:pt x="1397086" y="203678"/>
-                  </a:lnTo>
-                  <a:lnTo>
-                    <a:pt x="1392648" y="202199"/>
-                  </a:lnTo>
-                  <a:lnTo>
-                    <a:pt x="1389690" y="199242"/>
-                  </a:lnTo>
-                  <a:lnTo>
-                    <a:pt x="1385252" y="197764"/>
-                  </a:lnTo>
-                  <a:lnTo>
-                    <a:pt x="1479829" y="197764"/>
-                  </a:lnTo>
-                  <a:lnTo>
-                    <a:pt x="1486923" y="212966"/>
-                  </a:lnTo>
-                  <a:lnTo>
-                    <a:pt x="1496190" y="250994"/>
-                  </a:lnTo>
-                  <a:lnTo>
-                    <a:pt x="1503302" y="300829"/>
-                  </a:lnTo>
-                  <a:lnTo>
-                    <a:pt x="1510485" y="350877"/>
-                  </a:lnTo>
-                  <a:lnTo>
-                    <a:pt x="1517810" y="400996"/>
-                  </a:lnTo>
-                  <a:lnTo>
-                    <a:pt x="1518842" y="407848"/>
-                  </a:lnTo>
-                  <a:close/>
-                </a:path>
-                <a:path w="2124075" h="408304">
-                  <a:moveTo>
-                    <a:pt x="1728593" y="407848"/>
-                  </a:moveTo>
-                  <a:lnTo>
-                    <a:pt x="1614219" y="407848"/>
-                  </a:lnTo>
-                  <a:lnTo>
-                    <a:pt x="1636945" y="369282"/>
-                  </a:lnTo>
-                  <a:lnTo>
-                    <a:pt x="1661208" y="328047"/>
-                  </a:lnTo>
-                  <a:lnTo>
-                    <a:pt x="1685550" y="286980"/>
-                  </a:lnTo>
-                  <a:lnTo>
-                    <a:pt x="1710221" y="246027"/>
-                  </a:lnTo>
-                  <a:lnTo>
-                    <a:pt x="1735307" y="205411"/>
-                  </a:lnTo>
-                  <a:lnTo>
-                    <a:pt x="1760962" y="165234"/>
-                  </a:lnTo>
-                  <a:lnTo>
-                    <a:pt x="1786817" y="128529"/>
-                  </a:lnTo>
-                  <a:lnTo>
-                    <a:pt x="1815158" y="93740"/>
-                  </a:lnTo>
-                  <a:lnTo>
-                    <a:pt x="1846694" y="62075"/>
-                  </a:lnTo>
-                  <a:lnTo>
-                    <a:pt x="1882135" y="34738"/>
-                  </a:lnTo>
-                  <a:lnTo>
-                    <a:pt x="1922191" y="12937"/>
-                  </a:lnTo>
-                  <a:lnTo>
-                    <a:pt x="1968068" y="0"/>
-                  </a:lnTo>
-                  <a:lnTo>
-                    <a:pt x="2006319" y="3696"/>
-                  </a:lnTo>
-                  <a:lnTo>
-                    <a:pt x="2037635" y="24581"/>
-                  </a:lnTo>
-                  <a:lnTo>
-                    <a:pt x="2062712" y="63210"/>
-                  </a:lnTo>
-                  <a:lnTo>
-                    <a:pt x="2082010" y="114476"/>
-                  </a:lnTo>
-                  <a:lnTo>
-                    <a:pt x="1982166" y="114476"/>
-                  </a:lnTo>
-                  <a:lnTo>
-                    <a:pt x="1953253" y="126790"/>
-                  </a:lnTo>
-                  <a:lnTo>
-                    <a:pt x="1936474" y="137972"/>
-                  </a:lnTo>
-                  <a:lnTo>
-                    <a:pt x="1921081" y="150818"/>
-                  </a:lnTo>
-                  <a:lnTo>
-                    <a:pt x="1906243" y="164218"/>
-                  </a:lnTo>
-                  <a:lnTo>
-                    <a:pt x="1891128" y="177063"/>
-                  </a:lnTo>
-                  <a:lnTo>
-                    <a:pt x="1856812" y="209663"/>
-                  </a:lnTo>
-                  <a:lnTo>
-                    <a:pt x="1829595" y="247303"/>
-                  </a:lnTo>
-                  <a:lnTo>
-                    <a:pt x="1782261" y="328047"/>
-                  </a:lnTo>
-                  <a:lnTo>
-                    <a:pt x="1755045" y="366325"/>
-                  </a:lnTo>
-                  <a:lnTo>
-                    <a:pt x="1731124" y="402459"/>
-                  </a:lnTo>
-                  <a:lnTo>
-                    <a:pt x="1728593" y="407848"/>
-                  </a:lnTo>
-                  <a:close/>
-                </a:path>
-                <a:path w="2124075" h="408304">
-                  <a:moveTo>
-                    <a:pt x="2123898" y="407848"/>
-                  </a:moveTo>
-                  <a:lnTo>
-                    <a:pt x="2042951" y="407848"/>
-                  </a:lnTo>
-                  <a:lnTo>
-                    <a:pt x="2037751" y="369282"/>
-                  </a:lnTo>
-                  <a:lnTo>
-                    <a:pt x="2032686" y="320644"/>
-                  </a:lnTo>
-                  <a:lnTo>
-                    <a:pt x="2028437" y="271833"/>
-                  </a:lnTo>
-                  <a:lnTo>
-                    <a:pt x="2024360" y="222952"/>
-                  </a:lnTo>
-                  <a:lnTo>
-                    <a:pt x="2019816" y="174106"/>
-                  </a:lnTo>
-                  <a:lnTo>
-                    <a:pt x="2019816" y="163756"/>
-                  </a:lnTo>
-                  <a:lnTo>
-                    <a:pt x="2013368" y="131989"/>
-                  </a:lnTo>
-                  <a:lnTo>
-                    <a:pt x="2001511" y="115886"/>
-                  </a:lnTo>
-                  <a:lnTo>
-                    <a:pt x="1982166" y="114476"/>
-                  </a:lnTo>
-                  <a:lnTo>
-                    <a:pt x="2082010" y="114476"/>
-                  </a:lnTo>
-                  <a:lnTo>
-                    <a:pt x="2096733" y="168376"/>
-                  </a:lnTo>
-                  <a:lnTo>
-                    <a:pt x="2106810" y="223108"/>
-                  </a:lnTo>
-                  <a:lnTo>
-                    <a:pt x="2113004" y="279087"/>
-                  </a:lnTo>
-                  <a:lnTo>
-                    <a:pt x="2116799" y="328502"/>
-                  </a:lnTo>
-                  <a:lnTo>
-                    <a:pt x="2120904" y="377839"/>
-                  </a:lnTo>
-                  <a:lnTo>
-                    <a:pt x="2123898" y="407848"/>
-                  </a:lnTo>
-                  <a:close/>
-                </a:path>
-              </a:pathLst>
-            </a:custGeom>
-            <a:solidFill>
-              <a:srgbClr val="040707"/>
-            </a:solidFill>
-          </p:spPr>
-          <p:txBody>
-            <a:bodyPr wrap="square" lIns="0" tIns="0" rIns="0" bIns="0" rtlCol="0"/>
-            <a:lstStyle/>
-            <a:p>
-              <a:endParaRPr dirty="0"/>
-            </a:p>
-          </p:txBody>
-        </p:sp>
-      </p:grpSp>
-      <p:sp>
-        <p:nvSpPr>
-          <p:cNvPr id="12" name="object 5">
-            <a:extLst>
-              <a:ext uri="{FF2B5EF4-FFF2-40B4-BE49-F238E27FC236}">
-                <a16:creationId xmlns:a16="http://schemas.microsoft.com/office/drawing/2014/main" id="{11F2B6B6-0466-4FF3-9677-694F0F61AE7C}"/>
-              </a:ext>
-            </a:extLst>
-          </p:cNvPr>
-          <p:cNvSpPr txBox="1"/>
-          <p:nvPr/>
-        </p:nvSpPr>
-        <p:spPr>
-          <a:xfrm>
-            <a:off x="11506200" y="4686300"/>
-            <a:ext cx="9448800" cy="979114"/>
-          </a:xfrm>
-          <a:prstGeom prst="rect">
-            <a:avLst/>
-          </a:prstGeom>
-        </p:spPr>
-        <p:txBody>
-          <a:bodyPr vert="horz" wrap="square" lIns="0" tIns="29845" rIns="0" bIns="0" rtlCol="0">
-            <a:spAutoFit/>
-          </a:bodyPr>
-          <a:lstStyle/>
-          <a:p>
-            <a:pPr marL="12700" marR="5080">
-              <a:spcBef>
-                <a:spcPts val="235"/>
-              </a:spcBef>
-            </a:pPr>
-            <a:endParaRPr lang="en-US" sz="3000" kern="0" dirty="0">
-              <a:latin typeface="Raleway" panose="020B0503030101060003" pitchFamily="34" charset="0"/>
-              <a:ea typeface="Roboto" panose="02000000000000000000" pitchFamily="2" charset="0"/>
-              <a:cs typeface="Roboto" panose="02000000000000000000" pitchFamily="2" charset="0"/>
-            </a:endParaRPr>
-          </a:p>
-          <a:p>
-            <a:pPr marL="12700" marR="5080">
-              <a:spcBef>
-                <a:spcPts val="235"/>
-              </a:spcBef>
-            </a:pPr>
-            <a:endParaRPr lang="en-US" sz="3000" kern="0" dirty="0">
-              <a:latin typeface="Raleway" panose="020B0503030101060003" pitchFamily="34" charset="0"/>
-              <a:ea typeface="Roboto" panose="02000000000000000000" pitchFamily="2" charset="0"/>
-              <a:cs typeface="Roboto" panose="02000000000000000000" pitchFamily="2" charset="0"/>
-            </a:endParaRPr>
-          </a:p>
-        </p:txBody>
-      </p:sp>
-      <p:sp>
-        <p:nvSpPr>
-          <p:cNvPr id="11" name="object 5">
-            <a:extLst>
-              <a:ext uri="{FF2B5EF4-FFF2-40B4-BE49-F238E27FC236}">
-                <a16:creationId xmlns:a16="http://schemas.microsoft.com/office/drawing/2014/main" id="{F7645084-9C48-4A62-8E6A-A331ADE60D77}"/>
-              </a:ext>
-            </a:extLst>
-          </p:cNvPr>
-          <p:cNvSpPr txBox="1"/>
-          <p:nvPr/>
-        </p:nvSpPr>
-        <p:spPr>
-          <a:xfrm>
-            <a:off x="7849778" y="2414868"/>
-            <a:ext cx="10209622" cy="5457263"/>
-          </a:xfrm>
-          <a:prstGeom prst="rect">
-            <a:avLst/>
-          </a:prstGeom>
-        </p:spPr>
-        <p:txBody>
-          <a:bodyPr vert="horz" wrap="square" lIns="0" tIns="29845" rIns="0" bIns="0" rtlCol="0">
-            <a:spAutoFit/>
-          </a:bodyPr>
-          <a:lstStyle/>
-          <a:p>
-            <a:pPr marL="12700" marR="5080">
-              <a:spcBef>
-                <a:spcPts val="235"/>
-              </a:spcBef>
-            </a:pPr>
-            <a:endParaRPr lang="en-US" sz="2800" kern="0" dirty="0">
-              <a:latin typeface="Raleway" panose="020B0503030101060003" pitchFamily="34" charset="0"/>
-              <a:ea typeface="Roboto" panose="02000000000000000000" pitchFamily="2" charset="0"/>
-              <a:cs typeface="Roboto" panose="02000000000000000000" pitchFamily="2" charset="0"/>
-            </a:endParaRPr>
-          </a:p>
-          <a:p>
-            <a:pPr marL="469900" marR="5080" indent="-457200">
-              <a:spcBef>
-                <a:spcPts val="235"/>
-              </a:spcBef>
-              <a:buFontTx/>
-              <a:buChar char="-"/>
-            </a:pPr>
-            <a:endParaRPr lang="en-US" sz="2800" kern="0" dirty="0">
-              <a:latin typeface="Raleway" panose="020B0503030101060003" pitchFamily="34" charset="0"/>
-              <a:ea typeface="Roboto" panose="02000000000000000000" pitchFamily="2" charset="0"/>
-              <a:cs typeface="Roboto" panose="02000000000000000000" pitchFamily="2" charset="0"/>
-            </a:endParaRPr>
-          </a:p>
-          <a:p>
-            <a:pPr marL="469900" marR="5080" indent="-457200">
-              <a:spcBef>
-                <a:spcPts val="235"/>
-              </a:spcBef>
-              <a:buFontTx/>
-              <a:buChar char="-"/>
-            </a:pPr>
-            <a:r>
-              <a:rPr lang="en-US" sz="2800" kern="0" dirty="0">
-                <a:latin typeface="Raleway" panose="020B0503030101060003" pitchFamily="34" charset="0"/>
-                <a:ea typeface="Roboto" panose="02000000000000000000" pitchFamily="2" charset="0"/>
-                <a:cs typeface="Roboto" panose="02000000000000000000" pitchFamily="2" charset="0"/>
-              </a:rPr>
-              <a:t>Go through only the most important part of each section of the dissertation</a:t>
-            </a:r>
-          </a:p>
-          <a:p>
-            <a:pPr marL="469900" marR="5080" indent="-457200">
-              <a:spcBef>
-                <a:spcPts val="235"/>
-              </a:spcBef>
-              <a:buFontTx/>
-              <a:buChar char="-"/>
-            </a:pPr>
-            <a:r>
-              <a:rPr lang="en-US" sz="2800" kern="0" dirty="0">
-                <a:latin typeface="Raleway" panose="020B0503030101060003" pitchFamily="34" charset="0"/>
-                <a:ea typeface="Roboto" panose="02000000000000000000" pitchFamily="2" charset="0"/>
-                <a:cs typeface="Roboto" panose="02000000000000000000" pitchFamily="2" charset="0"/>
-              </a:rPr>
-              <a:t>describe what you write and why you write it</a:t>
-            </a:r>
-          </a:p>
-          <a:p>
-            <a:pPr marL="469900" marR="5080" indent="-457200">
-              <a:spcBef>
-                <a:spcPts val="235"/>
-              </a:spcBef>
-              <a:buFontTx/>
-              <a:buChar char="-"/>
-            </a:pPr>
-            <a:r>
-              <a:rPr lang="en-US" sz="2800" kern="0" dirty="0">
-                <a:latin typeface="Raleway" panose="020B0503030101060003" pitchFamily="34" charset="0"/>
-                <a:ea typeface="Roboto" panose="02000000000000000000" pitchFamily="2" charset="0"/>
-                <a:cs typeface="Roboto" panose="02000000000000000000" pitchFamily="2" charset="0"/>
-              </a:rPr>
-              <a:t>Determine whether this section is important to put in</a:t>
-            </a:r>
-          </a:p>
-          <a:p>
-            <a:pPr marL="469900" marR="5080" indent="-457200">
-              <a:spcBef>
-                <a:spcPts val="235"/>
-              </a:spcBef>
-              <a:buFontTx/>
-              <a:buChar char="-"/>
-            </a:pPr>
-            <a:r>
-              <a:rPr lang="en-US" sz="2800" kern="0" dirty="0">
-                <a:latin typeface="Raleway" panose="020B0503030101060003" pitchFamily="34" charset="0"/>
-                <a:ea typeface="Roboto" panose="02000000000000000000" pitchFamily="2" charset="0"/>
-                <a:cs typeface="Roboto" panose="02000000000000000000" pitchFamily="2" charset="0"/>
-              </a:rPr>
-              <a:t>What is missing in this section</a:t>
-            </a:r>
-          </a:p>
-          <a:p>
-            <a:pPr marL="469900" marR="5080" indent="-457200">
-              <a:spcBef>
-                <a:spcPts val="235"/>
-              </a:spcBef>
-              <a:buFontTx/>
-              <a:buChar char="-"/>
-            </a:pPr>
-            <a:r>
-              <a:rPr lang="en-US" sz="2800" kern="0" dirty="0">
-                <a:latin typeface="Raleway" panose="020B0503030101060003" pitchFamily="34" charset="0"/>
-                <a:ea typeface="Roboto" panose="02000000000000000000" pitchFamily="2" charset="0"/>
-                <a:cs typeface="Roboto" panose="02000000000000000000" pitchFamily="2" charset="0"/>
-              </a:rPr>
-              <a:t>What points to delete in this section</a:t>
-            </a:r>
-          </a:p>
-          <a:p>
-            <a:pPr marL="469900" marR="5080" indent="-457200">
-              <a:spcBef>
-                <a:spcPts val="235"/>
-              </a:spcBef>
-              <a:buFontTx/>
-              <a:buChar char="-"/>
-            </a:pPr>
-            <a:r>
-              <a:rPr lang="en-US" sz="2800" kern="0" dirty="0">
-                <a:latin typeface="Raleway" panose="020B0503030101060003" pitchFamily="34" charset="0"/>
-                <a:ea typeface="Roboto" panose="02000000000000000000" pitchFamily="2" charset="0"/>
-                <a:cs typeface="Roboto" panose="02000000000000000000" pitchFamily="2" charset="0"/>
-              </a:rPr>
-              <a:t>Possible writing template/ example work for reference </a:t>
-            </a:r>
-          </a:p>
-          <a:p>
-            <a:pPr marL="469900" marR="5080" indent="-457200">
-              <a:spcBef>
-                <a:spcPts val="235"/>
-              </a:spcBef>
-              <a:buFontTx/>
-              <a:buChar char="-"/>
-            </a:pPr>
-            <a:endParaRPr lang="en-US" sz="2800" kern="0" dirty="0">
-              <a:latin typeface="Raleway" panose="020B0503030101060003" pitchFamily="34" charset="0"/>
-              <a:ea typeface="Roboto" panose="02000000000000000000" pitchFamily="2" charset="0"/>
-              <a:cs typeface="Roboto" panose="02000000000000000000" pitchFamily="2" charset="0"/>
-            </a:endParaRPr>
-          </a:p>
-          <a:p>
-            <a:pPr marL="469900" marR="5080" indent="-457200">
-              <a:spcBef>
-                <a:spcPts val="235"/>
-              </a:spcBef>
-              <a:buFontTx/>
-              <a:buChar char="-"/>
-            </a:pPr>
-            <a:endParaRPr lang="en-US" sz="2800" kern="0" dirty="0">
-              <a:latin typeface="Raleway" panose="020B0503030101060003" pitchFamily="34" charset="0"/>
-              <a:ea typeface="Roboto" panose="02000000000000000000" pitchFamily="2" charset="0"/>
-              <a:cs typeface="Roboto" panose="02000000000000000000" pitchFamily="2" charset="0"/>
-            </a:endParaRPr>
-          </a:p>
-          <a:p>
-            <a:pPr marL="469900" marR="5080" indent="-457200">
-              <a:spcBef>
-                <a:spcPts val="235"/>
-              </a:spcBef>
-              <a:buFontTx/>
-              <a:buChar char="-"/>
-            </a:pPr>
-            <a:endParaRPr lang="en-US" sz="2800" kern="0" dirty="0">
-              <a:latin typeface="Raleway" panose="020B0503030101060003" pitchFamily="34" charset="0"/>
-              <a:ea typeface="Roboto" panose="02000000000000000000" pitchFamily="2" charset="0"/>
-              <a:cs typeface="Roboto" panose="02000000000000000000" pitchFamily="2" charset="0"/>
-            </a:endParaRPr>
-          </a:p>
-        </p:txBody>
-      </p:sp>
-    </p:spTree>
-    <p:extLst>
-      <p:ext uri="{BB962C8B-B14F-4D97-AF65-F5344CB8AC3E}">
-        <p14:creationId xmlns:p14="http://schemas.microsoft.com/office/powerpoint/2010/main" val="735626768"/>
-      </p:ext>
-    </p:extLst>
-  </p:cSld>
-  <p:clrMapOvr>
-    <a:masterClrMapping/>
-  </p:clrMapOvr>
-</p:sld>
-</file>
-
-<file path=ppt/slides/slide7.xml><?xml version="1.0" encoding="utf-8"?>
 <p:sld xmlns:a="http://schemas.openxmlformats.org/drawingml/2006/main" xmlns:r="http://schemas.openxmlformats.org/officeDocument/2006/relationships" xmlns:p="http://schemas.openxmlformats.org/presentationml/2006/main">
   <p:cSld>
     <p:spTree>
